--- a/Lessions/Bai-06-Temperature-Sensor/Bai-06-Temperature-Sensor.pptx
+++ b/Lessions/Bai-06-Temperature-Sensor/Bai-06-Temperature-Sensor.pptx
@@ -5,18 +5,19 @@
     <p:sldMasterId id="2147483660" r:id="rId1"/>
   </p:sldMasterIdLst>
   <p:notesMasterIdLst>
-    <p:notesMasterId r:id="rId11"/>
+    <p:notesMasterId r:id="rId12"/>
   </p:notesMasterIdLst>
   <p:sldIdLst>
     <p:sldId id="256" r:id="rId2"/>
-    <p:sldId id="257" r:id="rId3"/>
-    <p:sldId id="258" r:id="rId4"/>
-    <p:sldId id="270" r:id="rId5"/>
-    <p:sldId id="271" r:id="rId6"/>
-    <p:sldId id="269" r:id="rId7"/>
-    <p:sldId id="272" r:id="rId8"/>
-    <p:sldId id="273" r:id="rId9"/>
-    <p:sldId id="274" r:id="rId10"/>
+    <p:sldId id="276" r:id="rId3"/>
+    <p:sldId id="257" r:id="rId4"/>
+    <p:sldId id="258" r:id="rId5"/>
+    <p:sldId id="270" r:id="rId6"/>
+    <p:sldId id="271" r:id="rId7"/>
+    <p:sldId id="269" r:id="rId8"/>
+    <p:sldId id="272" r:id="rId9"/>
+    <p:sldId id="273" r:id="rId10"/>
+    <p:sldId id="274" r:id="rId11"/>
   </p:sldIdLst>
   <p:sldSz cx="9144000" cy="6858000" type="screen4x3"/>
   <p:notesSz cx="6858000" cy="9144000"/>
@@ -2174,16 +2175,7 @@
                 </a:solidFill>
                 <a:latin typeface="UTM Avo" panose="02040603050506020204" pitchFamily="18" charset="0"/>
               </a:rPr>
-              <a:t>BÀI </a:t>
-            </a:r>
-            <a:r>
-              <a:rPr lang="en-US" sz="3600" b="1" dirty="0" smtClean="0">
-                <a:solidFill>
-                  <a:schemeClr val="bg1"/>
-                </a:solidFill>
-                <a:latin typeface="UTM Avo" panose="02040603050506020204" pitchFamily="18" charset="0"/>
-              </a:rPr>
-              <a:t>6</a:t>
+              <a:t>BÀI 6</a:t>
             </a:r>
             <a:endParaRPr lang="en-US" sz="3600" b="1" dirty="0">
               <a:solidFill>
@@ -2288,6 +2280,1029 @@
   <p:clrMapOvr>
     <a:masterClrMapping/>
   </p:clrMapOvr>
+</p:sld>
+</file>
+
+<file path=ppt/slides/slide10.xml><?xml version="1.0" encoding="utf-8"?>
+<p:sld xmlns:a="http://schemas.openxmlformats.org/drawingml/2006/main" xmlns:r="http://schemas.openxmlformats.org/officeDocument/2006/relationships" xmlns:p="http://schemas.openxmlformats.org/presentationml/2006/main">
+  <p:cSld>
+    <p:spTree>
+      <p:nvGrpSpPr>
+        <p:cNvPr id="1" name=""/>
+        <p:cNvGrpSpPr/>
+        <p:nvPr/>
+      </p:nvGrpSpPr>
+      <p:grpSpPr>
+        <a:xfrm>
+          <a:off x="0" y="0"/>
+          <a:ext cx="0" cy="0"/>
+          <a:chOff x="0" y="0"/>
+          <a:chExt cx="0" cy="0"/>
+        </a:xfrm>
+      </p:grpSpPr>
+      <p:sp>
+        <p:nvSpPr>
+          <p:cNvPr id="2" name="Slide Number Placeholder 1"/>
+          <p:cNvSpPr>
+            <a:spLocks noGrp="1"/>
+          </p:cNvSpPr>
+          <p:nvPr>
+            <p:ph type="sldNum" sz="quarter" idx="12"/>
+          </p:nvPr>
+        </p:nvSpPr>
+        <p:spPr/>
+        <p:txBody>
+          <a:bodyPr/>
+          <a:lstStyle/>
+          <a:p>
+            <a:fld id="{7D9EC917-02A2-4152-9EE3-DFE2775A77C7}" type="slidenum">
+              <a:rPr lang="en-US" smtClean="0"/>
+              <a:pPr/>
+              <a:t>10</a:t>
+            </a:fld>
+            <a:endParaRPr lang="en-US"/>
+          </a:p>
+        </p:txBody>
+      </p:sp>
+      <p:sp>
+        <p:nvSpPr>
+          <p:cNvPr id="3" name="Rectangle 2"/>
+          <p:cNvSpPr/>
+          <p:nvPr/>
+        </p:nvSpPr>
+        <p:spPr>
+          <a:xfrm>
+            <a:off x="301925" y="1051379"/>
+            <a:ext cx="8454964" cy="27432"/>
+          </a:xfrm>
+          <a:prstGeom prst="rect">
+            <a:avLst/>
+          </a:prstGeom>
+          <a:gradFill flip="none" rotWithShape="1">
+            <a:gsLst>
+              <a:gs pos="15000">
+                <a:srgbClr val="67C7DF"/>
+              </a:gs>
+              <a:gs pos="100000">
+                <a:srgbClr val="5EB130"/>
+              </a:gs>
+            </a:gsLst>
+            <a:lin ang="0" scaled="1"/>
+            <a:tileRect/>
+          </a:gradFill>
+          <a:ln>
+            <a:noFill/>
+          </a:ln>
+        </p:spPr>
+        <p:style>
+          <a:lnRef idx="2">
+            <a:schemeClr val="accent1">
+              <a:shade val="50000"/>
+            </a:schemeClr>
+          </a:lnRef>
+          <a:fillRef idx="1">
+            <a:schemeClr val="accent1"/>
+          </a:fillRef>
+          <a:effectRef idx="0">
+            <a:schemeClr val="accent1"/>
+          </a:effectRef>
+          <a:fontRef idx="minor">
+            <a:schemeClr val="lt1"/>
+          </a:fontRef>
+        </p:style>
+        <p:txBody>
+          <a:bodyPr rtlCol="0" anchor="ctr"/>
+          <a:lstStyle/>
+          <a:p>
+            <a:pPr algn="ctr"/>
+            <a:endParaRPr lang="en-US"/>
+          </a:p>
+        </p:txBody>
+      </p:sp>
+      <p:sp>
+        <p:nvSpPr>
+          <p:cNvPr id="4" name="TextBox 3"/>
+          <p:cNvSpPr txBox="1"/>
+          <p:nvPr/>
+        </p:nvSpPr>
+        <p:spPr>
+          <a:xfrm>
+            <a:off x="248815" y="546584"/>
+            <a:ext cx="7374995" cy="461665"/>
+          </a:xfrm>
+          <a:prstGeom prst="rect">
+            <a:avLst/>
+          </a:prstGeom>
+          <a:noFill/>
+        </p:spPr>
+        <p:txBody>
+          <a:bodyPr wrap="square" rtlCol="0">
+            <a:spAutoFit/>
+          </a:bodyPr>
+          <a:lstStyle/>
+          <a:p>
+            <a:r>
+              <a:rPr lang="en-US" sz="2400" b="1" dirty="0" smtClean="0">
+                <a:solidFill>
+                  <a:srgbClr val="64C7E9"/>
+                </a:solidFill>
+                <a:latin typeface="UTM Helve" panose="02040603050506020204" pitchFamily="18" charset="0"/>
+                <a:ea typeface="Roboto" pitchFamily="2" charset="0"/>
+              </a:rPr>
+              <a:t>4.4 Hoạt động học viên</a:t>
+            </a:r>
+            <a:endParaRPr lang="en-US" sz="2400" b="1" dirty="0">
+              <a:solidFill>
+                <a:srgbClr val="64C7E9"/>
+              </a:solidFill>
+              <a:latin typeface="UTM Helve" panose="02040603050506020204" pitchFamily="18" charset="0"/>
+              <a:ea typeface="Roboto" pitchFamily="2" charset="0"/>
+            </a:endParaRPr>
+          </a:p>
+        </p:txBody>
+      </p:sp>
+      <p:sp>
+        <p:nvSpPr>
+          <p:cNvPr id="5" name="TextBox 4"/>
+          <p:cNvSpPr txBox="1"/>
+          <p:nvPr/>
+        </p:nvSpPr>
+        <p:spPr>
+          <a:xfrm>
+            <a:off x="1236140" y="1244057"/>
+            <a:ext cx="3388902" cy="461665"/>
+          </a:xfrm>
+          <a:prstGeom prst="rect">
+            <a:avLst/>
+          </a:prstGeom>
+          <a:noFill/>
+        </p:spPr>
+        <p:txBody>
+          <a:bodyPr wrap="square" rtlCol="0">
+            <a:spAutoFit/>
+          </a:bodyPr>
+          <a:lstStyle/>
+          <a:p>
+            <a:r>
+              <a:rPr lang="en-US" sz="2400" b="1" dirty="0" smtClean="0">
+                <a:solidFill>
+                  <a:schemeClr val="tx1">
+                    <a:lumMod val="85000"/>
+                    <a:lumOff val="15000"/>
+                  </a:schemeClr>
+                </a:solidFill>
+                <a:latin typeface="UTM Helve" panose="02040603050506020204" pitchFamily="18" charset="0"/>
+                <a:ea typeface="Roboto" pitchFamily="2" charset="0"/>
+              </a:rPr>
+              <a:t>Điều hòa thông minh</a:t>
+            </a:r>
+            <a:endParaRPr lang="en-US" sz="2400" b="1" dirty="0">
+              <a:solidFill>
+                <a:schemeClr val="tx1">
+                  <a:lumMod val="85000"/>
+                  <a:lumOff val="15000"/>
+                </a:schemeClr>
+              </a:solidFill>
+              <a:latin typeface="UTM Helve" panose="02040603050506020204" pitchFamily="18" charset="0"/>
+              <a:ea typeface="Roboto" pitchFamily="2" charset="0"/>
+            </a:endParaRPr>
+          </a:p>
+        </p:txBody>
+      </p:sp>
+      <p:pic>
+        <p:nvPicPr>
+          <p:cNvPr id="6" name="Picture 5"/>
+          <p:cNvPicPr>
+            <a:picLocks noChangeAspect="1"/>
+          </p:cNvPicPr>
+          <p:nvPr/>
+        </p:nvPicPr>
+        <p:blipFill>
+          <a:blip r:embed="rId2">
+            <a:extLst>
+              <a:ext uri="{28A0092B-C50C-407E-A947-70E740481C1C}">
+                <a14:useLocalDpi xmlns:a14="http://schemas.microsoft.com/office/drawing/2010/main" val="0"/>
+              </a:ext>
+            </a:extLst>
+          </a:blip>
+          <a:stretch>
+            <a:fillRect/>
+          </a:stretch>
+        </p:blipFill>
+        <p:spPr>
+          <a:xfrm>
+            <a:off x="679888" y="1317014"/>
+            <a:ext cx="466725" cy="409575"/>
+          </a:xfrm>
+          <a:prstGeom prst="rect">
+            <a:avLst/>
+          </a:prstGeom>
+        </p:spPr>
+      </p:pic>
+      <p:sp>
+        <p:nvSpPr>
+          <p:cNvPr id="9" name="TextBox 8"/>
+          <p:cNvSpPr txBox="1"/>
+          <p:nvPr/>
+        </p:nvSpPr>
+        <p:spPr>
+          <a:xfrm>
+            <a:off x="1062483" y="2323418"/>
+            <a:ext cx="3376995" cy="707886"/>
+          </a:xfrm>
+          <a:prstGeom prst="rect">
+            <a:avLst/>
+          </a:prstGeom>
+          <a:noFill/>
+        </p:spPr>
+        <p:txBody>
+          <a:bodyPr wrap="square" rtlCol="0">
+            <a:spAutoFit/>
+          </a:bodyPr>
+          <a:lstStyle/>
+          <a:p>
+            <a:r>
+              <a:rPr lang="vi-VN" sz="2000" dirty="0">
+                <a:latin typeface="Arial (Body)"/>
+              </a:rPr>
+              <a:t>Dùng micro:bit đo nhiệt độ phòng của </a:t>
+            </a:r>
+            <a:r>
+              <a:rPr lang="vi-VN" sz="2000" b="1" dirty="0">
+                <a:latin typeface="Arial (Body)"/>
+              </a:rPr>
+              <a:t>Chaien</a:t>
+            </a:r>
+            <a:endParaRPr lang="en-US" sz="2000" b="1" dirty="0">
+              <a:latin typeface="Arial (Body)"/>
+              <a:cs typeface="Arial" panose="020B0604020202020204" pitchFamily="34" charset="0"/>
+            </a:endParaRPr>
+          </a:p>
+        </p:txBody>
+      </p:sp>
+      <p:sp>
+        <p:nvSpPr>
+          <p:cNvPr id="13" name="Rounded Rectangle 12"/>
+          <p:cNvSpPr/>
+          <p:nvPr/>
+        </p:nvSpPr>
+        <p:spPr>
+          <a:xfrm>
+            <a:off x="859632" y="2120351"/>
+            <a:ext cx="4352539" cy="3820223"/>
+          </a:xfrm>
+          <a:prstGeom prst="roundRect">
+            <a:avLst>
+              <a:gd name="adj" fmla="val 3719"/>
+            </a:avLst>
+          </a:prstGeom>
+          <a:noFill/>
+          <a:ln w="28575">
+            <a:solidFill>
+              <a:srgbClr val="64C7E9"/>
+            </a:solidFill>
+            <a:prstDash val="sysDash"/>
+          </a:ln>
+        </p:spPr>
+        <p:style>
+          <a:lnRef idx="2">
+            <a:schemeClr val="accent1">
+              <a:shade val="50000"/>
+            </a:schemeClr>
+          </a:lnRef>
+          <a:fillRef idx="1">
+            <a:schemeClr val="accent1"/>
+          </a:fillRef>
+          <a:effectRef idx="0">
+            <a:schemeClr val="accent1"/>
+          </a:effectRef>
+          <a:fontRef idx="minor">
+            <a:schemeClr val="lt1"/>
+          </a:fontRef>
+        </p:style>
+        <p:txBody>
+          <a:bodyPr rtlCol="0" anchor="ctr"/>
+          <a:lstStyle/>
+          <a:p>
+            <a:pPr algn="ctr"/>
+            <a:endParaRPr lang="en-US"/>
+          </a:p>
+        </p:txBody>
+      </p:sp>
+      <p:sp>
+        <p:nvSpPr>
+          <p:cNvPr id="11" name="Rounded Rectangle 10"/>
+          <p:cNvSpPr/>
+          <p:nvPr/>
+        </p:nvSpPr>
+        <p:spPr>
+          <a:xfrm>
+            <a:off x="1611999" y="1890917"/>
+            <a:ext cx="2637183" cy="383913"/>
+          </a:xfrm>
+          <a:prstGeom prst="roundRect">
+            <a:avLst>
+              <a:gd name="adj" fmla="val 50000"/>
+            </a:avLst>
+          </a:prstGeom>
+          <a:gradFill flip="none" rotWithShape="1">
+            <a:gsLst>
+              <a:gs pos="15000">
+                <a:srgbClr val="67C7DF"/>
+              </a:gs>
+              <a:gs pos="100000">
+                <a:srgbClr val="5EB130"/>
+              </a:gs>
+            </a:gsLst>
+            <a:lin ang="0" scaled="1"/>
+            <a:tileRect/>
+          </a:gradFill>
+          <a:ln>
+            <a:noFill/>
+          </a:ln>
+        </p:spPr>
+        <p:style>
+          <a:lnRef idx="2">
+            <a:schemeClr val="accent1">
+              <a:shade val="50000"/>
+            </a:schemeClr>
+          </a:lnRef>
+          <a:fillRef idx="1">
+            <a:schemeClr val="accent1"/>
+          </a:fillRef>
+          <a:effectRef idx="0">
+            <a:schemeClr val="accent1"/>
+          </a:effectRef>
+          <a:fontRef idx="minor">
+            <a:schemeClr val="lt1"/>
+          </a:fontRef>
+        </p:style>
+        <p:txBody>
+          <a:bodyPr rtlCol="0" anchor="ctr"/>
+          <a:lstStyle/>
+          <a:p>
+            <a:pPr algn="ctr"/>
+            <a:r>
+              <a:rPr lang="en-US" sz="2000" dirty="0" smtClean="0">
+                <a:latin typeface="Arial (Body)"/>
+              </a:rPr>
+              <a:t>Hướng dẫn</a:t>
+            </a:r>
+            <a:endParaRPr lang="en-US" sz="2000" dirty="0">
+              <a:latin typeface="Arial (Body)"/>
+            </a:endParaRPr>
+          </a:p>
+        </p:txBody>
+      </p:sp>
+      <p:sp>
+        <p:nvSpPr>
+          <p:cNvPr id="15" name="Rectangle 14"/>
+          <p:cNvSpPr/>
+          <p:nvPr/>
+        </p:nvSpPr>
+        <p:spPr>
+          <a:xfrm>
+            <a:off x="1062483" y="3207867"/>
+            <a:ext cx="168260" cy="168260"/>
+          </a:xfrm>
+          <a:prstGeom prst="rect">
+            <a:avLst/>
+          </a:prstGeom>
+          <a:solidFill>
+            <a:srgbClr val="64C7E9"/>
+          </a:solidFill>
+          <a:ln>
+            <a:noFill/>
+          </a:ln>
+        </p:spPr>
+        <p:style>
+          <a:lnRef idx="2">
+            <a:schemeClr val="accent1">
+              <a:shade val="50000"/>
+            </a:schemeClr>
+          </a:lnRef>
+          <a:fillRef idx="1">
+            <a:schemeClr val="accent1"/>
+          </a:fillRef>
+          <a:effectRef idx="0">
+            <a:schemeClr val="accent1"/>
+          </a:effectRef>
+          <a:fontRef idx="minor">
+            <a:schemeClr val="lt1"/>
+          </a:fontRef>
+        </p:style>
+        <p:txBody>
+          <a:bodyPr rtlCol="0" anchor="ctr"/>
+          <a:lstStyle/>
+          <a:p>
+            <a:pPr algn="ctr"/>
+            <a:endParaRPr lang="en-US"/>
+          </a:p>
+        </p:txBody>
+      </p:sp>
+      <p:sp>
+        <p:nvSpPr>
+          <p:cNvPr id="16" name="TextBox 15"/>
+          <p:cNvSpPr txBox="1"/>
+          <p:nvPr/>
+        </p:nvSpPr>
+        <p:spPr>
+          <a:xfrm>
+            <a:off x="1301023" y="3052289"/>
+            <a:ext cx="3547566" cy="1015663"/>
+          </a:xfrm>
+          <a:prstGeom prst="rect">
+            <a:avLst/>
+          </a:prstGeom>
+          <a:noFill/>
+        </p:spPr>
+        <p:txBody>
+          <a:bodyPr wrap="square" rtlCol="0">
+            <a:spAutoFit/>
+          </a:bodyPr>
+          <a:lstStyle/>
+          <a:p>
+            <a:r>
+              <a:rPr lang="vi-VN" sz="2000" dirty="0">
+                <a:latin typeface="Arial (Body)"/>
+              </a:rPr>
+              <a:t>Lúc nào nhiệt độ xuống </a:t>
+            </a:r>
+            <a:r>
+              <a:rPr lang="vi-VN" sz="2000" dirty="0" smtClean="0">
+                <a:latin typeface="Arial (Body)"/>
+              </a:rPr>
+              <a:t>22</a:t>
+            </a:r>
+            <a:r>
+              <a:rPr lang="en-US" sz="2000" dirty="0" smtClean="0">
+                <a:latin typeface="Arial (Body)"/>
+              </a:rPr>
+              <a:t> </a:t>
+            </a:r>
+            <a:r>
+              <a:rPr lang="en-US" sz="2000" b="1" dirty="0" smtClean="0"/>
+              <a:t>℃ </a:t>
+            </a:r>
+            <a:r>
+              <a:rPr lang="vi-VN" sz="2000" dirty="0" smtClean="0">
+                <a:latin typeface="Arial (Body)"/>
+              </a:rPr>
+              <a:t> độ</a:t>
+            </a:r>
+            <a:r>
+              <a:rPr lang="en-US" sz="2000" dirty="0" smtClean="0">
+                <a:latin typeface="Arial (Body)"/>
+              </a:rPr>
+              <a:t> </a:t>
+            </a:r>
+            <a:r>
+              <a:rPr lang="vi-VN" sz="2000" dirty="0" smtClean="0">
+                <a:latin typeface="Arial (Body)"/>
+              </a:rPr>
+              <a:t> </a:t>
+            </a:r>
+            <a:r>
+              <a:rPr lang="vi-VN" sz="2000" dirty="0">
+                <a:latin typeface="Arial (Body)"/>
+              </a:rPr>
+              <a:t>thì </a:t>
+            </a:r>
+            <a:r>
+              <a:rPr lang="vi-VN" sz="2000" b="1" dirty="0">
+                <a:latin typeface="Arial (Body)"/>
+              </a:rPr>
+              <a:t>tắt</a:t>
+            </a:r>
+            <a:r>
+              <a:rPr lang="vi-VN" sz="2000" dirty="0">
+                <a:latin typeface="Arial (Body)"/>
+              </a:rPr>
+              <a:t> điều </a:t>
+            </a:r>
+            <a:r>
+              <a:rPr lang="vi-VN" sz="2000" dirty="0" smtClean="0">
+                <a:latin typeface="Arial (Body)"/>
+              </a:rPr>
+              <a:t>hòa</a:t>
+            </a:r>
+            <a:r>
+              <a:rPr lang="en-US" sz="2000" dirty="0" smtClean="0">
+                <a:latin typeface="Arial (Body)"/>
+              </a:rPr>
+              <a:t>. Màn hình LED hiển thị hoa tuyết.</a:t>
+            </a:r>
+            <a:endParaRPr lang="en-US" sz="2000" b="1" dirty="0">
+              <a:latin typeface="Arial (Body)"/>
+              <a:cs typeface="Arial" panose="020B0604020202020204" pitchFamily="34" charset="0"/>
+            </a:endParaRPr>
+          </a:p>
+        </p:txBody>
+      </p:sp>
+      <p:sp>
+        <p:nvSpPr>
+          <p:cNvPr id="17" name="Rectangle 16"/>
+          <p:cNvSpPr/>
+          <p:nvPr/>
+        </p:nvSpPr>
+        <p:spPr>
+          <a:xfrm>
+            <a:off x="1062483" y="4262847"/>
+            <a:ext cx="168260" cy="168260"/>
+          </a:xfrm>
+          <a:prstGeom prst="rect">
+            <a:avLst/>
+          </a:prstGeom>
+          <a:solidFill>
+            <a:srgbClr val="64C7E9"/>
+          </a:solidFill>
+          <a:ln>
+            <a:noFill/>
+          </a:ln>
+        </p:spPr>
+        <p:style>
+          <a:lnRef idx="2">
+            <a:schemeClr val="accent1">
+              <a:shade val="50000"/>
+            </a:schemeClr>
+          </a:lnRef>
+          <a:fillRef idx="1">
+            <a:schemeClr val="accent1"/>
+          </a:fillRef>
+          <a:effectRef idx="0">
+            <a:schemeClr val="accent1"/>
+          </a:effectRef>
+          <a:fontRef idx="minor">
+            <a:schemeClr val="lt1"/>
+          </a:fontRef>
+        </p:style>
+        <p:txBody>
+          <a:bodyPr rtlCol="0" anchor="ctr"/>
+          <a:lstStyle/>
+          <a:p>
+            <a:pPr algn="ctr"/>
+            <a:endParaRPr lang="en-US"/>
+          </a:p>
+        </p:txBody>
+      </p:sp>
+      <p:sp>
+        <p:nvSpPr>
+          <p:cNvPr id="18" name="TextBox 17"/>
+          <p:cNvSpPr txBox="1"/>
+          <p:nvPr/>
+        </p:nvSpPr>
+        <p:spPr>
+          <a:xfrm>
+            <a:off x="1301022" y="4107269"/>
+            <a:ext cx="3911149" cy="1015663"/>
+          </a:xfrm>
+          <a:prstGeom prst="rect">
+            <a:avLst/>
+          </a:prstGeom>
+          <a:noFill/>
+        </p:spPr>
+        <p:txBody>
+          <a:bodyPr wrap="square" rtlCol="0">
+            <a:spAutoFit/>
+          </a:bodyPr>
+          <a:lstStyle/>
+          <a:p>
+            <a:r>
+              <a:rPr lang="vi-VN" sz="2000" dirty="0">
+                <a:latin typeface="Arial (Body)"/>
+              </a:rPr>
+              <a:t>Lúc nào nhiệt độ </a:t>
+            </a:r>
+            <a:r>
+              <a:rPr lang="en-US" sz="2000" dirty="0" smtClean="0">
+                <a:latin typeface="Arial (Body)"/>
+              </a:rPr>
+              <a:t>tăng lên</a:t>
+            </a:r>
+            <a:r>
+              <a:rPr lang="vi-VN" sz="2000" dirty="0" smtClean="0">
+                <a:latin typeface="Arial (Body)"/>
+              </a:rPr>
+              <a:t> 2</a:t>
+            </a:r>
+            <a:r>
+              <a:rPr lang="en-US" sz="2000" dirty="0" smtClean="0">
+                <a:latin typeface="Arial (Body)"/>
+              </a:rPr>
+              <a:t>8 </a:t>
+            </a:r>
+            <a:r>
+              <a:rPr lang="en-US" sz="2000" b="1" dirty="0" smtClean="0"/>
+              <a:t>℃ </a:t>
+            </a:r>
+            <a:r>
+              <a:rPr lang="vi-VN" sz="2000" dirty="0" smtClean="0">
+                <a:latin typeface="Arial (Body)"/>
+              </a:rPr>
+              <a:t> độ</a:t>
+            </a:r>
+            <a:r>
+              <a:rPr lang="en-US" sz="2000" dirty="0" smtClean="0">
+                <a:latin typeface="Arial (Body)"/>
+              </a:rPr>
+              <a:t> </a:t>
+            </a:r>
+            <a:r>
+              <a:rPr lang="vi-VN" sz="2000" dirty="0" smtClean="0">
+                <a:latin typeface="Arial (Body)"/>
+              </a:rPr>
+              <a:t> </a:t>
+            </a:r>
+            <a:r>
+              <a:rPr lang="vi-VN" sz="2000" dirty="0">
+                <a:latin typeface="Arial (Body)"/>
+              </a:rPr>
+              <a:t>thì </a:t>
+            </a:r>
+            <a:r>
+              <a:rPr lang="en-US" sz="2000" b="1" dirty="0" smtClean="0">
+                <a:latin typeface="Arial (Body)"/>
+              </a:rPr>
+              <a:t>bật lại</a:t>
+            </a:r>
+            <a:r>
+              <a:rPr lang="vi-VN" sz="2000" dirty="0" smtClean="0">
+                <a:latin typeface="Arial (Body)"/>
+              </a:rPr>
+              <a:t> </a:t>
+            </a:r>
+            <a:r>
+              <a:rPr lang="vi-VN" sz="2000" dirty="0">
+                <a:latin typeface="Arial (Body)"/>
+              </a:rPr>
+              <a:t>điều </a:t>
+            </a:r>
+            <a:r>
+              <a:rPr lang="vi-VN" sz="2000" dirty="0" smtClean="0">
+                <a:latin typeface="Arial (Body)"/>
+              </a:rPr>
+              <a:t>hòa</a:t>
+            </a:r>
+            <a:r>
+              <a:rPr lang="en-US" sz="2000" dirty="0" smtClean="0">
+                <a:latin typeface="Arial (Body)"/>
+              </a:rPr>
+              <a:t>. Màn hình LED hiển thị mặt buồn</a:t>
+            </a:r>
+            <a:endParaRPr lang="en-US" sz="2000" b="1" dirty="0">
+              <a:latin typeface="Arial (Body)"/>
+              <a:cs typeface="Arial" panose="020B0604020202020204" pitchFamily="34" charset="0"/>
+            </a:endParaRPr>
+          </a:p>
+        </p:txBody>
+      </p:sp>
+      <p:sp>
+        <p:nvSpPr>
+          <p:cNvPr id="20" name="Rectangle 19"/>
+          <p:cNvSpPr/>
+          <p:nvPr/>
+        </p:nvSpPr>
+        <p:spPr>
+          <a:xfrm>
+            <a:off x="1062483" y="5296518"/>
+            <a:ext cx="168260" cy="168260"/>
+          </a:xfrm>
+          <a:prstGeom prst="rect">
+            <a:avLst/>
+          </a:prstGeom>
+          <a:solidFill>
+            <a:srgbClr val="64C7E9"/>
+          </a:solidFill>
+          <a:ln>
+            <a:noFill/>
+          </a:ln>
+        </p:spPr>
+        <p:style>
+          <a:lnRef idx="2">
+            <a:schemeClr val="accent1">
+              <a:shade val="50000"/>
+            </a:schemeClr>
+          </a:lnRef>
+          <a:fillRef idx="1">
+            <a:schemeClr val="accent1"/>
+          </a:fillRef>
+          <a:effectRef idx="0">
+            <a:schemeClr val="accent1"/>
+          </a:effectRef>
+          <a:fontRef idx="minor">
+            <a:schemeClr val="lt1"/>
+          </a:fontRef>
+        </p:style>
+        <p:txBody>
+          <a:bodyPr rtlCol="0" anchor="ctr"/>
+          <a:lstStyle/>
+          <a:p>
+            <a:pPr algn="ctr"/>
+            <a:endParaRPr lang="en-US"/>
+          </a:p>
+        </p:txBody>
+      </p:sp>
+      <p:sp>
+        <p:nvSpPr>
+          <p:cNvPr id="21" name="TextBox 20"/>
+          <p:cNvSpPr txBox="1"/>
+          <p:nvPr/>
+        </p:nvSpPr>
+        <p:spPr>
+          <a:xfrm>
+            <a:off x="1301022" y="5140940"/>
+            <a:ext cx="3911149" cy="707886"/>
+          </a:xfrm>
+          <a:prstGeom prst="rect">
+            <a:avLst/>
+          </a:prstGeom>
+          <a:noFill/>
+        </p:spPr>
+        <p:txBody>
+          <a:bodyPr wrap="square" rtlCol="0">
+            <a:spAutoFit/>
+          </a:bodyPr>
+          <a:lstStyle/>
+          <a:p>
+            <a:r>
+              <a:rPr lang="en-US" sz="2000" dirty="0" smtClean="0">
+                <a:latin typeface="Arial (Body)"/>
+              </a:rPr>
+              <a:t>Chạm vào Logo thì hiển thị nhiệt độ phòng hiện tại</a:t>
+            </a:r>
+            <a:endParaRPr lang="en-US" sz="2000" b="1" dirty="0">
+              <a:latin typeface="Arial (Body)"/>
+              <a:cs typeface="Arial" panose="020B0604020202020204" pitchFamily="34" charset="0"/>
+            </a:endParaRPr>
+          </a:p>
+        </p:txBody>
+      </p:sp>
+      <p:pic>
+        <p:nvPicPr>
+          <p:cNvPr id="22" name="Picture 21"/>
+          <p:cNvPicPr>
+            <a:picLocks noChangeAspect="1"/>
+          </p:cNvPicPr>
+          <p:nvPr/>
+        </p:nvPicPr>
+        <p:blipFill>
+          <a:blip r:embed="rId3"/>
+          <a:stretch>
+            <a:fillRect/>
+          </a:stretch>
+        </p:blipFill>
+        <p:spPr>
+          <a:xfrm>
+            <a:off x="5415022" y="2037628"/>
+            <a:ext cx="1533739" cy="571580"/>
+          </a:xfrm>
+          <a:prstGeom prst="rect">
+            <a:avLst/>
+          </a:prstGeom>
+        </p:spPr>
+      </p:pic>
+      <p:pic>
+        <p:nvPicPr>
+          <p:cNvPr id="23" name="Picture 22"/>
+          <p:cNvPicPr>
+            <a:picLocks noChangeAspect="1"/>
+          </p:cNvPicPr>
+          <p:nvPr/>
+        </p:nvPicPr>
+        <p:blipFill>
+          <a:blip r:embed="rId4"/>
+          <a:stretch>
+            <a:fillRect/>
+          </a:stretch>
+        </p:blipFill>
+        <p:spPr>
+          <a:xfrm>
+            <a:off x="5415022" y="2782261"/>
+            <a:ext cx="1171739" cy="1457528"/>
+          </a:xfrm>
+          <a:prstGeom prst="rect">
+            <a:avLst/>
+          </a:prstGeom>
+        </p:spPr>
+      </p:pic>
+      <p:pic>
+        <p:nvPicPr>
+          <p:cNvPr id="24" name="Picture 23"/>
+          <p:cNvPicPr>
+            <a:picLocks noChangeAspect="1"/>
+          </p:cNvPicPr>
+          <p:nvPr/>
+        </p:nvPicPr>
+        <p:blipFill>
+          <a:blip r:embed="rId5"/>
+          <a:stretch>
+            <a:fillRect/>
+          </a:stretch>
+        </p:blipFill>
+        <p:spPr>
+          <a:xfrm>
+            <a:off x="7085634" y="2057244"/>
+            <a:ext cx="1514686" cy="990738"/>
+          </a:xfrm>
+          <a:prstGeom prst="rect">
+            <a:avLst/>
+          </a:prstGeom>
+        </p:spPr>
+      </p:pic>
+      <p:pic>
+        <p:nvPicPr>
+          <p:cNvPr id="25" name="Picture 24"/>
+          <p:cNvPicPr>
+            <a:picLocks noChangeAspect="1"/>
+          </p:cNvPicPr>
+          <p:nvPr/>
+        </p:nvPicPr>
+        <p:blipFill>
+          <a:blip r:embed="rId6"/>
+          <a:stretch>
+            <a:fillRect/>
+          </a:stretch>
+        </p:blipFill>
+        <p:spPr>
+          <a:xfrm>
+            <a:off x="5419206" y="4371191"/>
+            <a:ext cx="3337684" cy="1007281"/>
+          </a:xfrm>
+          <a:prstGeom prst="rect">
+            <a:avLst/>
+          </a:prstGeom>
+        </p:spPr>
+      </p:pic>
+      <p:pic>
+        <p:nvPicPr>
+          <p:cNvPr id="26" name="Picture 25"/>
+          <p:cNvPicPr>
+            <a:picLocks noChangeAspect="1"/>
+          </p:cNvPicPr>
+          <p:nvPr/>
+        </p:nvPicPr>
+        <p:blipFill>
+          <a:blip r:embed="rId7"/>
+          <a:stretch>
+            <a:fillRect/>
+          </a:stretch>
+        </p:blipFill>
+        <p:spPr>
+          <a:xfrm>
+            <a:off x="6780730" y="3168608"/>
+            <a:ext cx="1686160" cy="1000265"/>
+          </a:xfrm>
+          <a:prstGeom prst="rect">
+            <a:avLst/>
+          </a:prstGeom>
+        </p:spPr>
+      </p:pic>
+      <p:sp>
+        <p:nvSpPr>
+          <p:cNvPr id="27" name="TextBox 26"/>
+          <p:cNvSpPr txBox="1"/>
+          <p:nvPr/>
+        </p:nvSpPr>
+        <p:spPr>
+          <a:xfrm>
+            <a:off x="5769526" y="5509766"/>
+            <a:ext cx="2358470" cy="338554"/>
+          </a:xfrm>
+          <a:prstGeom prst="rect">
+            <a:avLst/>
+          </a:prstGeom>
+          <a:noFill/>
+        </p:spPr>
+        <p:txBody>
+          <a:bodyPr wrap="square" rtlCol="0">
+            <a:spAutoFit/>
+          </a:bodyPr>
+          <a:lstStyle/>
+          <a:p>
+            <a:pPr algn="ctr"/>
+            <a:r>
+              <a:rPr lang="en-US" sz="1600" i="1" dirty="0" smtClean="0"/>
+              <a:t>Các Blocks gợi ý</a:t>
+            </a:r>
+            <a:endParaRPr lang="en-US" sz="1600" b="1" i="1" dirty="0">
+              <a:latin typeface="Arial" panose="020B0604020202020204" pitchFamily="34" charset="0"/>
+              <a:cs typeface="Arial" panose="020B0604020202020204" pitchFamily="34" charset="0"/>
+            </a:endParaRPr>
+          </a:p>
+        </p:txBody>
+      </p:sp>
+      <p:sp>
+        <p:nvSpPr>
+          <p:cNvPr id="28" name="Rounded Rectangle 27"/>
+          <p:cNvSpPr/>
+          <p:nvPr/>
+        </p:nvSpPr>
+        <p:spPr>
+          <a:xfrm>
+            <a:off x="859248" y="6138232"/>
+            <a:ext cx="7741072" cy="383913"/>
+          </a:xfrm>
+          <a:prstGeom prst="roundRect">
+            <a:avLst>
+              <a:gd name="adj" fmla="val 50000"/>
+            </a:avLst>
+          </a:prstGeom>
+          <a:gradFill flip="none" rotWithShape="1">
+            <a:gsLst>
+              <a:gs pos="15000">
+                <a:srgbClr val="67C7DF"/>
+              </a:gs>
+              <a:gs pos="100000">
+                <a:srgbClr val="5EB130"/>
+              </a:gs>
+            </a:gsLst>
+            <a:lin ang="0" scaled="1"/>
+            <a:tileRect/>
+          </a:gradFill>
+          <a:ln>
+            <a:noFill/>
+          </a:ln>
+        </p:spPr>
+        <p:style>
+          <a:lnRef idx="2">
+            <a:schemeClr val="accent1">
+              <a:shade val="50000"/>
+            </a:schemeClr>
+          </a:lnRef>
+          <a:fillRef idx="1">
+            <a:schemeClr val="accent1"/>
+          </a:fillRef>
+          <a:effectRef idx="0">
+            <a:schemeClr val="accent1"/>
+          </a:effectRef>
+          <a:fontRef idx="minor">
+            <a:schemeClr val="lt1"/>
+          </a:fontRef>
+        </p:style>
+        <p:txBody>
+          <a:bodyPr rtlCol="0" anchor="ctr"/>
+          <a:lstStyle/>
+          <a:p>
+            <a:pPr algn="ctr"/>
+            <a:r>
+              <a:rPr lang="en-US" dirty="0" smtClean="0">
+                <a:latin typeface="Arial (Body)"/>
+              </a:rPr>
+              <a:t>Yêu cầu viết thuật toán trước khi thực hiện chương trình</a:t>
+            </a:r>
+            <a:endParaRPr lang="en-US" dirty="0">
+              <a:latin typeface="Arial (Body)"/>
+            </a:endParaRPr>
+          </a:p>
+        </p:txBody>
+      </p:sp>
+      <p:pic>
+        <p:nvPicPr>
+          <p:cNvPr id="29" name="Picture 28"/>
+          <p:cNvPicPr>
+            <a:picLocks noChangeAspect="1"/>
+          </p:cNvPicPr>
+          <p:nvPr/>
+        </p:nvPicPr>
+        <p:blipFill>
+          <a:blip r:embed="rId8">
+            <a:extLst>
+              <a:ext uri="{28A0092B-C50C-407E-A947-70E740481C1C}">
+                <a14:useLocalDpi xmlns:a14="http://schemas.microsoft.com/office/drawing/2010/main" val="0"/>
+              </a:ext>
+            </a:extLst>
+          </a:blip>
+          <a:stretch>
+            <a:fillRect/>
+          </a:stretch>
+        </p:blipFill>
+        <p:spPr>
+          <a:xfrm rot="20418821">
+            <a:off x="530442" y="5548361"/>
+            <a:ext cx="765616" cy="671867"/>
+          </a:xfrm>
+          <a:prstGeom prst="rect">
+            <a:avLst/>
+          </a:prstGeom>
+        </p:spPr>
+      </p:pic>
+    </p:spTree>
+    <p:extLst>
+      <p:ext uri="{BB962C8B-B14F-4D97-AF65-F5344CB8AC3E}">
+        <p14:creationId xmlns:p14="http://schemas.microsoft.com/office/powerpoint/2010/main" val="2001692976"/>
+      </p:ext>
+    </p:extLst>
+  </p:cSld>
+  <p:clrMapOvr>
+    <a:masterClrMapping/>
+  </p:clrMapOvr>
+  <p:timing>
+    <p:tnLst>
+      <p:par>
+        <p:cTn id="1" dur="indefinite" restart="never" nodeType="tmRoot"/>
+      </p:par>
+    </p:tnLst>
+  </p:timing>
 </p:sld>
 </file>
 
@@ -2334,16 +3349,16 @@
       </p:sp>
       <p:sp>
         <p:nvSpPr>
-          <p:cNvPr id="3" name="Rectangle 2"/>
+          <p:cNvPr id="8" name="Rounded Rectangle 7"/>
           <p:cNvSpPr/>
           <p:nvPr/>
         </p:nvSpPr>
         <p:spPr>
           <a:xfrm>
-            <a:off x="301925" y="1051379"/>
-            <a:ext cx="8454964" cy="27432"/>
-          </a:xfrm>
-          <a:prstGeom prst="rect">
+            <a:off x="418920" y="1524000"/>
+            <a:ext cx="8194993" cy="1590261"/>
+          </a:xfrm>
+          <a:prstGeom prst="roundRect">
             <a:avLst/>
           </a:prstGeom>
           <a:gradFill flip="none" rotWithShape="1">
@@ -2382,219 +3397,88 @@
           <a:bodyPr rtlCol="0" anchor="ctr"/>
           <a:lstStyle/>
           <a:p>
-            <a:pPr algn="ctr"/>
             <a:endParaRPr lang="en-US"/>
           </a:p>
         </p:txBody>
       </p:sp>
       <p:sp>
         <p:nvSpPr>
-          <p:cNvPr id="4" name="TextBox 3"/>
-          <p:cNvSpPr txBox="1"/>
-          <p:nvPr/>
-        </p:nvSpPr>
-        <p:spPr>
-          <a:xfrm>
-            <a:off x="448815" y="546584"/>
-            <a:ext cx="5893616" cy="461665"/>
-          </a:xfrm>
-          <a:prstGeom prst="rect">
-            <a:avLst/>
-          </a:prstGeom>
-          <a:noFill/>
-        </p:spPr>
-        <p:txBody>
-          <a:bodyPr wrap="square" rtlCol="0">
+          <p:cNvPr id="6" name="Rectangle 5"/>
+          <p:cNvSpPr/>
+          <p:nvPr/>
+        </p:nvSpPr>
+        <p:spPr>
+          <a:xfrm>
+            <a:off x="760640" y="1759679"/>
+            <a:ext cx="7537533" cy="1015663"/>
+          </a:xfrm>
+          <a:prstGeom prst="rect">
+            <a:avLst/>
+          </a:prstGeom>
+        </p:spPr>
+        <p:txBody>
+          <a:bodyPr wrap="square">
             <a:spAutoFit/>
           </a:bodyPr>
           <a:lstStyle/>
           <a:p>
             <a:r>
-              <a:rPr lang="en-US" sz="2400" b="1" dirty="0" smtClean="0">
-                <a:solidFill>
-                  <a:srgbClr val="64C7E9"/>
-                </a:solidFill>
-                <a:latin typeface="UTM Helve" panose="02040603050506020204" pitchFamily="18" charset="0"/>
-                <a:ea typeface="Roboto" pitchFamily="2" charset="0"/>
-              </a:rPr>
-              <a:t>6.1 Giới thiệu Cảm biến nhiệt độ</a:t>
-            </a:r>
-            <a:endParaRPr lang="en-US" sz="2400" b="1" dirty="0">
+              <a:rPr lang="vi-VN" sz="2000" b="1" dirty="0">
+                <a:solidFill>
+                  <a:schemeClr val="bg1"/>
+                </a:solidFill>
+              </a:rPr>
+              <a:t>Cảm biến</a:t>
+            </a:r>
+            <a:r>
+              <a:rPr lang="vi-VN" sz="2000" dirty="0">
+                <a:solidFill>
+                  <a:schemeClr val="bg1"/>
+                </a:solidFill>
+              </a:rPr>
+              <a:t> là thiết bị điện tử cảm nhận những trạng thái, quá trình vật lý hay hóa học ở môi trường cần khảo sát và biến đổi thành tín hiệu điện để thu thập thông tin về trạng thái hay quá trình </a:t>
+            </a:r>
+            <a:r>
+              <a:rPr lang="vi-VN" sz="2000" dirty="0" smtClean="0">
+                <a:solidFill>
+                  <a:schemeClr val="bg1"/>
+                </a:solidFill>
+              </a:rPr>
+              <a:t>đó</a:t>
+            </a:r>
+            <a:r>
+              <a:rPr lang="en-US" sz="2000" dirty="0" smtClean="0">
+                <a:solidFill>
+                  <a:schemeClr val="bg1"/>
+                </a:solidFill>
+              </a:rPr>
+              <a:t>.</a:t>
+            </a:r>
+            <a:endParaRPr lang="en-US" sz="2000" dirty="0">
               <a:solidFill>
-                <a:srgbClr val="64C7E9"/>
+                <a:schemeClr val="bg1"/>
               </a:solidFill>
-              <a:latin typeface="UTM Helve" panose="02040603050506020204" pitchFamily="18" charset="0"/>
-              <a:ea typeface="Roboto" pitchFamily="2" charset="0"/>
             </a:endParaRPr>
           </a:p>
         </p:txBody>
       </p:sp>
-      <p:pic>
-        <p:nvPicPr>
-          <p:cNvPr id="5" name="Picture 4"/>
-          <p:cNvPicPr>
-            <a:picLocks noChangeAspect="1"/>
-          </p:cNvPicPr>
-          <p:nvPr/>
-        </p:nvPicPr>
-        <p:blipFill>
-          <a:blip r:embed="rId2">
-            <a:extLst>
-              <a:ext uri="{28A0092B-C50C-407E-A947-70E740481C1C}">
-                <a14:useLocalDpi xmlns:a14="http://schemas.microsoft.com/office/drawing/2010/main" val="0"/>
-              </a:ext>
-            </a:extLst>
-          </a:blip>
-          <a:stretch>
-            <a:fillRect/>
-          </a:stretch>
-        </p:blipFill>
-        <p:spPr>
-          <a:xfrm>
-            <a:off x="1323251" y="5340583"/>
-            <a:ext cx="2072372" cy="967107"/>
-          </a:xfrm>
-          <a:prstGeom prst="rect">
-            <a:avLst/>
-          </a:prstGeom>
-        </p:spPr>
-      </p:pic>
-      <p:sp>
-        <p:nvSpPr>
-          <p:cNvPr id="20" name="TextBox 19"/>
-          <p:cNvSpPr txBox="1"/>
-          <p:nvPr/>
-        </p:nvSpPr>
-        <p:spPr>
-          <a:xfrm>
-            <a:off x="1033357" y="1285790"/>
-            <a:ext cx="3022120" cy="461665"/>
-          </a:xfrm>
-          <a:prstGeom prst="rect">
-            <a:avLst/>
-          </a:prstGeom>
-          <a:noFill/>
-        </p:spPr>
-        <p:txBody>
-          <a:bodyPr wrap="square" rtlCol="0">
-            <a:spAutoFit/>
-          </a:bodyPr>
-          <a:lstStyle/>
-          <a:p>
-            <a:r>
-              <a:rPr lang="en-US" sz="2400" b="1" dirty="0" smtClean="0">
-                <a:solidFill>
-                  <a:schemeClr val="tx1">
-                    <a:lumMod val="85000"/>
-                    <a:lumOff val="15000"/>
-                  </a:schemeClr>
-                </a:solidFill>
-                <a:latin typeface="UTM Helve" panose="02040603050506020204" pitchFamily="18" charset="0"/>
-                <a:ea typeface="Roboto" pitchFamily="2" charset="0"/>
-              </a:rPr>
-              <a:t>Định nghĩa</a:t>
-            </a:r>
-            <a:endParaRPr lang="en-US" sz="2400" b="1" dirty="0">
-              <a:solidFill>
-                <a:schemeClr val="tx1">
-                  <a:lumMod val="85000"/>
-                  <a:lumOff val="15000"/>
-                </a:schemeClr>
-              </a:solidFill>
-              <a:latin typeface="UTM Helve" panose="02040603050506020204" pitchFamily="18" charset="0"/>
-              <a:ea typeface="Roboto" pitchFamily="2" charset="0"/>
-            </a:endParaRPr>
-          </a:p>
-        </p:txBody>
-      </p:sp>
-      <p:pic>
-        <p:nvPicPr>
-          <p:cNvPr id="21" name="Picture 20"/>
-          <p:cNvPicPr>
-            <a:picLocks noChangeAspect="1"/>
-          </p:cNvPicPr>
-          <p:nvPr/>
-        </p:nvPicPr>
-        <p:blipFill>
-          <a:blip r:embed="rId3">
-            <a:extLst>
-              <a:ext uri="{28A0092B-C50C-407E-A947-70E740481C1C}">
-                <a14:useLocalDpi xmlns:a14="http://schemas.microsoft.com/office/drawing/2010/main" val="0"/>
-              </a:ext>
-            </a:extLst>
-          </a:blip>
-          <a:stretch>
-            <a:fillRect/>
-          </a:stretch>
-        </p:blipFill>
-        <p:spPr>
-          <a:xfrm>
-            <a:off x="566632" y="1355518"/>
-            <a:ext cx="466725" cy="409575"/>
-          </a:xfrm>
-          <a:prstGeom prst="rect">
-            <a:avLst/>
-          </a:prstGeom>
-        </p:spPr>
-      </p:pic>
-      <p:pic>
-        <p:nvPicPr>
-          <p:cNvPr id="9" name="Picture 8"/>
-          <p:cNvPicPr>
-            <a:picLocks noChangeAspect="1"/>
-          </p:cNvPicPr>
-          <p:nvPr/>
-        </p:nvPicPr>
-        <p:blipFill>
-          <a:blip r:embed="rId4">
-            <a:extLst>
-              <a:ext uri="{28A0092B-C50C-407E-A947-70E740481C1C}">
-                <a14:useLocalDpi xmlns:a14="http://schemas.microsoft.com/office/drawing/2010/main" val="0"/>
-              </a:ext>
-            </a:extLst>
-          </a:blip>
-          <a:stretch>
-            <a:fillRect/>
-          </a:stretch>
-        </p:blipFill>
-        <p:spPr>
-          <a:xfrm>
-            <a:off x="4380120" y="4294061"/>
-            <a:ext cx="3255483" cy="2013629"/>
-          </a:xfrm>
-          <a:prstGeom prst="rect">
-            <a:avLst/>
-          </a:prstGeom>
-        </p:spPr>
-      </p:pic>
-      <p:sp>
-        <p:nvSpPr>
-          <p:cNvPr id="13" name="Rounded Rectangle 12"/>
+      <p:sp>
+        <p:nvSpPr>
+          <p:cNvPr id="9" name="Isosceles Triangle 8"/>
           <p:cNvSpPr/>
           <p:nvPr/>
         </p:nvSpPr>
         <p:spPr>
-          <a:xfrm>
-            <a:off x="803014" y="2093843"/>
-            <a:ext cx="7537973" cy="1484244"/>
-          </a:xfrm>
-          <a:prstGeom prst="roundRect">
-            <a:avLst>
-              <a:gd name="adj" fmla="val 9524"/>
-            </a:avLst>
-          </a:prstGeom>
-          <a:gradFill flip="none" rotWithShape="1">
-            <a:gsLst>
-              <a:gs pos="15000">
-                <a:srgbClr val="67C7DF"/>
-              </a:gs>
-              <a:gs pos="100000">
-                <a:srgbClr val="5EB130"/>
-              </a:gs>
-            </a:gsLst>
-            <a:lin ang="0" scaled="1"/>
-            <a:tileRect/>
-          </a:gradFill>
+          <a:xfrm rot="5400000">
+            <a:off x="604720" y="4150910"/>
+            <a:ext cx="293670" cy="253164"/>
+          </a:xfrm>
+          <a:prstGeom prst="triangle">
+            <a:avLst/>
+          </a:prstGeom>
+          <a:solidFill>
+            <a:srgbClr val="60B659"/>
+          </a:solidFill>
           <a:ln>
             <a:noFill/>
           </a:ln>
@@ -2619,33 +3503,440 @@
           <a:bodyPr rtlCol="0" anchor="ctr"/>
           <a:lstStyle/>
           <a:p>
-            <a:r>
-              <a:rPr lang="vi-VN" b="1" dirty="0"/>
-              <a:t>Cảm biến nhiệt độ </a:t>
-            </a:r>
-            <a:r>
-              <a:rPr lang="vi-VN" dirty="0"/>
-              <a:t>là một thiết bị đầu vào đo nhiệt độ. </a:t>
-            </a:r>
-            <a:endParaRPr lang="en-US" dirty="0"/>
-          </a:p>
-          <a:p>
-            <a:r>
-              <a:rPr lang="vi-VN" dirty="0" smtClean="0"/>
-              <a:t>BBC </a:t>
-            </a:r>
-            <a:r>
-              <a:rPr lang="vi-VN" dirty="0"/>
-              <a:t>micro:bit của bạn có một cảm biến nhiệt độ bên trong bộ xử lý có thể cung cấp cho bạn nhiệt độ môi trường xung quanh nó với giá trị gần đúng nhất.</a:t>
-            </a:r>
-            <a:endParaRPr lang="en-US" dirty="0"/>
+            <a:pPr algn="ctr"/>
+            <a:endParaRPr lang="en-US"/>
+          </a:p>
+        </p:txBody>
+      </p:sp>
+      <p:sp>
+        <p:nvSpPr>
+          <p:cNvPr id="11" name="Title 1"/>
+          <p:cNvSpPr txBox="1">
+            <a:spLocks/>
+          </p:cNvSpPr>
+          <p:nvPr/>
+        </p:nvSpPr>
+        <p:spPr>
+          <a:xfrm>
+            <a:off x="480571" y="3454797"/>
+            <a:ext cx="5644503" cy="508846"/>
+          </a:xfrm>
+          <a:prstGeom prst="rect">
+            <a:avLst/>
+          </a:prstGeom>
+        </p:spPr>
+        <p:txBody>
+          <a:bodyPr/>
+          <a:lstStyle>
+            <a:lvl1pPr algn="l" defTabSz="914400" rtl="0" eaLnBrk="1" latinLnBrk="0" hangingPunct="1">
+              <a:lnSpc>
+                <a:spcPct val="90000"/>
+              </a:lnSpc>
+              <a:spcBef>
+                <a:spcPct val="0"/>
+              </a:spcBef>
+              <a:buNone/>
+              <a:defRPr sz="3200" b="1" kern="1200">
+                <a:solidFill>
+                  <a:srgbClr val="019DD0"/>
+                </a:solidFill>
+                <a:latin typeface="Arial" panose="020B0604020202020204" pitchFamily="34" charset="0"/>
+                <a:ea typeface="+mj-ea"/>
+                <a:cs typeface="Arial" panose="020B0604020202020204" pitchFamily="34" charset="0"/>
+              </a:defRPr>
+            </a:lvl1pPr>
+          </a:lstStyle>
+          <a:p>
+            <a:pPr>
+              <a:lnSpc>
+                <a:spcPct val="100000"/>
+              </a:lnSpc>
+            </a:pPr>
+            <a:r>
+              <a:rPr lang="en-US" sz="2000" dirty="0" smtClean="0">
+                <a:solidFill>
+                  <a:schemeClr val="tx1">
+                    <a:lumMod val="95000"/>
+                    <a:lumOff val="5000"/>
+                  </a:schemeClr>
+                </a:solidFill>
+                <a:ea typeface="Roboto Condensed" pitchFamily="2" charset="0"/>
+              </a:rPr>
+              <a:t>Ứng dụng cảm biến trong đời sống thực tiễn</a:t>
+            </a:r>
+          </a:p>
+        </p:txBody>
+      </p:sp>
+      <p:sp>
+        <p:nvSpPr>
+          <p:cNvPr id="12" name="Title 1"/>
+          <p:cNvSpPr txBox="1">
+            <a:spLocks/>
+          </p:cNvSpPr>
+          <p:nvPr/>
+        </p:nvSpPr>
+        <p:spPr>
+          <a:xfrm>
+            <a:off x="931145" y="4077649"/>
+            <a:ext cx="5644503" cy="508846"/>
+          </a:xfrm>
+          <a:prstGeom prst="rect">
+            <a:avLst/>
+          </a:prstGeom>
+        </p:spPr>
+        <p:txBody>
+          <a:bodyPr/>
+          <a:lstStyle>
+            <a:lvl1pPr algn="l" defTabSz="914400" rtl="0" eaLnBrk="1" latinLnBrk="0" hangingPunct="1">
+              <a:lnSpc>
+                <a:spcPct val="90000"/>
+              </a:lnSpc>
+              <a:spcBef>
+                <a:spcPct val="0"/>
+              </a:spcBef>
+              <a:buNone/>
+              <a:defRPr sz="3200" b="1" kern="1200">
+                <a:solidFill>
+                  <a:srgbClr val="019DD0"/>
+                </a:solidFill>
+                <a:latin typeface="Arial" panose="020B0604020202020204" pitchFamily="34" charset="0"/>
+                <a:ea typeface="+mj-ea"/>
+                <a:cs typeface="Arial" panose="020B0604020202020204" pitchFamily="34" charset="0"/>
+              </a:defRPr>
+            </a:lvl1pPr>
+          </a:lstStyle>
+          <a:p>
+            <a:pPr>
+              <a:lnSpc>
+                <a:spcPct val="100000"/>
+              </a:lnSpc>
+            </a:pPr>
+            <a:r>
+              <a:rPr lang="en-US" sz="2000" b="0" dirty="0" smtClean="0">
+                <a:solidFill>
+                  <a:schemeClr val="tx1">
+                    <a:lumMod val="95000"/>
+                    <a:lumOff val="5000"/>
+                  </a:schemeClr>
+                </a:solidFill>
+                <a:ea typeface="Roboto Condensed" pitchFamily="2" charset="0"/>
+              </a:rPr>
+              <a:t>Cảm biến khói để báo cháy</a:t>
+            </a:r>
+          </a:p>
+        </p:txBody>
+      </p:sp>
+      <p:sp>
+        <p:nvSpPr>
+          <p:cNvPr id="13" name="Isosceles Triangle 12"/>
+          <p:cNvSpPr/>
+          <p:nvPr/>
+        </p:nvSpPr>
+        <p:spPr>
+          <a:xfrm rot="5400000">
+            <a:off x="604720" y="4826771"/>
+            <a:ext cx="293670" cy="253164"/>
+          </a:xfrm>
+          <a:prstGeom prst="triangle">
+            <a:avLst/>
+          </a:prstGeom>
+          <a:solidFill>
+            <a:srgbClr val="60B659"/>
+          </a:solidFill>
+          <a:ln>
+            <a:noFill/>
+          </a:ln>
+        </p:spPr>
+        <p:style>
+          <a:lnRef idx="2">
+            <a:schemeClr val="accent1">
+              <a:shade val="50000"/>
+            </a:schemeClr>
+          </a:lnRef>
+          <a:fillRef idx="1">
+            <a:schemeClr val="accent1"/>
+          </a:fillRef>
+          <a:effectRef idx="0">
+            <a:schemeClr val="accent1"/>
+          </a:effectRef>
+          <a:fontRef idx="minor">
+            <a:schemeClr val="lt1"/>
+          </a:fontRef>
+        </p:style>
+        <p:txBody>
+          <a:bodyPr rtlCol="0" anchor="ctr"/>
+          <a:lstStyle/>
+          <a:p>
+            <a:pPr algn="ctr"/>
+            <a:endParaRPr lang="en-US"/>
+          </a:p>
+        </p:txBody>
+      </p:sp>
+      <p:sp>
+        <p:nvSpPr>
+          <p:cNvPr id="14" name="Title 1"/>
+          <p:cNvSpPr txBox="1">
+            <a:spLocks/>
+          </p:cNvSpPr>
+          <p:nvPr/>
+        </p:nvSpPr>
+        <p:spPr>
+          <a:xfrm>
+            <a:off x="931145" y="4753510"/>
+            <a:ext cx="5644503" cy="508846"/>
+          </a:xfrm>
+          <a:prstGeom prst="rect">
+            <a:avLst/>
+          </a:prstGeom>
+        </p:spPr>
+        <p:txBody>
+          <a:bodyPr/>
+          <a:lstStyle>
+            <a:lvl1pPr algn="l" defTabSz="914400" rtl="0" eaLnBrk="1" latinLnBrk="0" hangingPunct="1">
+              <a:lnSpc>
+                <a:spcPct val="90000"/>
+              </a:lnSpc>
+              <a:spcBef>
+                <a:spcPct val="0"/>
+              </a:spcBef>
+              <a:buNone/>
+              <a:defRPr sz="3200" b="1" kern="1200">
+                <a:solidFill>
+                  <a:srgbClr val="019DD0"/>
+                </a:solidFill>
+                <a:latin typeface="Arial" panose="020B0604020202020204" pitchFamily="34" charset="0"/>
+                <a:ea typeface="+mj-ea"/>
+                <a:cs typeface="Arial" panose="020B0604020202020204" pitchFamily="34" charset="0"/>
+              </a:defRPr>
+            </a:lvl1pPr>
+          </a:lstStyle>
+          <a:p>
+            <a:pPr>
+              <a:lnSpc>
+                <a:spcPct val="100000"/>
+              </a:lnSpc>
+            </a:pPr>
+            <a:r>
+              <a:rPr lang="en-US" sz="2000" b="0" dirty="0" smtClean="0">
+                <a:solidFill>
+                  <a:schemeClr val="tx1">
+                    <a:lumMod val="95000"/>
+                    <a:lumOff val="5000"/>
+                  </a:schemeClr>
+                </a:solidFill>
+                <a:ea typeface="Roboto Condensed" pitchFamily="2" charset="0"/>
+              </a:rPr>
+              <a:t>Cảm biến mưa để nhận biết có mưa</a:t>
+            </a:r>
+          </a:p>
+        </p:txBody>
+      </p:sp>
+      <p:sp>
+        <p:nvSpPr>
+          <p:cNvPr id="15" name="Isosceles Triangle 14"/>
+          <p:cNvSpPr/>
+          <p:nvPr/>
+        </p:nvSpPr>
+        <p:spPr>
+          <a:xfrm rot="5400000">
+            <a:off x="604720" y="5449623"/>
+            <a:ext cx="293670" cy="253164"/>
+          </a:xfrm>
+          <a:prstGeom prst="triangle">
+            <a:avLst/>
+          </a:prstGeom>
+          <a:solidFill>
+            <a:srgbClr val="60B659"/>
+          </a:solidFill>
+          <a:ln>
+            <a:noFill/>
+          </a:ln>
+        </p:spPr>
+        <p:style>
+          <a:lnRef idx="2">
+            <a:schemeClr val="accent1">
+              <a:shade val="50000"/>
+            </a:schemeClr>
+          </a:lnRef>
+          <a:fillRef idx="1">
+            <a:schemeClr val="accent1"/>
+          </a:fillRef>
+          <a:effectRef idx="0">
+            <a:schemeClr val="accent1"/>
+          </a:effectRef>
+          <a:fontRef idx="minor">
+            <a:schemeClr val="lt1"/>
+          </a:fontRef>
+        </p:style>
+        <p:txBody>
+          <a:bodyPr rtlCol="0" anchor="ctr"/>
+          <a:lstStyle/>
+          <a:p>
+            <a:pPr algn="ctr"/>
+            <a:endParaRPr lang="en-US"/>
+          </a:p>
+        </p:txBody>
+      </p:sp>
+      <p:sp>
+        <p:nvSpPr>
+          <p:cNvPr id="16" name="Title 1"/>
+          <p:cNvSpPr txBox="1">
+            <a:spLocks/>
+          </p:cNvSpPr>
+          <p:nvPr/>
+        </p:nvSpPr>
+        <p:spPr>
+          <a:xfrm>
+            <a:off x="931145" y="5376362"/>
+            <a:ext cx="5644503" cy="508846"/>
+          </a:xfrm>
+          <a:prstGeom prst="rect">
+            <a:avLst/>
+          </a:prstGeom>
+        </p:spPr>
+        <p:txBody>
+          <a:bodyPr/>
+          <a:lstStyle>
+            <a:lvl1pPr algn="l" defTabSz="914400" rtl="0" eaLnBrk="1" latinLnBrk="0" hangingPunct="1">
+              <a:lnSpc>
+                <a:spcPct val="90000"/>
+              </a:lnSpc>
+              <a:spcBef>
+                <a:spcPct val="0"/>
+              </a:spcBef>
+              <a:buNone/>
+              <a:defRPr sz="3200" b="1" kern="1200">
+                <a:solidFill>
+                  <a:srgbClr val="019DD0"/>
+                </a:solidFill>
+                <a:latin typeface="Arial" panose="020B0604020202020204" pitchFamily="34" charset="0"/>
+                <a:ea typeface="+mj-ea"/>
+                <a:cs typeface="Arial" panose="020B0604020202020204" pitchFamily="34" charset="0"/>
+              </a:defRPr>
+            </a:lvl1pPr>
+          </a:lstStyle>
+          <a:p>
+            <a:pPr>
+              <a:lnSpc>
+                <a:spcPct val="100000"/>
+              </a:lnSpc>
+            </a:pPr>
+            <a:r>
+              <a:rPr lang="en-US" sz="2000" b="0" dirty="0" smtClean="0">
+                <a:solidFill>
+                  <a:schemeClr val="tx1">
+                    <a:lumMod val="95000"/>
+                    <a:lumOff val="5000"/>
+                  </a:schemeClr>
+                </a:solidFill>
+                <a:ea typeface="Roboto Condensed" pitchFamily="2" charset="0"/>
+              </a:rPr>
+              <a:t>Cảm biến nhiệt độ để theo dõi nhiệt độ </a:t>
+            </a:r>
+          </a:p>
+        </p:txBody>
+      </p:sp>
+      <p:sp>
+        <p:nvSpPr>
+          <p:cNvPr id="18" name="Rectangle 17"/>
+          <p:cNvSpPr/>
+          <p:nvPr/>
+        </p:nvSpPr>
+        <p:spPr>
+          <a:xfrm>
+            <a:off x="301925" y="1051379"/>
+            <a:ext cx="8454964" cy="27432"/>
+          </a:xfrm>
+          <a:prstGeom prst="rect">
+            <a:avLst/>
+          </a:prstGeom>
+          <a:gradFill flip="none" rotWithShape="1">
+            <a:gsLst>
+              <a:gs pos="15000">
+                <a:srgbClr val="67C7DF"/>
+              </a:gs>
+              <a:gs pos="100000">
+                <a:srgbClr val="5EB130"/>
+              </a:gs>
+            </a:gsLst>
+            <a:lin ang="0" scaled="1"/>
+            <a:tileRect/>
+          </a:gradFill>
+          <a:ln>
+            <a:noFill/>
+          </a:ln>
+        </p:spPr>
+        <p:style>
+          <a:lnRef idx="2">
+            <a:schemeClr val="accent1">
+              <a:shade val="50000"/>
+            </a:schemeClr>
+          </a:lnRef>
+          <a:fillRef idx="1">
+            <a:schemeClr val="accent1"/>
+          </a:fillRef>
+          <a:effectRef idx="0">
+            <a:schemeClr val="accent1"/>
+          </a:effectRef>
+          <a:fontRef idx="minor">
+            <a:schemeClr val="lt1"/>
+          </a:fontRef>
+        </p:style>
+        <p:txBody>
+          <a:bodyPr rtlCol="0" anchor="ctr"/>
+          <a:lstStyle/>
+          <a:p>
+            <a:pPr algn="ctr"/>
+            <a:endParaRPr lang="en-US"/>
+          </a:p>
+        </p:txBody>
+      </p:sp>
+      <p:sp>
+        <p:nvSpPr>
+          <p:cNvPr id="19" name="TextBox 18"/>
+          <p:cNvSpPr txBox="1"/>
+          <p:nvPr/>
+        </p:nvSpPr>
+        <p:spPr>
+          <a:xfrm>
+            <a:off x="448815" y="546584"/>
+            <a:ext cx="5893616" cy="461665"/>
+          </a:xfrm>
+          <a:prstGeom prst="rect">
+            <a:avLst/>
+          </a:prstGeom>
+          <a:noFill/>
+        </p:spPr>
+        <p:txBody>
+          <a:bodyPr wrap="square" rtlCol="0">
+            <a:spAutoFit/>
+          </a:bodyPr>
+          <a:lstStyle/>
+          <a:p>
+            <a:r>
+              <a:rPr lang="en-US" sz="2400" b="1" dirty="0" smtClean="0">
+                <a:solidFill>
+                  <a:srgbClr val="64C7E9"/>
+                </a:solidFill>
+                <a:latin typeface="UTM Helve" panose="02040603050506020204" pitchFamily="18" charset="0"/>
+                <a:ea typeface="Roboto" pitchFamily="2" charset="0"/>
+              </a:rPr>
+              <a:t>Cảm biến là gì ?</a:t>
+            </a:r>
+            <a:endParaRPr lang="en-US" sz="2400" b="1" dirty="0">
+              <a:solidFill>
+                <a:srgbClr val="64C7E9"/>
+              </a:solidFill>
+              <a:latin typeface="UTM Helve" panose="02040603050506020204" pitchFamily="18" charset="0"/>
+              <a:ea typeface="Roboto" pitchFamily="2" charset="0"/>
+            </a:endParaRPr>
           </a:p>
         </p:txBody>
       </p:sp>
     </p:spTree>
     <p:extLst>
       <p:ext uri="{BB962C8B-B14F-4D97-AF65-F5344CB8AC3E}">
-        <p14:creationId xmlns:p14="http://schemas.microsoft.com/office/powerpoint/2010/main" val="1017652005"/>
+        <p14:creationId xmlns:p14="http://schemas.microsoft.com/office/powerpoint/2010/main" val="3179553814"/>
       </p:ext>
     </p:extLst>
   </p:cSld>
@@ -2759,6 +4050,370 @@
         </p:nvSpPr>
         <p:spPr>
           <a:xfrm>
+            <a:off x="448815" y="546584"/>
+            <a:ext cx="5893616" cy="461665"/>
+          </a:xfrm>
+          <a:prstGeom prst="rect">
+            <a:avLst/>
+          </a:prstGeom>
+          <a:noFill/>
+        </p:spPr>
+        <p:txBody>
+          <a:bodyPr wrap="square" rtlCol="0">
+            <a:spAutoFit/>
+          </a:bodyPr>
+          <a:lstStyle/>
+          <a:p>
+            <a:r>
+              <a:rPr lang="en-US" sz="2400" b="1" dirty="0" smtClean="0">
+                <a:solidFill>
+                  <a:srgbClr val="64C7E9"/>
+                </a:solidFill>
+                <a:latin typeface="UTM Helve" panose="02040603050506020204" pitchFamily="18" charset="0"/>
+                <a:ea typeface="Roboto" pitchFamily="2" charset="0"/>
+              </a:rPr>
+              <a:t>6.1 Giới thiệu Cảm biến nhiệt độ</a:t>
+            </a:r>
+            <a:endParaRPr lang="en-US" sz="2400" b="1" dirty="0">
+              <a:solidFill>
+                <a:srgbClr val="64C7E9"/>
+              </a:solidFill>
+              <a:latin typeface="UTM Helve" panose="02040603050506020204" pitchFamily="18" charset="0"/>
+              <a:ea typeface="Roboto" pitchFamily="2" charset="0"/>
+            </a:endParaRPr>
+          </a:p>
+        </p:txBody>
+      </p:sp>
+      <p:pic>
+        <p:nvPicPr>
+          <p:cNvPr id="5" name="Picture 4"/>
+          <p:cNvPicPr>
+            <a:picLocks noChangeAspect="1"/>
+          </p:cNvPicPr>
+          <p:nvPr/>
+        </p:nvPicPr>
+        <p:blipFill>
+          <a:blip r:embed="rId2">
+            <a:extLst>
+              <a:ext uri="{28A0092B-C50C-407E-A947-70E740481C1C}">
+                <a14:useLocalDpi xmlns:a14="http://schemas.microsoft.com/office/drawing/2010/main" val="0"/>
+              </a:ext>
+            </a:extLst>
+          </a:blip>
+          <a:stretch>
+            <a:fillRect/>
+          </a:stretch>
+        </p:blipFill>
+        <p:spPr>
+          <a:xfrm>
+            <a:off x="1323251" y="5340583"/>
+            <a:ext cx="2072372" cy="967107"/>
+          </a:xfrm>
+          <a:prstGeom prst="rect">
+            <a:avLst/>
+          </a:prstGeom>
+        </p:spPr>
+      </p:pic>
+      <p:sp>
+        <p:nvSpPr>
+          <p:cNvPr id="20" name="TextBox 19"/>
+          <p:cNvSpPr txBox="1"/>
+          <p:nvPr/>
+        </p:nvSpPr>
+        <p:spPr>
+          <a:xfrm>
+            <a:off x="1033357" y="1285790"/>
+            <a:ext cx="3022120" cy="461665"/>
+          </a:xfrm>
+          <a:prstGeom prst="rect">
+            <a:avLst/>
+          </a:prstGeom>
+          <a:noFill/>
+        </p:spPr>
+        <p:txBody>
+          <a:bodyPr wrap="square" rtlCol="0">
+            <a:spAutoFit/>
+          </a:bodyPr>
+          <a:lstStyle/>
+          <a:p>
+            <a:r>
+              <a:rPr lang="en-US" sz="2400" b="1" dirty="0" smtClean="0">
+                <a:solidFill>
+                  <a:schemeClr val="tx1">
+                    <a:lumMod val="85000"/>
+                    <a:lumOff val="15000"/>
+                  </a:schemeClr>
+                </a:solidFill>
+                <a:latin typeface="UTM Helve" panose="02040603050506020204" pitchFamily="18" charset="0"/>
+                <a:ea typeface="Roboto" pitchFamily="2" charset="0"/>
+              </a:rPr>
+              <a:t>Định nghĩa</a:t>
+            </a:r>
+            <a:endParaRPr lang="en-US" sz="2400" b="1" dirty="0">
+              <a:solidFill>
+                <a:schemeClr val="tx1">
+                  <a:lumMod val="85000"/>
+                  <a:lumOff val="15000"/>
+                </a:schemeClr>
+              </a:solidFill>
+              <a:latin typeface="UTM Helve" panose="02040603050506020204" pitchFamily="18" charset="0"/>
+              <a:ea typeface="Roboto" pitchFamily="2" charset="0"/>
+            </a:endParaRPr>
+          </a:p>
+        </p:txBody>
+      </p:sp>
+      <p:pic>
+        <p:nvPicPr>
+          <p:cNvPr id="21" name="Picture 20"/>
+          <p:cNvPicPr>
+            <a:picLocks noChangeAspect="1"/>
+          </p:cNvPicPr>
+          <p:nvPr/>
+        </p:nvPicPr>
+        <p:blipFill>
+          <a:blip r:embed="rId3">
+            <a:extLst>
+              <a:ext uri="{28A0092B-C50C-407E-A947-70E740481C1C}">
+                <a14:useLocalDpi xmlns:a14="http://schemas.microsoft.com/office/drawing/2010/main" val="0"/>
+              </a:ext>
+            </a:extLst>
+          </a:blip>
+          <a:stretch>
+            <a:fillRect/>
+          </a:stretch>
+        </p:blipFill>
+        <p:spPr>
+          <a:xfrm>
+            <a:off x="566632" y="1355518"/>
+            <a:ext cx="466725" cy="409575"/>
+          </a:xfrm>
+          <a:prstGeom prst="rect">
+            <a:avLst/>
+          </a:prstGeom>
+        </p:spPr>
+      </p:pic>
+      <p:pic>
+        <p:nvPicPr>
+          <p:cNvPr id="9" name="Picture 8"/>
+          <p:cNvPicPr>
+            <a:picLocks noChangeAspect="1"/>
+          </p:cNvPicPr>
+          <p:nvPr/>
+        </p:nvPicPr>
+        <p:blipFill>
+          <a:blip r:embed="rId4">
+            <a:extLst>
+              <a:ext uri="{28A0092B-C50C-407E-A947-70E740481C1C}">
+                <a14:useLocalDpi xmlns:a14="http://schemas.microsoft.com/office/drawing/2010/main" val="0"/>
+              </a:ext>
+            </a:extLst>
+          </a:blip>
+          <a:stretch>
+            <a:fillRect/>
+          </a:stretch>
+        </p:blipFill>
+        <p:spPr>
+          <a:xfrm>
+            <a:off x="4380120" y="4294061"/>
+            <a:ext cx="3255483" cy="2013629"/>
+          </a:xfrm>
+          <a:prstGeom prst="rect">
+            <a:avLst/>
+          </a:prstGeom>
+        </p:spPr>
+      </p:pic>
+      <p:sp>
+        <p:nvSpPr>
+          <p:cNvPr id="13" name="Rounded Rectangle 12"/>
+          <p:cNvSpPr/>
+          <p:nvPr/>
+        </p:nvSpPr>
+        <p:spPr>
+          <a:xfrm>
+            <a:off x="803014" y="2093843"/>
+            <a:ext cx="7537973" cy="1484244"/>
+          </a:xfrm>
+          <a:prstGeom prst="roundRect">
+            <a:avLst>
+              <a:gd name="adj" fmla="val 9524"/>
+            </a:avLst>
+          </a:prstGeom>
+          <a:gradFill flip="none" rotWithShape="1">
+            <a:gsLst>
+              <a:gs pos="15000">
+                <a:srgbClr val="67C7DF"/>
+              </a:gs>
+              <a:gs pos="100000">
+                <a:srgbClr val="5EB130"/>
+              </a:gs>
+            </a:gsLst>
+            <a:lin ang="0" scaled="1"/>
+            <a:tileRect/>
+          </a:gradFill>
+          <a:ln>
+            <a:noFill/>
+          </a:ln>
+        </p:spPr>
+        <p:style>
+          <a:lnRef idx="2">
+            <a:schemeClr val="accent1">
+              <a:shade val="50000"/>
+            </a:schemeClr>
+          </a:lnRef>
+          <a:fillRef idx="1">
+            <a:schemeClr val="accent1"/>
+          </a:fillRef>
+          <a:effectRef idx="0">
+            <a:schemeClr val="accent1"/>
+          </a:effectRef>
+          <a:fontRef idx="minor">
+            <a:schemeClr val="lt1"/>
+          </a:fontRef>
+        </p:style>
+        <p:txBody>
+          <a:bodyPr rtlCol="0" anchor="ctr"/>
+          <a:lstStyle/>
+          <a:p>
+            <a:r>
+              <a:rPr lang="vi-VN" b="1" dirty="0"/>
+              <a:t>Cảm biến nhiệt độ </a:t>
+            </a:r>
+            <a:r>
+              <a:rPr lang="vi-VN" dirty="0"/>
+              <a:t>là một thiết bị đầu vào đo nhiệt độ. </a:t>
+            </a:r>
+            <a:endParaRPr lang="en-US" dirty="0"/>
+          </a:p>
+          <a:p>
+            <a:r>
+              <a:rPr lang="vi-VN" dirty="0" smtClean="0"/>
+              <a:t>BBC </a:t>
+            </a:r>
+            <a:r>
+              <a:rPr lang="vi-VN" dirty="0"/>
+              <a:t>micro:bit của bạn có một cảm biến nhiệt độ bên trong bộ xử lý có thể cung cấp cho bạn nhiệt độ môi trường xung quanh nó với giá trị gần đúng nhất.</a:t>
+            </a:r>
+            <a:endParaRPr lang="en-US" dirty="0"/>
+          </a:p>
+        </p:txBody>
+      </p:sp>
+    </p:spTree>
+    <p:extLst>
+      <p:ext uri="{BB962C8B-B14F-4D97-AF65-F5344CB8AC3E}">
+        <p14:creationId xmlns:p14="http://schemas.microsoft.com/office/powerpoint/2010/main" val="1017652005"/>
+      </p:ext>
+    </p:extLst>
+  </p:cSld>
+  <p:clrMapOvr>
+    <a:masterClrMapping/>
+  </p:clrMapOvr>
+</p:sld>
+</file>
+
+<file path=ppt/slides/slide4.xml><?xml version="1.0" encoding="utf-8"?>
+<p:sld xmlns:a="http://schemas.openxmlformats.org/drawingml/2006/main" xmlns:r="http://schemas.openxmlformats.org/officeDocument/2006/relationships" xmlns:p="http://schemas.openxmlformats.org/presentationml/2006/main">
+  <p:cSld>
+    <p:spTree>
+      <p:nvGrpSpPr>
+        <p:cNvPr id="1" name=""/>
+        <p:cNvGrpSpPr/>
+        <p:nvPr/>
+      </p:nvGrpSpPr>
+      <p:grpSpPr>
+        <a:xfrm>
+          <a:off x="0" y="0"/>
+          <a:ext cx="0" cy="0"/>
+          <a:chOff x="0" y="0"/>
+          <a:chExt cx="0" cy="0"/>
+        </a:xfrm>
+      </p:grpSpPr>
+      <p:sp>
+        <p:nvSpPr>
+          <p:cNvPr id="2" name="Slide Number Placeholder 1"/>
+          <p:cNvSpPr>
+            <a:spLocks noGrp="1"/>
+          </p:cNvSpPr>
+          <p:nvPr>
+            <p:ph type="sldNum" sz="quarter" idx="12"/>
+          </p:nvPr>
+        </p:nvSpPr>
+        <p:spPr/>
+        <p:txBody>
+          <a:bodyPr/>
+          <a:lstStyle/>
+          <a:p>
+            <a:fld id="{7D9EC917-02A2-4152-9EE3-DFE2775A77C7}" type="slidenum">
+              <a:rPr lang="en-US" smtClean="0"/>
+              <a:pPr/>
+              <a:t>4</a:t>
+            </a:fld>
+            <a:endParaRPr lang="en-US"/>
+          </a:p>
+        </p:txBody>
+      </p:sp>
+      <p:sp>
+        <p:nvSpPr>
+          <p:cNvPr id="3" name="Rectangle 2"/>
+          <p:cNvSpPr/>
+          <p:nvPr/>
+        </p:nvSpPr>
+        <p:spPr>
+          <a:xfrm>
+            <a:off x="301925" y="1051379"/>
+            <a:ext cx="8454964" cy="27432"/>
+          </a:xfrm>
+          <a:prstGeom prst="rect">
+            <a:avLst/>
+          </a:prstGeom>
+          <a:gradFill flip="none" rotWithShape="1">
+            <a:gsLst>
+              <a:gs pos="15000">
+                <a:srgbClr val="67C7DF"/>
+              </a:gs>
+              <a:gs pos="100000">
+                <a:srgbClr val="5EB130"/>
+              </a:gs>
+            </a:gsLst>
+            <a:lin ang="0" scaled="1"/>
+            <a:tileRect/>
+          </a:gradFill>
+          <a:ln>
+            <a:noFill/>
+          </a:ln>
+        </p:spPr>
+        <p:style>
+          <a:lnRef idx="2">
+            <a:schemeClr val="accent1">
+              <a:shade val="50000"/>
+            </a:schemeClr>
+          </a:lnRef>
+          <a:fillRef idx="1">
+            <a:schemeClr val="accent1"/>
+          </a:fillRef>
+          <a:effectRef idx="0">
+            <a:schemeClr val="accent1"/>
+          </a:effectRef>
+          <a:fontRef idx="minor">
+            <a:schemeClr val="lt1"/>
+          </a:fontRef>
+        </p:style>
+        <p:txBody>
+          <a:bodyPr rtlCol="0" anchor="ctr"/>
+          <a:lstStyle/>
+          <a:p>
+            <a:pPr algn="ctr"/>
+            <a:endParaRPr lang="en-US"/>
+          </a:p>
+        </p:txBody>
+      </p:sp>
+      <p:sp>
+        <p:nvSpPr>
+          <p:cNvPr id="4" name="TextBox 3"/>
+          <p:cNvSpPr txBox="1"/>
+          <p:nvPr/>
+        </p:nvSpPr>
+        <p:spPr>
+          <a:xfrm>
             <a:off x="207035" y="546584"/>
             <a:ext cx="8194843" cy="461665"/>
           </a:xfrm>
@@ -3650,469 +5305,6 @@
 </p:sld>
 </file>
 
-<file path=ppt/slides/slide4.xml><?xml version="1.0" encoding="utf-8"?>
-<p:sld xmlns:a="http://schemas.openxmlformats.org/drawingml/2006/main" xmlns:r="http://schemas.openxmlformats.org/officeDocument/2006/relationships" xmlns:p="http://schemas.openxmlformats.org/presentationml/2006/main">
-  <p:cSld>
-    <p:spTree>
-      <p:nvGrpSpPr>
-        <p:cNvPr id="1" name=""/>
-        <p:cNvGrpSpPr/>
-        <p:nvPr/>
-      </p:nvGrpSpPr>
-      <p:grpSpPr>
-        <a:xfrm>
-          <a:off x="0" y="0"/>
-          <a:ext cx="0" cy="0"/>
-          <a:chOff x="0" y="0"/>
-          <a:chExt cx="0" cy="0"/>
-        </a:xfrm>
-      </p:grpSpPr>
-      <p:sp>
-        <p:nvSpPr>
-          <p:cNvPr id="2" name="Slide Number Placeholder 1"/>
-          <p:cNvSpPr>
-            <a:spLocks noGrp="1"/>
-          </p:cNvSpPr>
-          <p:nvPr>
-            <p:ph type="sldNum" sz="quarter" idx="12"/>
-          </p:nvPr>
-        </p:nvSpPr>
-        <p:spPr/>
-        <p:txBody>
-          <a:bodyPr/>
-          <a:lstStyle/>
-          <a:p>
-            <a:fld id="{7D9EC917-02A2-4152-9EE3-DFE2775A77C7}" type="slidenum">
-              <a:rPr lang="en-US" smtClean="0"/>
-              <a:pPr/>
-              <a:t>4</a:t>
-            </a:fld>
-            <a:endParaRPr lang="en-US"/>
-          </a:p>
-        </p:txBody>
-      </p:sp>
-      <p:sp>
-        <p:nvSpPr>
-          <p:cNvPr id="3" name="Title 1"/>
-          <p:cNvSpPr txBox="1">
-            <a:spLocks/>
-          </p:cNvSpPr>
-          <p:nvPr/>
-        </p:nvSpPr>
-        <p:spPr>
-          <a:xfrm>
-            <a:off x="709053" y="4862785"/>
-            <a:ext cx="5644503" cy="508846"/>
-          </a:xfrm>
-          <a:prstGeom prst="rect">
-            <a:avLst/>
-          </a:prstGeom>
-        </p:spPr>
-        <p:txBody>
-          <a:bodyPr/>
-          <a:lstStyle>
-            <a:lvl1pPr algn="l" defTabSz="914400" rtl="0" eaLnBrk="1" latinLnBrk="0" hangingPunct="1">
-              <a:lnSpc>
-                <a:spcPct val="90000"/>
-              </a:lnSpc>
-              <a:spcBef>
-                <a:spcPct val="0"/>
-              </a:spcBef>
-              <a:buNone/>
-              <a:defRPr sz="3200" b="1" kern="1200">
-                <a:solidFill>
-                  <a:srgbClr val="019DD0"/>
-                </a:solidFill>
-                <a:latin typeface="Arial" panose="020B0604020202020204" pitchFamily="34" charset="0"/>
-                <a:ea typeface="+mj-ea"/>
-                <a:cs typeface="Arial" panose="020B0604020202020204" pitchFamily="34" charset="0"/>
-              </a:defRPr>
-            </a:lvl1pPr>
-          </a:lstStyle>
-          <a:p>
-            <a:pPr>
-              <a:lnSpc>
-                <a:spcPct val="100000"/>
-              </a:lnSpc>
-            </a:pPr>
-            <a:r>
-              <a:rPr lang="en-US" sz="2000" b="0" dirty="0" smtClean="0">
-                <a:solidFill>
-                  <a:schemeClr val="tx1">
-                    <a:lumMod val="95000"/>
-                    <a:lumOff val="5000"/>
-                  </a:schemeClr>
-                </a:solidFill>
-                <a:ea typeface="Roboto Condensed" pitchFamily="2" charset="0"/>
-              </a:rPr>
-              <a:t>Bước 1: Click Download tải file về máy tính</a:t>
-            </a:r>
-          </a:p>
-        </p:txBody>
-      </p:sp>
-      <p:pic>
-        <p:nvPicPr>
-          <p:cNvPr id="4" name="Picture 3"/>
-          <p:cNvPicPr>
-            <a:picLocks noChangeAspect="1"/>
-          </p:cNvPicPr>
-          <p:nvPr/>
-        </p:nvPicPr>
-        <p:blipFill>
-          <a:blip r:embed="rId2"/>
-          <a:stretch>
-            <a:fillRect/>
-          </a:stretch>
-        </p:blipFill>
-        <p:spPr>
-          <a:xfrm>
-            <a:off x="5743928" y="4822111"/>
-            <a:ext cx="2909512" cy="456394"/>
-          </a:xfrm>
-          <a:prstGeom prst="rect">
-            <a:avLst/>
-          </a:prstGeom>
-        </p:spPr>
-      </p:pic>
-      <p:sp>
-        <p:nvSpPr>
-          <p:cNvPr id="5" name="Title 1"/>
-          <p:cNvSpPr txBox="1">
-            <a:spLocks/>
-          </p:cNvSpPr>
-          <p:nvPr/>
-        </p:nvSpPr>
-        <p:spPr>
-          <a:xfrm>
-            <a:off x="709053" y="5412305"/>
-            <a:ext cx="8047836" cy="496573"/>
-          </a:xfrm>
-          <a:prstGeom prst="rect">
-            <a:avLst/>
-          </a:prstGeom>
-        </p:spPr>
-        <p:txBody>
-          <a:bodyPr/>
-          <a:lstStyle>
-            <a:lvl1pPr algn="l" defTabSz="914400" rtl="0" eaLnBrk="1" latinLnBrk="0" hangingPunct="1">
-              <a:lnSpc>
-                <a:spcPct val="90000"/>
-              </a:lnSpc>
-              <a:spcBef>
-                <a:spcPct val="0"/>
-              </a:spcBef>
-              <a:buNone/>
-              <a:defRPr sz="3200" b="1" kern="1200">
-                <a:solidFill>
-                  <a:srgbClr val="019DD0"/>
-                </a:solidFill>
-                <a:latin typeface="Arial" panose="020B0604020202020204" pitchFamily="34" charset="0"/>
-                <a:ea typeface="+mj-ea"/>
-                <a:cs typeface="Arial" panose="020B0604020202020204" pitchFamily="34" charset="0"/>
-              </a:defRPr>
-            </a:lvl1pPr>
-          </a:lstStyle>
-          <a:p>
-            <a:pPr>
-              <a:lnSpc>
-                <a:spcPct val="100000"/>
-              </a:lnSpc>
-            </a:pPr>
-            <a:r>
-              <a:rPr lang="en-US" sz="2000" b="0" dirty="0" smtClean="0">
-                <a:solidFill>
-                  <a:schemeClr val="tx1">
-                    <a:lumMod val="95000"/>
-                    <a:lumOff val="5000"/>
-                  </a:schemeClr>
-                </a:solidFill>
-                <a:ea typeface="Roboto Condensed" pitchFamily="2" charset="0"/>
-              </a:rPr>
-              <a:t>Bước 2: Gắn đầu USB vào máy tính, đầu micro USB vào micro:bit </a:t>
-            </a:r>
-          </a:p>
-        </p:txBody>
-      </p:sp>
-      <p:sp>
-        <p:nvSpPr>
-          <p:cNvPr id="8" name="TextBox 7"/>
-          <p:cNvSpPr txBox="1"/>
-          <p:nvPr/>
-        </p:nvSpPr>
-        <p:spPr>
-          <a:xfrm>
-            <a:off x="1265305" y="1364739"/>
-            <a:ext cx="5649845" cy="461665"/>
-          </a:xfrm>
-          <a:prstGeom prst="rect">
-            <a:avLst/>
-          </a:prstGeom>
-          <a:noFill/>
-        </p:spPr>
-        <p:txBody>
-          <a:bodyPr wrap="square" rtlCol="0">
-            <a:spAutoFit/>
-          </a:bodyPr>
-          <a:lstStyle/>
-          <a:p>
-            <a:r>
-              <a:rPr lang="en-US" sz="2400" b="1" dirty="0" smtClean="0">
-                <a:solidFill>
-                  <a:schemeClr val="tx1">
-                    <a:lumMod val="85000"/>
-                    <a:lumOff val="15000"/>
-                  </a:schemeClr>
-                </a:solidFill>
-                <a:latin typeface="UTM Helve" panose="02040603050506020204" pitchFamily="18" charset="0"/>
-                <a:ea typeface="Roboto" pitchFamily="2" charset="0"/>
-              </a:rPr>
-              <a:t>Đưa chương trình vào micro:bit</a:t>
-            </a:r>
-            <a:endParaRPr lang="en-US" sz="2400" b="1" dirty="0">
-              <a:solidFill>
-                <a:schemeClr val="tx1">
-                  <a:lumMod val="85000"/>
-                  <a:lumOff val="15000"/>
-                </a:schemeClr>
-              </a:solidFill>
-              <a:latin typeface="UTM Helve" panose="02040603050506020204" pitchFamily="18" charset="0"/>
-              <a:ea typeface="Roboto" pitchFamily="2" charset="0"/>
-            </a:endParaRPr>
-          </a:p>
-        </p:txBody>
-      </p:sp>
-      <p:pic>
-        <p:nvPicPr>
-          <p:cNvPr id="9" name="Picture 8"/>
-          <p:cNvPicPr>
-            <a:picLocks noChangeAspect="1"/>
-          </p:cNvPicPr>
-          <p:nvPr/>
-        </p:nvPicPr>
-        <p:blipFill>
-          <a:blip r:embed="rId3">
-            <a:extLst>
-              <a:ext uri="{28A0092B-C50C-407E-A947-70E740481C1C}">
-                <a14:useLocalDpi xmlns:a14="http://schemas.microsoft.com/office/drawing/2010/main" val="0"/>
-              </a:ext>
-            </a:extLst>
-          </a:blip>
-          <a:stretch>
-            <a:fillRect/>
-          </a:stretch>
-        </p:blipFill>
-        <p:spPr>
-          <a:xfrm>
-            <a:off x="709053" y="1437696"/>
-            <a:ext cx="466725" cy="409575"/>
-          </a:xfrm>
-          <a:prstGeom prst="rect">
-            <a:avLst/>
-          </a:prstGeom>
-        </p:spPr>
-      </p:pic>
-      <p:pic>
-        <p:nvPicPr>
-          <p:cNvPr id="11" name="Picture 10"/>
-          <p:cNvPicPr>
-            <a:picLocks noChangeAspect="1"/>
-          </p:cNvPicPr>
-          <p:nvPr/>
-        </p:nvPicPr>
-        <p:blipFill rotWithShape="1">
-          <a:blip r:embed="rId4"/>
-          <a:srcRect t="9567"/>
-          <a:stretch/>
-        </p:blipFill>
-        <p:spPr>
-          <a:xfrm>
-            <a:off x="1477989" y="1992477"/>
-            <a:ext cx="6441059" cy="2452204"/>
-          </a:xfrm>
-          <a:prstGeom prst="rect">
-            <a:avLst/>
-          </a:prstGeom>
-        </p:spPr>
-      </p:pic>
-      <p:sp>
-        <p:nvSpPr>
-          <p:cNvPr id="12" name="Title 1"/>
-          <p:cNvSpPr txBox="1">
-            <a:spLocks/>
-          </p:cNvSpPr>
-          <p:nvPr/>
-        </p:nvSpPr>
-        <p:spPr>
-          <a:xfrm>
-            <a:off x="709053" y="5983805"/>
-            <a:ext cx="8047836" cy="496573"/>
-          </a:xfrm>
-          <a:prstGeom prst="rect">
-            <a:avLst/>
-          </a:prstGeom>
-        </p:spPr>
-        <p:txBody>
-          <a:bodyPr/>
-          <a:lstStyle>
-            <a:lvl1pPr algn="l" defTabSz="914400" rtl="0" eaLnBrk="1" latinLnBrk="0" hangingPunct="1">
-              <a:lnSpc>
-                <a:spcPct val="90000"/>
-              </a:lnSpc>
-              <a:spcBef>
-                <a:spcPct val="0"/>
-              </a:spcBef>
-              <a:buNone/>
-              <a:defRPr sz="3200" b="1" kern="1200">
-                <a:solidFill>
-                  <a:srgbClr val="019DD0"/>
-                </a:solidFill>
-                <a:latin typeface="Arial" panose="020B0604020202020204" pitchFamily="34" charset="0"/>
-                <a:ea typeface="+mj-ea"/>
-                <a:cs typeface="Arial" panose="020B0604020202020204" pitchFamily="34" charset="0"/>
-              </a:defRPr>
-            </a:lvl1pPr>
-          </a:lstStyle>
-          <a:p>
-            <a:pPr>
-              <a:lnSpc>
-                <a:spcPct val="100000"/>
-              </a:lnSpc>
-            </a:pPr>
-            <a:r>
-              <a:rPr lang="en-US" sz="2000" b="0" dirty="0" smtClean="0">
-                <a:solidFill>
-                  <a:schemeClr val="tx1">
-                    <a:lumMod val="95000"/>
-                    <a:lumOff val="5000"/>
-                  </a:schemeClr>
-                </a:solidFill>
-                <a:ea typeface="Roboto Condensed" pitchFamily="2" charset="0"/>
-              </a:rPr>
-              <a:t>Bước 3: Copy file .hex vào micro:bit </a:t>
-            </a:r>
-          </a:p>
-        </p:txBody>
-      </p:sp>
-      <p:sp>
-        <p:nvSpPr>
-          <p:cNvPr id="13" name="Rectangle 12"/>
-          <p:cNvSpPr/>
-          <p:nvPr/>
-        </p:nvSpPr>
-        <p:spPr>
-          <a:xfrm>
-            <a:off x="301925" y="1051379"/>
-            <a:ext cx="8454964" cy="27432"/>
-          </a:xfrm>
-          <a:prstGeom prst="rect">
-            <a:avLst/>
-          </a:prstGeom>
-          <a:gradFill flip="none" rotWithShape="1">
-            <a:gsLst>
-              <a:gs pos="15000">
-                <a:srgbClr val="67C7DF"/>
-              </a:gs>
-              <a:gs pos="100000">
-                <a:srgbClr val="5EB130"/>
-              </a:gs>
-            </a:gsLst>
-            <a:lin ang="0" scaled="1"/>
-            <a:tileRect/>
-          </a:gradFill>
-          <a:ln>
-            <a:noFill/>
-          </a:ln>
-        </p:spPr>
-        <p:style>
-          <a:lnRef idx="2">
-            <a:schemeClr val="accent1">
-              <a:shade val="50000"/>
-            </a:schemeClr>
-          </a:lnRef>
-          <a:fillRef idx="1">
-            <a:schemeClr val="accent1"/>
-          </a:fillRef>
-          <a:effectRef idx="0">
-            <a:schemeClr val="accent1"/>
-          </a:effectRef>
-          <a:fontRef idx="minor">
-            <a:schemeClr val="lt1"/>
-          </a:fontRef>
-        </p:style>
-        <p:txBody>
-          <a:bodyPr rtlCol="0" anchor="ctr"/>
-          <a:lstStyle/>
-          <a:p>
-            <a:pPr algn="ctr"/>
-            <a:endParaRPr lang="en-US"/>
-          </a:p>
-        </p:txBody>
-      </p:sp>
-      <p:sp>
-        <p:nvSpPr>
-          <p:cNvPr id="14" name="TextBox 13"/>
-          <p:cNvSpPr txBox="1"/>
-          <p:nvPr/>
-        </p:nvSpPr>
-        <p:spPr>
-          <a:xfrm>
-            <a:off x="207035" y="546584"/>
-            <a:ext cx="8194843" cy="461665"/>
-          </a:xfrm>
-          <a:prstGeom prst="rect">
-            <a:avLst/>
-          </a:prstGeom>
-          <a:noFill/>
-        </p:spPr>
-        <p:txBody>
-          <a:bodyPr wrap="square" rtlCol="0">
-            <a:spAutoFit/>
-          </a:bodyPr>
-          <a:lstStyle/>
-          <a:p>
-            <a:r>
-              <a:rPr lang="en-US" sz="2400" b="1" dirty="0">
-                <a:solidFill>
-                  <a:srgbClr val="64C7E9"/>
-                </a:solidFill>
-                <a:latin typeface="UTM Helve" panose="02040603050506020204" pitchFamily="18" charset="0"/>
-                <a:ea typeface="Roboto" pitchFamily="2" charset="0"/>
-              </a:rPr>
-              <a:t>6.2 Sử dụng cảm biến nhiệt </a:t>
-            </a:r>
-            <a:r>
-              <a:rPr lang="en-US" sz="2400" b="1" dirty="0" smtClean="0">
-                <a:solidFill>
-                  <a:srgbClr val="64C7E9"/>
-                </a:solidFill>
-                <a:latin typeface="UTM Helve" panose="02040603050506020204" pitchFamily="18" charset="0"/>
-                <a:ea typeface="Roboto" pitchFamily="2" charset="0"/>
-              </a:rPr>
-              <a:t>độ với micro:bit</a:t>
-            </a:r>
-            <a:endParaRPr lang="en-US" sz="2400" b="1" dirty="0">
-              <a:solidFill>
-                <a:srgbClr val="64C7E9"/>
-              </a:solidFill>
-              <a:latin typeface="UTM Helve" panose="02040603050506020204" pitchFamily="18" charset="0"/>
-              <a:ea typeface="Roboto" pitchFamily="2" charset="0"/>
-            </a:endParaRPr>
-          </a:p>
-        </p:txBody>
-      </p:sp>
-    </p:spTree>
-    <p:extLst>
-      <p:ext uri="{BB962C8B-B14F-4D97-AF65-F5344CB8AC3E}">
-        <p14:creationId xmlns:p14="http://schemas.microsoft.com/office/powerpoint/2010/main" val="518385681"/>
-      </p:ext>
-    </p:extLst>
-  </p:cSld>
-  <p:clrMapOvr>
-    <a:masterClrMapping/>
-  </p:clrMapOvr>
-</p:sld>
-</file>
-
 <file path=ppt/slides/slide5.xml><?xml version="1.0" encoding="utf-8"?>
 <p:sld xmlns:a="http://schemas.openxmlformats.org/drawingml/2006/main" xmlns:r="http://schemas.openxmlformats.org/officeDocument/2006/relationships" xmlns:p="http://schemas.openxmlformats.org/presentationml/2006/main">
   <p:cSld>
@@ -4156,112 +5348,7 @@
       </p:sp>
       <p:sp>
         <p:nvSpPr>
-          <p:cNvPr id="5" name="TextBox 4"/>
-          <p:cNvSpPr txBox="1"/>
-          <p:nvPr/>
-        </p:nvSpPr>
-        <p:spPr>
-          <a:xfrm>
-            <a:off x="1265305" y="1364739"/>
-            <a:ext cx="5649845" cy="461665"/>
-          </a:xfrm>
-          <a:prstGeom prst="rect">
-            <a:avLst/>
-          </a:prstGeom>
-          <a:noFill/>
-        </p:spPr>
-        <p:txBody>
-          <a:bodyPr wrap="square" rtlCol="0">
-            <a:spAutoFit/>
-          </a:bodyPr>
-          <a:lstStyle/>
-          <a:p>
-            <a:r>
-              <a:rPr lang="en-US" sz="2400" b="1" dirty="0" smtClean="0">
-                <a:solidFill>
-                  <a:schemeClr val="tx1">
-                    <a:lumMod val="85000"/>
-                    <a:lumOff val="15000"/>
-                  </a:schemeClr>
-                </a:solidFill>
-                <a:latin typeface="UTM Helve" panose="02040603050506020204" pitchFamily="18" charset="0"/>
-                <a:ea typeface="Roboto" pitchFamily="2" charset="0"/>
-              </a:rPr>
-              <a:t>Giữ an toàn cho micro:bit</a:t>
-            </a:r>
-            <a:endParaRPr lang="en-US" sz="2400" b="1" dirty="0">
-              <a:solidFill>
-                <a:schemeClr val="tx1">
-                  <a:lumMod val="85000"/>
-                  <a:lumOff val="15000"/>
-                </a:schemeClr>
-              </a:solidFill>
-              <a:latin typeface="UTM Helve" panose="02040603050506020204" pitchFamily="18" charset="0"/>
-              <a:ea typeface="Roboto" pitchFamily="2" charset="0"/>
-            </a:endParaRPr>
-          </a:p>
-        </p:txBody>
-      </p:sp>
-      <p:pic>
-        <p:nvPicPr>
-          <p:cNvPr id="6" name="Picture 5"/>
-          <p:cNvPicPr>
-            <a:picLocks noChangeAspect="1"/>
-          </p:cNvPicPr>
-          <p:nvPr/>
-        </p:nvPicPr>
-        <p:blipFill>
-          <a:blip r:embed="rId2">
-            <a:extLst>
-              <a:ext uri="{28A0092B-C50C-407E-A947-70E740481C1C}">
-                <a14:useLocalDpi xmlns:a14="http://schemas.microsoft.com/office/drawing/2010/main" val="0"/>
-              </a:ext>
-            </a:extLst>
-          </a:blip>
-          <a:stretch>
-            <a:fillRect/>
-          </a:stretch>
-        </p:blipFill>
-        <p:spPr>
-          <a:xfrm>
-            <a:off x="709053" y="1437696"/>
-            <a:ext cx="466725" cy="409575"/>
-          </a:xfrm>
-          <a:prstGeom prst="rect">
-            <a:avLst/>
-          </a:prstGeom>
-        </p:spPr>
-      </p:pic>
-      <p:pic>
-        <p:nvPicPr>
-          <p:cNvPr id="7" name="Google Shape;149;p5"/>
-          <p:cNvPicPr preferRelativeResize="0"/>
-          <p:nvPr/>
-        </p:nvPicPr>
-        <p:blipFill rotWithShape="1">
-          <a:blip r:embed="rId3">
-            <a:alphaModFix/>
-          </a:blip>
-          <a:srcRect/>
-          <a:stretch/>
-        </p:blipFill>
-        <p:spPr>
-          <a:xfrm>
-            <a:off x="804690" y="2535250"/>
-            <a:ext cx="3206517" cy="3182856"/>
-          </a:xfrm>
-          <a:prstGeom prst="rect">
-            <a:avLst/>
-          </a:prstGeom>
-          <a:noFill/>
-          <a:ln>
-            <a:noFill/>
-          </a:ln>
-        </p:spPr>
-      </p:pic>
-      <p:sp>
-        <p:nvSpPr>
-          <p:cNvPr id="8" name="Title 1"/>
+          <p:cNvPr id="3" name="Title 1"/>
           <p:cNvSpPr txBox="1">
             <a:spLocks/>
           </p:cNvSpPr>
@@ -4269,8 +5356,8 @@
         </p:nvSpPr>
         <p:spPr>
           <a:xfrm>
-            <a:off x="4261791" y="2490360"/>
-            <a:ext cx="4253559" cy="3227746"/>
+            <a:off x="709053" y="4862785"/>
+            <a:ext cx="5644503" cy="508846"/>
           </a:xfrm>
           <a:prstGeom prst="rect">
             <a:avLst/>
@@ -4298,15 +5385,13 @@
             </a:lvl1pPr>
           </a:lstStyle>
           <a:p>
-            <a:pPr marL="342900" indent="-342900">
+            <a:pPr>
               <a:lnSpc>
                 <a:spcPct val="100000"/>
               </a:lnSpc>
-              <a:buFont typeface="Arial" panose="020B0604020202020204" pitchFamily="34" charset="0"/>
-              <a:buChar char="•"/>
             </a:pPr>
             <a:r>
-              <a:rPr lang="en-US" sz="2400" b="0" dirty="0">
+              <a:rPr lang="en-US" sz="2000" b="0" dirty="0" smtClean="0">
                 <a:solidFill>
                   <a:schemeClr val="tx1">
                     <a:lumMod val="95000"/>
@@ -4315,10 +5400,81 @@
                 </a:solidFill>
                 <a:ea typeface="Roboto Condensed" pitchFamily="2" charset="0"/>
               </a:rPr>
-              <a:t>Cầm micro:bit cẩn thận ở các </a:t>
-            </a:r>
-            <a:r>
-              <a:rPr lang="en-US" sz="2400" b="0" dirty="0" smtClean="0">
+              <a:t>Bước 1: Click Download tải file về máy tính</a:t>
+            </a:r>
+          </a:p>
+        </p:txBody>
+      </p:sp>
+      <p:pic>
+        <p:nvPicPr>
+          <p:cNvPr id="4" name="Picture 3"/>
+          <p:cNvPicPr>
+            <a:picLocks noChangeAspect="1"/>
+          </p:cNvPicPr>
+          <p:nvPr/>
+        </p:nvPicPr>
+        <p:blipFill>
+          <a:blip r:embed="rId2"/>
+          <a:stretch>
+            <a:fillRect/>
+          </a:stretch>
+        </p:blipFill>
+        <p:spPr>
+          <a:xfrm>
+            <a:off x="5743928" y="4822111"/>
+            <a:ext cx="2909512" cy="456394"/>
+          </a:xfrm>
+          <a:prstGeom prst="rect">
+            <a:avLst/>
+          </a:prstGeom>
+        </p:spPr>
+      </p:pic>
+      <p:sp>
+        <p:nvSpPr>
+          <p:cNvPr id="5" name="Title 1"/>
+          <p:cNvSpPr txBox="1">
+            <a:spLocks/>
+          </p:cNvSpPr>
+          <p:nvPr/>
+        </p:nvSpPr>
+        <p:spPr>
+          <a:xfrm>
+            <a:off x="709053" y="5412305"/>
+            <a:ext cx="8047836" cy="496573"/>
+          </a:xfrm>
+          <a:prstGeom prst="rect">
+            <a:avLst/>
+          </a:prstGeom>
+        </p:spPr>
+        <p:txBody>
+          <a:bodyPr/>
+          <a:lstStyle>
+            <a:lvl1pPr algn="l" defTabSz="914400" rtl="0" eaLnBrk="1" latinLnBrk="0" hangingPunct="1">
+              <a:lnSpc>
+                <a:spcPct val="90000"/>
+              </a:lnSpc>
+              <a:spcBef>
+                <a:spcPct val="0"/>
+              </a:spcBef>
+              <a:buNone/>
+              <a:defRPr sz="3200" b="1" kern="1200">
+                <a:solidFill>
+                  <a:srgbClr val="019DD0"/>
+                </a:solidFill>
+                <a:latin typeface="Arial" panose="020B0604020202020204" pitchFamily="34" charset="0"/>
+                <a:ea typeface="+mj-ea"/>
+                <a:cs typeface="Arial" panose="020B0604020202020204" pitchFamily="34" charset="0"/>
+              </a:defRPr>
+            </a:lvl1pPr>
+          </a:lstStyle>
+          <a:p>
+            <a:pPr>
+              <a:lnSpc>
+                <a:spcPct val="100000"/>
+              </a:lnSpc>
+            </a:pPr>
+            <a:r>
+              <a:rPr lang="en-US" sz="2000" b="0" dirty="0" smtClean="0">
                 <a:solidFill>
                   <a:schemeClr val="tx1">
                     <a:lumMod val="95000"/>
@@ -4327,10 +5483,158 @@
                 </a:solidFill>
                 <a:ea typeface="Roboto Condensed" pitchFamily="2" charset="0"/>
               </a:rPr>
-              <a:t>cạnh</a:t>
-            </a:r>
-            <a:br>
-              <a:rPr lang="en-US" sz="2400" b="0" dirty="0" smtClean="0">
+              <a:t>Bước 2: Gắn đầu USB vào máy tính, đầu micro USB vào micro:bit </a:t>
+            </a:r>
+          </a:p>
+        </p:txBody>
+      </p:sp>
+      <p:sp>
+        <p:nvSpPr>
+          <p:cNvPr id="8" name="TextBox 7"/>
+          <p:cNvSpPr txBox="1"/>
+          <p:nvPr/>
+        </p:nvSpPr>
+        <p:spPr>
+          <a:xfrm>
+            <a:off x="1265305" y="1364739"/>
+            <a:ext cx="5649845" cy="461665"/>
+          </a:xfrm>
+          <a:prstGeom prst="rect">
+            <a:avLst/>
+          </a:prstGeom>
+          <a:noFill/>
+        </p:spPr>
+        <p:txBody>
+          <a:bodyPr wrap="square" rtlCol="0">
+            <a:spAutoFit/>
+          </a:bodyPr>
+          <a:lstStyle/>
+          <a:p>
+            <a:r>
+              <a:rPr lang="en-US" sz="2400" b="1" dirty="0" smtClean="0">
+                <a:solidFill>
+                  <a:schemeClr val="tx1">
+                    <a:lumMod val="85000"/>
+                    <a:lumOff val="15000"/>
+                  </a:schemeClr>
+                </a:solidFill>
+                <a:latin typeface="UTM Helve" panose="02040603050506020204" pitchFamily="18" charset="0"/>
+                <a:ea typeface="Roboto" pitchFamily="2" charset="0"/>
+              </a:rPr>
+              <a:t>Đưa chương trình vào micro:bit</a:t>
+            </a:r>
+            <a:endParaRPr lang="en-US" sz="2400" b="1" dirty="0">
+              <a:solidFill>
+                <a:schemeClr val="tx1">
+                  <a:lumMod val="85000"/>
+                  <a:lumOff val="15000"/>
+                </a:schemeClr>
+              </a:solidFill>
+              <a:latin typeface="UTM Helve" panose="02040603050506020204" pitchFamily="18" charset="0"/>
+              <a:ea typeface="Roboto" pitchFamily="2" charset="0"/>
+            </a:endParaRPr>
+          </a:p>
+        </p:txBody>
+      </p:sp>
+      <p:pic>
+        <p:nvPicPr>
+          <p:cNvPr id="9" name="Picture 8"/>
+          <p:cNvPicPr>
+            <a:picLocks noChangeAspect="1"/>
+          </p:cNvPicPr>
+          <p:nvPr/>
+        </p:nvPicPr>
+        <p:blipFill>
+          <a:blip r:embed="rId3">
+            <a:extLst>
+              <a:ext uri="{28A0092B-C50C-407E-A947-70E740481C1C}">
+                <a14:useLocalDpi xmlns:a14="http://schemas.microsoft.com/office/drawing/2010/main" val="0"/>
+              </a:ext>
+            </a:extLst>
+          </a:blip>
+          <a:stretch>
+            <a:fillRect/>
+          </a:stretch>
+        </p:blipFill>
+        <p:spPr>
+          <a:xfrm>
+            <a:off x="709053" y="1437696"/>
+            <a:ext cx="466725" cy="409575"/>
+          </a:xfrm>
+          <a:prstGeom prst="rect">
+            <a:avLst/>
+          </a:prstGeom>
+        </p:spPr>
+      </p:pic>
+      <p:pic>
+        <p:nvPicPr>
+          <p:cNvPr id="11" name="Picture 10"/>
+          <p:cNvPicPr>
+            <a:picLocks noChangeAspect="1"/>
+          </p:cNvPicPr>
+          <p:nvPr/>
+        </p:nvPicPr>
+        <p:blipFill rotWithShape="1">
+          <a:blip r:embed="rId4"/>
+          <a:srcRect t="9567"/>
+          <a:stretch/>
+        </p:blipFill>
+        <p:spPr>
+          <a:xfrm>
+            <a:off x="1477989" y="1992477"/>
+            <a:ext cx="6441059" cy="2452204"/>
+          </a:xfrm>
+          <a:prstGeom prst="rect">
+            <a:avLst/>
+          </a:prstGeom>
+        </p:spPr>
+      </p:pic>
+      <p:sp>
+        <p:nvSpPr>
+          <p:cNvPr id="12" name="Title 1"/>
+          <p:cNvSpPr txBox="1">
+            <a:spLocks/>
+          </p:cNvSpPr>
+          <p:nvPr/>
+        </p:nvSpPr>
+        <p:spPr>
+          <a:xfrm>
+            <a:off x="709053" y="5983805"/>
+            <a:ext cx="8047836" cy="496573"/>
+          </a:xfrm>
+          <a:prstGeom prst="rect">
+            <a:avLst/>
+          </a:prstGeom>
+        </p:spPr>
+        <p:txBody>
+          <a:bodyPr/>
+          <a:lstStyle>
+            <a:lvl1pPr algn="l" defTabSz="914400" rtl="0" eaLnBrk="1" latinLnBrk="0" hangingPunct="1">
+              <a:lnSpc>
+                <a:spcPct val="90000"/>
+              </a:lnSpc>
+              <a:spcBef>
+                <a:spcPct val="0"/>
+              </a:spcBef>
+              <a:buNone/>
+              <a:defRPr sz="3200" b="1" kern="1200">
+                <a:solidFill>
+                  <a:srgbClr val="019DD0"/>
+                </a:solidFill>
+                <a:latin typeface="Arial" panose="020B0604020202020204" pitchFamily="34" charset="0"/>
+                <a:ea typeface="+mj-ea"/>
+                <a:cs typeface="Arial" panose="020B0604020202020204" pitchFamily="34" charset="0"/>
+              </a:defRPr>
+            </a:lvl1pPr>
+          </a:lstStyle>
+          <a:p>
+            <a:pPr>
+              <a:lnSpc>
+                <a:spcPct val="100000"/>
+              </a:lnSpc>
+            </a:pPr>
+            <a:r>
+              <a:rPr lang="en-US" sz="2000" b="0" dirty="0" smtClean="0">
                 <a:solidFill>
                   <a:schemeClr val="tx1">
                     <a:lumMod val="95000"/>
@@ -4339,84 +5643,14 @@
                 </a:solidFill>
                 <a:ea typeface="Roboto Condensed" pitchFamily="2" charset="0"/>
               </a:rPr>
-            </a:br>
-            <a:endParaRPr lang="en-US" sz="2400" b="0" dirty="0" smtClean="0">
-              <a:solidFill>
-                <a:schemeClr val="tx1">
-                  <a:lumMod val="95000"/>
-                  <a:lumOff val="5000"/>
-                </a:schemeClr>
-              </a:solidFill>
-              <a:ea typeface="Roboto Condensed" pitchFamily="2" charset="0"/>
-            </a:endParaRPr>
-          </a:p>
-          <a:p>
-            <a:pPr marL="342900" indent="-342900">
-              <a:lnSpc>
-                <a:spcPct val="100000"/>
-              </a:lnSpc>
-              <a:buFont typeface="Arial" panose="020B0604020202020204" pitchFamily="34" charset="0"/>
-              <a:buChar char="•"/>
-            </a:pPr>
-            <a:r>
-              <a:rPr lang="en-US" sz="2400" b="0" dirty="0" smtClean="0">
-                <a:solidFill>
-                  <a:schemeClr val="tx1">
-                    <a:lumMod val="95000"/>
-                    <a:lumOff val="5000"/>
-                  </a:schemeClr>
-                </a:solidFill>
-                <a:ea typeface="Roboto Condensed" pitchFamily="2" charset="0"/>
-              </a:rPr>
-              <a:t>Tránh chạm vào các bộ phận</a:t>
-            </a:r>
-            <a:br>
-              <a:rPr lang="en-US" sz="2400" b="0" dirty="0" smtClean="0">
-                <a:solidFill>
-                  <a:schemeClr val="tx1">
-                    <a:lumMod val="95000"/>
-                    <a:lumOff val="5000"/>
-                  </a:schemeClr>
-                </a:solidFill>
-                <a:ea typeface="Roboto Condensed" pitchFamily="2" charset="0"/>
-              </a:rPr>
-            </a:br>
-            <a:endParaRPr lang="en-US" sz="2400" b="0" dirty="0" smtClean="0">
-              <a:solidFill>
-                <a:schemeClr val="tx1">
-                  <a:lumMod val="95000"/>
-                  <a:lumOff val="5000"/>
-                </a:schemeClr>
-              </a:solidFill>
-              <a:ea typeface="Roboto Condensed" pitchFamily="2" charset="0"/>
-            </a:endParaRPr>
-          </a:p>
-          <a:p>
-            <a:pPr marL="342900" indent="-342900">
-              <a:lnSpc>
-                <a:spcPct val="100000"/>
-              </a:lnSpc>
-              <a:buFont typeface="Arial" panose="020B0604020202020204" pitchFamily="34" charset="0"/>
-              <a:buChar char="•"/>
-            </a:pPr>
-            <a:r>
-              <a:rPr lang="en-US" sz="2400" b="0" dirty="0" smtClean="0">
-                <a:solidFill>
-                  <a:schemeClr val="tx1">
-                    <a:lumMod val="95000"/>
-                    <a:lumOff val="5000"/>
-                  </a:schemeClr>
-                </a:solidFill>
-                <a:ea typeface="Roboto Condensed" pitchFamily="2" charset="0"/>
-              </a:rPr>
-              <a:t>Tránh xa micro:bit khỏi nước</a:t>
-            </a:r>
-          </a:p>
-        </p:txBody>
-      </p:sp>
-      <p:sp>
-        <p:nvSpPr>
-          <p:cNvPr id="9" name="Rectangle 8"/>
+              <a:t>Bước 3: Copy file .hex vào micro:bit </a:t>
+            </a:r>
+          </a:p>
+        </p:txBody>
+      </p:sp>
+      <p:sp>
+        <p:nvSpPr>
+          <p:cNvPr id="13" name="Rectangle 12"/>
           <p:cNvSpPr/>
           <p:nvPr/>
         </p:nvSpPr>
@@ -4471,7 +5705,7 @@
       </p:sp>
       <p:sp>
         <p:nvSpPr>
-          <p:cNvPr id="10" name="TextBox 9"/>
+          <p:cNvPr id="14" name="TextBox 13"/>
           <p:cNvSpPr txBox="1"/>
           <p:nvPr/>
         </p:nvSpPr>
@@ -4524,20 +5758,13 @@
     </p:spTree>
     <p:extLst>
       <p:ext uri="{BB962C8B-B14F-4D97-AF65-F5344CB8AC3E}">
-        <p14:creationId xmlns:p14="http://schemas.microsoft.com/office/powerpoint/2010/main" val="2152185348"/>
+        <p14:creationId xmlns:p14="http://schemas.microsoft.com/office/powerpoint/2010/main" val="518385681"/>
       </p:ext>
     </p:extLst>
   </p:cSld>
   <p:clrMapOvr>
     <a:masterClrMapping/>
   </p:clrMapOvr>
-  <p:timing>
-    <p:tnLst>
-      <p:par>
-        <p:cTn id="1" dur="indefinite" restart="never" nodeType="tmRoot"/>
-      </p:par>
-    </p:tnLst>
-  </p:timing>
 </p:sld>
 </file>
 
@@ -4584,7 +5811,267 @@
       </p:sp>
       <p:sp>
         <p:nvSpPr>
-          <p:cNvPr id="3" name="Rectangle 2"/>
+          <p:cNvPr id="5" name="TextBox 4"/>
+          <p:cNvSpPr txBox="1"/>
+          <p:nvPr/>
+        </p:nvSpPr>
+        <p:spPr>
+          <a:xfrm>
+            <a:off x="1265305" y="1364739"/>
+            <a:ext cx="5649845" cy="461665"/>
+          </a:xfrm>
+          <a:prstGeom prst="rect">
+            <a:avLst/>
+          </a:prstGeom>
+          <a:noFill/>
+        </p:spPr>
+        <p:txBody>
+          <a:bodyPr wrap="square" rtlCol="0">
+            <a:spAutoFit/>
+          </a:bodyPr>
+          <a:lstStyle/>
+          <a:p>
+            <a:r>
+              <a:rPr lang="en-US" sz="2400" b="1" dirty="0" smtClean="0">
+                <a:solidFill>
+                  <a:schemeClr val="tx1">
+                    <a:lumMod val="85000"/>
+                    <a:lumOff val="15000"/>
+                  </a:schemeClr>
+                </a:solidFill>
+                <a:latin typeface="UTM Helve" panose="02040603050506020204" pitchFamily="18" charset="0"/>
+                <a:ea typeface="Roboto" pitchFamily="2" charset="0"/>
+              </a:rPr>
+              <a:t>Giữ an toàn cho micro:bit</a:t>
+            </a:r>
+            <a:endParaRPr lang="en-US" sz="2400" b="1" dirty="0">
+              <a:solidFill>
+                <a:schemeClr val="tx1">
+                  <a:lumMod val="85000"/>
+                  <a:lumOff val="15000"/>
+                </a:schemeClr>
+              </a:solidFill>
+              <a:latin typeface="UTM Helve" panose="02040603050506020204" pitchFamily="18" charset="0"/>
+              <a:ea typeface="Roboto" pitchFamily="2" charset="0"/>
+            </a:endParaRPr>
+          </a:p>
+        </p:txBody>
+      </p:sp>
+      <p:pic>
+        <p:nvPicPr>
+          <p:cNvPr id="6" name="Picture 5"/>
+          <p:cNvPicPr>
+            <a:picLocks noChangeAspect="1"/>
+          </p:cNvPicPr>
+          <p:nvPr/>
+        </p:nvPicPr>
+        <p:blipFill>
+          <a:blip r:embed="rId2">
+            <a:extLst>
+              <a:ext uri="{28A0092B-C50C-407E-A947-70E740481C1C}">
+                <a14:useLocalDpi xmlns:a14="http://schemas.microsoft.com/office/drawing/2010/main" val="0"/>
+              </a:ext>
+            </a:extLst>
+          </a:blip>
+          <a:stretch>
+            <a:fillRect/>
+          </a:stretch>
+        </p:blipFill>
+        <p:spPr>
+          <a:xfrm>
+            <a:off x="709053" y="1437696"/>
+            <a:ext cx="466725" cy="409575"/>
+          </a:xfrm>
+          <a:prstGeom prst="rect">
+            <a:avLst/>
+          </a:prstGeom>
+        </p:spPr>
+      </p:pic>
+      <p:pic>
+        <p:nvPicPr>
+          <p:cNvPr id="7" name="Google Shape;149;p5"/>
+          <p:cNvPicPr preferRelativeResize="0"/>
+          <p:nvPr/>
+        </p:nvPicPr>
+        <p:blipFill rotWithShape="1">
+          <a:blip r:embed="rId3">
+            <a:alphaModFix/>
+          </a:blip>
+          <a:srcRect/>
+          <a:stretch/>
+        </p:blipFill>
+        <p:spPr>
+          <a:xfrm>
+            <a:off x="804690" y="2535250"/>
+            <a:ext cx="3206517" cy="3182856"/>
+          </a:xfrm>
+          <a:prstGeom prst="rect">
+            <a:avLst/>
+          </a:prstGeom>
+          <a:noFill/>
+          <a:ln>
+            <a:noFill/>
+          </a:ln>
+        </p:spPr>
+      </p:pic>
+      <p:sp>
+        <p:nvSpPr>
+          <p:cNvPr id="8" name="Title 1"/>
+          <p:cNvSpPr txBox="1">
+            <a:spLocks/>
+          </p:cNvSpPr>
+          <p:nvPr/>
+        </p:nvSpPr>
+        <p:spPr>
+          <a:xfrm>
+            <a:off x="4261791" y="2490360"/>
+            <a:ext cx="4253559" cy="3227746"/>
+          </a:xfrm>
+          <a:prstGeom prst="rect">
+            <a:avLst/>
+          </a:prstGeom>
+        </p:spPr>
+        <p:txBody>
+          <a:bodyPr/>
+          <a:lstStyle>
+            <a:lvl1pPr algn="l" defTabSz="914400" rtl="0" eaLnBrk="1" latinLnBrk="0" hangingPunct="1">
+              <a:lnSpc>
+                <a:spcPct val="90000"/>
+              </a:lnSpc>
+              <a:spcBef>
+                <a:spcPct val="0"/>
+              </a:spcBef>
+              <a:buNone/>
+              <a:defRPr sz="3200" b="1" kern="1200">
+                <a:solidFill>
+                  <a:srgbClr val="019DD0"/>
+                </a:solidFill>
+                <a:latin typeface="Arial" panose="020B0604020202020204" pitchFamily="34" charset="0"/>
+                <a:ea typeface="+mj-ea"/>
+                <a:cs typeface="Arial" panose="020B0604020202020204" pitchFamily="34" charset="0"/>
+              </a:defRPr>
+            </a:lvl1pPr>
+          </a:lstStyle>
+          <a:p>
+            <a:pPr marL="342900" indent="-342900">
+              <a:lnSpc>
+                <a:spcPct val="100000"/>
+              </a:lnSpc>
+              <a:buFont typeface="Arial" panose="020B0604020202020204" pitchFamily="34" charset="0"/>
+              <a:buChar char="•"/>
+            </a:pPr>
+            <a:r>
+              <a:rPr lang="en-US" sz="2400" b="0" dirty="0">
+                <a:solidFill>
+                  <a:schemeClr val="tx1">
+                    <a:lumMod val="95000"/>
+                    <a:lumOff val="5000"/>
+                  </a:schemeClr>
+                </a:solidFill>
+                <a:ea typeface="Roboto Condensed" pitchFamily="2" charset="0"/>
+              </a:rPr>
+              <a:t>Cầm micro:bit cẩn thận ở các </a:t>
+            </a:r>
+            <a:r>
+              <a:rPr lang="en-US" sz="2400" b="0" dirty="0" smtClean="0">
+                <a:solidFill>
+                  <a:schemeClr val="tx1">
+                    <a:lumMod val="95000"/>
+                    <a:lumOff val="5000"/>
+                  </a:schemeClr>
+                </a:solidFill>
+                <a:ea typeface="Roboto Condensed" pitchFamily="2" charset="0"/>
+              </a:rPr>
+              <a:t>cạnh</a:t>
+            </a:r>
+            <a:br>
+              <a:rPr lang="en-US" sz="2400" b="0" dirty="0" smtClean="0">
+                <a:solidFill>
+                  <a:schemeClr val="tx1">
+                    <a:lumMod val="95000"/>
+                    <a:lumOff val="5000"/>
+                  </a:schemeClr>
+                </a:solidFill>
+                <a:ea typeface="Roboto Condensed" pitchFamily="2" charset="0"/>
+              </a:rPr>
+            </a:br>
+            <a:endParaRPr lang="en-US" sz="2400" b="0" dirty="0" smtClean="0">
+              <a:solidFill>
+                <a:schemeClr val="tx1">
+                  <a:lumMod val="95000"/>
+                  <a:lumOff val="5000"/>
+                </a:schemeClr>
+              </a:solidFill>
+              <a:ea typeface="Roboto Condensed" pitchFamily="2" charset="0"/>
+            </a:endParaRPr>
+          </a:p>
+          <a:p>
+            <a:pPr marL="342900" indent="-342900">
+              <a:lnSpc>
+                <a:spcPct val="100000"/>
+              </a:lnSpc>
+              <a:buFont typeface="Arial" panose="020B0604020202020204" pitchFamily="34" charset="0"/>
+              <a:buChar char="•"/>
+            </a:pPr>
+            <a:r>
+              <a:rPr lang="en-US" sz="2400" b="0" dirty="0" smtClean="0">
+                <a:solidFill>
+                  <a:schemeClr val="tx1">
+                    <a:lumMod val="95000"/>
+                    <a:lumOff val="5000"/>
+                  </a:schemeClr>
+                </a:solidFill>
+                <a:ea typeface="Roboto Condensed" pitchFamily="2" charset="0"/>
+              </a:rPr>
+              <a:t>Tránh chạm vào các bộ phận</a:t>
+            </a:r>
+            <a:br>
+              <a:rPr lang="en-US" sz="2400" b="0" dirty="0" smtClean="0">
+                <a:solidFill>
+                  <a:schemeClr val="tx1">
+                    <a:lumMod val="95000"/>
+                    <a:lumOff val="5000"/>
+                  </a:schemeClr>
+                </a:solidFill>
+                <a:ea typeface="Roboto Condensed" pitchFamily="2" charset="0"/>
+              </a:rPr>
+            </a:br>
+            <a:endParaRPr lang="en-US" sz="2400" b="0" dirty="0" smtClean="0">
+              <a:solidFill>
+                <a:schemeClr val="tx1">
+                  <a:lumMod val="95000"/>
+                  <a:lumOff val="5000"/>
+                </a:schemeClr>
+              </a:solidFill>
+              <a:ea typeface="Roboto Condensed" pitchFamily="2" charset="0"/>
+            </a:endParaRPr>
+          </a:p>
+          <a:p>
+            <a:pPr marL="342900" indent="-342900">
+              <a:lnSpc>
+                <a:spcPct val="100000"/>
+              </a:lnSpc>
+              <a:buFont typeface="Arial" panose="020B0604020202020204" pitchFamily="34" charset="0"/>
+              <a:buChar char="•"/>
+            </a:pPr>
+            <a:r>
+              <a:rPr lang="en-US" sz="2400" b="0" dirty="0" smtClean="0">
+                <a:solidFill>
+                  <a:schemeClr val="tx1">
+                    <a:lumMod val="95000"/>
+                    <a:lumOff val="5000"/>
+                  </a:schemeClr>
+                </a:solidFill>
+                <a:ea typeface="Roboto Condensed" pitchFamily="2" charset="0"/>
+              </a:rPr>
+              <a:t>Tránh xa micro:bit khỏi nước</a:t>
+            </a:r>
+          </a:p>
+        </p:txBody>
+      </p:sp>
+      <p:sp>
+        <p:nvSpPr>
+          <p:cNvPr id="9" name="Rectangle 8"/>
           <p:cNvSpPr/>
           <p:nvPr/>
         </p:nvSpPr>
@@ -4639,14 +6126,14 @@
       </p:sp>
       <p:sp>
         <p:nvSpPr>
-          <p:cNvPr id="4" name="TextBox 3"/>
+          <p:cNvPr id="10" name="TextBox 9"/>
           <p:cNvSpPr txBox="1"/>
           <p:nvPr/>
         </p:nvSpPr>
         <p:spPr>
           <a:xfrm>
-            <a:off x="248815" y="546584"/>
-            <a:ext cx="7374995" cy="461665"/>
+            <a:off x="207035" y="546584"/>
+            <a:ext cx="8194843" cy="461665"/>
           </a:xfrm>
           <a:prstGeom prst="rect">
             <a:avLst/>
@@ -4660,14 +6147,24 @@
           <a:lstStyle/>
           <a:p>
             <a:r>
-              <a:rPr lang="en-US" sz="2400" b="1" dirty="0" smtClean="0">
+              <a:rPr lang="en-US" sz="2400" b="1" dirty="0">
                 <a:solidFill>
                   <a:srgbClr val="64C7E9"/>
                 </a:solidFill>
                 <a:latin typeface="UTM Helve" panose="02040603050506020204" pitchFamily="18" charset="0"/>
                 <a:ea typeface="Roboto" pitchFamily="2" charset="0"/>
               </a:rPr>
-              <a:t>4.4 Hoạt động học viên</a:t>
+              <a:t>6.2 Sử dụng cảm biến nhiệt </a:t>
+            </a:r>
+            <a:r>
+              <a:rPr lang="en-US" sz="2400" b="1" dirty="0" smtClean="0">
+                <a:solidFill>
+                  <a:srgbClr val="64C7E9"/>
+                </a:solidFill>
+                <a:latin typeface="UTM Helve" panose="02040603050506020204" pitchFamily="18" charset="0"/>
+                <a:ea typeface="Roboto" pitchFamily="2" charset="0"/>
+              </a:rPr>
+              <a:t>độ với micro:bit</a:t>
             </a:r>
             <a:endParaRPr lang="en-US" sz="2400" b="1" dirty="0">
               <a:solidFill>
@@ -4679,656 +6176,10 @@
           </a:p>
         </p:txBody>
       </p:sp>
-      <p:sp>
-        <p:nvSpPr>
-          <p:cNvPr id="8" name="TextBox 7"/>
-          <p:cNvSpPr txBox="1"/>
-          <p:nvPr/>
-        </p:nvSpPr>
-        <p:spPr>
-          <a:xfrm>
-            <a:off x="1236140" y="1389829"/>
-            <a:ext cx="4482860" cy="461665"/>
-          </a:xfrm>
-          <a:prstGeom prst="rect">
-            <a:avLst/>
-          </a:prstGeom>
-          <a:noFill/>
-        </p:spPr>
-        <p:txBody>
-          <a:bodyPr wrap="square" rtlCol="0">
-            <a:spAutoFit/>
-          </a:bodyPr>
-          <a:lstStyle/>
-          <a:p>
-            <a:r>
-              <a:rPr lang="en-US" sz="2400" b="1" dirty="0" smtClean="0">
-                <a:solidFill>
-                  <a:schemeClr val="tx1">
-                    <a:lumMod val="85000"/>
-                    <a:lumOff val="15000"/>
-                  </a:schemeClr>
-                </a:solidFill>
-                <a:latin typeface="UTM Helve" panose="02040603050506020204" pitchFamily="18" charset="0"/>
-                <a:ea typeface="Roboto" pitchFamily="2" charset="0"/>
-              </a:rPr>
-              <a:t>Các bước thực hiện</a:t>
-            </a:r>
-            <a:endParaRPr lang="en-US" sz="2400" b="1" dirty="0">
-              <a:solidFill>
-                <a:schemeClr val="tx1">
-                  <a:lumMod val="85000"/>
-                  <a:lumOff val="15000"/>
-                </a:schemeClr>
-              </a:solidFill>
-              <a:latin typeface="UTM Helve" panose="02040603050506020204" pitchFamily="18" charset="0"/>
-              <a:ea typeface="Roboto" pitchFamily="2" charset="0"/>
-            </a:endParaRPr>
-          </a:p>
-        </p:txBody>
-      </p:sp>
-      <p:pic>
-        <p:nvPicPr>
-          <p:cNvPr id="9" name="Picture 8"/>
-          <p:cNvPicPr>
-            <a:picLocks noChangeAspect="1"/>
-          </p:cNvPicPr>
-          <p:nvPr/>
-        </p:nvPicPr>
-        <p:blipFill>
-          <a:blip r:embed="rId2">
-            <a:extLst>
-              <a:ext uri="{28A0092B-C50C-407E-A947-70E740481C1C}">
-                <a14:useLocalDpi xmlns:a14="http://schemas.microsoft.com/office/drawing/2010/main" val="0"/>
-              </a:ext>
-            </a:extLst>
-          </a:blip>
-          <a:stretch>
-            <a:fillRect/>
-          </a:stretch>
-        </p:blipFill>
-        <p:spPr>
-          <a:xfrm>
-            <a:off x="679888" y="1462786"/>
-            <a:ext cx="466725" cy="409575"/>
-          </a:xfrm>
-          <a:prstGeom prst="rect">
-            <a:avLst/>
-          </a:prstGeom>
-        </p:spPr>
-      </p:pic>
-      <p:sp>
-        <p:nvSpPr>
-          <p:cNvPr id="10" name="TextBox 9"/>
-          <p:cNvSpPr txBox="1"/>
-          <p:nvPr/>
-        </p:nvSpPr>
-        <p:spPr>
-          <a:xfrm>
-            <a:off x="1236140" y="2163497"/>
-            <a:ext cx="6682908" cy="830997"/>
-          </a:xfrm>
-          <a:prstGeom prst="rect">
-            <a:avLst/>
-          </a:prstGeom>
-          <a:noFill/>
-        </p:spPr>
-        <p:txBody>
-          <a:bodyPr wrap="square" rtlCol="0">
-            <a:spAutoFit/>
-          </a:bodyPr>
-          <a:lstStyle/>
-          <a:p>
-            <a:r>
-              <a:rPr lang="en-US" sz="2400" dirty="0" smtClean="0">
-                <a:solidFill>
-                  <a:schemeClr val="tx1">
-                    <a:lumMod val="85000"/>
-                    <a:lumOff val="15000"/>
-                  </a:schemeClr>
-                </a:solidFill>
-                <a:latin typeface="UTM Helve" panose="02040603050506020204" pitchFamily="18" charset="0"/>
-                <a:ea typeface="Roboto" pitchFamily="2" charset="0"/>
-              </a:rPr>
-              <a:t>Sử dụng mẫu </a:t>
-            </a:r>
-            <a:r>
-              <a:rPr lang="en-US" sz="2400" dirty="0">
-                <a:solidFill>
-                  <a:schemeClr val="tx1">
-                    <a:lumMod val="85000"/>
-                    <a:lumOff val="15000"/>
-                  </a:schemeClr>
-                </a:solidFill>
-                <a:latin typeface="UTM Helve" panose="02040603050506020204" pitchFamily="18" charset="0"/>
-                <a:ea typeface="Roboto" pitchFamily="2" charset="0"/>
-              </a:rPr>
-              <a:t>in </a:t>
-            </a:r>
-            <a:r>
-              <a:rPr lang="en-US" sz="2400" b="1" dirty="0">
-                <a:solidFill>
-                  <a:schemeClr val="tx1">
-                    <a:lumMod val="85000"/>
-                    <a:lumOff val="15000"/>
-                  </a:schemeClr>
-                </a:solidFill>
-                <a:latin typeface="UTM Helve" panose="02040603050506020204" pitchFamily="18" charset="0"/>
-                <a:ea typeface="Roboto" pitchFamily="2" charset="0"/>
-              </a:rPr>
-              <a:t>Algorithm Planning </a:t>
-            </a:r>
-            <a:r>
-              <a:rPr lang="en-US" sz="2400" b="1" dirty="0" smtClean="0">
-                <a:solidFill>
-                  <a:schemeClr val="tx1">
-                    <a:lumMod val="85000"/>
-                    <a:lumOff val="15000"/>
-                  </a:schemeClr>
-                </a:solidFill>
-                <a:latin typeface="UTM Helve" panose="02040603050506020204" pitchFamily="18" charset="0"/>
-                <a:ea typeface="Roboto" pitchFamily="2" charset="0"/>
-              </a:rPr>
-              <a:t>Sheet</a:t>
-            </a:r>
-            <a:r>
-              <a:rPr lang="en-US" sz="2400" dirty="0" smtClean="0">
-                <a:solidFill>
-                  <a:schemeClr val="tx1">
-                    <a:lumMod val="85000"/>
-                    <a:lumOff val="15000"/>
-                  </a:schemeClr>
-                </a:solidFill>
-                <a:latin typeface="UTM Helve" panose="02040603050506020204" pitchFamily="18" charset="0"/>
-                <a:ea typeface="Roboto" pitchFamily="2" charset="0"/>
-              </a:rPr>
-              <a:t> , </a:t>
-            </a:r>
-            <a:r>
-              <a:rPr lang="en-US" sz="2400" b="1" dirty="0" smtClean="0">
-                <a:solidFill>
-                  <a:schemeClr val="tx1">
-                    <a:lumMod val="85000"/>
-                    <a:lumOff val="15000"/>
-                  </a:schemeClr>
-                </a:solidFill>
-                <a:latin typeface="UTM Helve" panose="02040603050506020204" pitchFamily="18" charset="0"/>
-                <a:ea typeface="Roboto" pitchFamily="2" charset="0"/>
-              </a:rPr>
-              <a:t>Led Planner </a:t>
-            </a:r>
-            <a:r>
-              <a:rPr lang="en-US" sz="2400" dirty="0" smtClean="0">
-                <a:solidFill>
-                  <a:schemeClr val="tx1">
-                    <a:lumMod val="85000"/>
-                    <a:lumOff val="15000"/>
-                  </a:schemeClr>
-                </a:solidFill>
-                <a:latin typeface="UTM Helve" panose="02040603050506020204" pitchFamily="18" charset="0"/>
-                <a:ea typeface="Roboto" pitchFamily="2" charset="0"/>
-              </a:rPr>
-              <a:t>để soạn thuật toán chương trình</a:t>
-            </a:r>
-            <a:endParaRPr lang="en-US" sz="2400" dirty="0">
-              <a:solidFill>
-                <a:schemeClr val="tx1">
-                  <a:lumMod val="85000"/>
-                  <a:lumOff val="15000"/>
-                </a:schemeClr>
-              </a:solidFill>
-              <a:latin typeface="UTM Helve" panose="02040603050506020204" pitchFamily="18" charset="0"/>
-              <a:ea typeface="Roboto" pitchFamily="2" charset="0"/>
-            </a:endParaRPr>
-          </a:p>
-        </p:txBody>
-      </p:sp>
-      <p:sp>
-        <p:nvSpPr>
-          <p:cNvPr id="11" name="Oval 10"/>
-          <p:cNvSpPr/>
-          <p:nvPr/>
-        </p:nvSpPr>
-        <p:spPr>
-          <a:xfrm>
-            <a:off x="684650" y="2227451"/>
-            <a:ext cx="457200" cy="457200"/>
-          </a:xfrm>
-          <a:prstGeom prst="ellipse">
-            <a:avLst/>
-          </a:prstGeom>
-          <a:gradFill flip="none" rotWithShape="1">
-            <a:gsLst>
-              <a:gs pos="15000">
-                <a:srgbClr val="67C7DF"/>
-              </a:gs>
-              <a:gs pos="100000">
-                <a:srgbClr val="5EB130"/>
-              </a:gs>
-            </a:gsLst>
-            <a:lin ang="0" scaled="1"/>
-            <a:tileRect/>
-          </a:gradFill>
-          <a:ln>
-            <a:noFill/>
-          </a:ln>
-        </p:spPr>
-        <p:style>
-          <a:lnRef idx="2">
-            <a:schemeClr val="accent1">
-              <a:shade val="50000"/>
-            </a:schemeClr>
-          </a:lnRef>
-          <a:fillRef idx="1">
-            <a:schemeClr val="accent1"/>
-          </a:fillRef>
-          <a:effectRef idx="0">
-            <a:schemeClr val="accent1"/>
-          </a:effectRef>
-          <a:fontRef idx="minor">
-            <a:schemeClr val="lt1"/>
-          </a:fontRef>
-        </p:style>
-        <p:txBody>
-          <a:bodyPr rtlCol="0" anchor="ctr"/>
-          <a:lstStyle/>
-          <a:p>
-            <a:pPr algn="ctr"/>
-            <a:r>
-              <a:rPr lang="en-US" b="1" dirty="0">
-                <a:latin typeface="UTM Helve" panose="02040603050506020204" pitchFamily="18" charset="0"/>
-              </a:rPr>
-              <a:t>1</a:t>
-            </a:r>
-          </a:p>
-        </p:txBody>
-      </p:sp>
-      <p:sp>
-        <p:nvSpPr>
-          <p:cNvPr id="12" name="TextBox 11"/>
-          <p:cNvSpPr txBox="1"/>
-          <p:nvPr/>
-        </p:nvSpPr>
-        <p:spPr>
-          <a:xfrm>
-            <a:off x="1236140" y="3270751"/>
-            <a:ext cx="6902020" cy="830997"/>
-          </a:xfrm>
-          <a:prstGeom prst="rect">
-            <a:avLst/>
-          </a:prstGeom>
-          <a:noFill/>
-        </p:spPr>
-        <p:txBody>
-          <a:bodyPr wrap="square" rtlCol="0">
-            <a:spAutoFit/>
-          </a:bodyPr>
-          <a:lstStyle/>
-          <a:p>
-            <a:r>
-              <a:rPr lang="en-US" sz="2400" dirty="0" smtClean="0">
-                <a:solidFill>
-                  <a:schemeClr val="tx1">
-                    <a:lumMod val="85000"/>
-                    <a:lumOff val="15000"/>
-                  </a:schemeClr>
-                </a:solidFill>
-                <a:latin typeface="UTM Helve" panose="02040603050506020204" pitchFamily="18" charset="0"/>
-                <a:ea typeface="Roboto" pitchFamily="2" charset="0"/>
-              </a:rPr>
-              <a:t>Chuyển thuật toán đó thành chương trình trong </a:t>
-            </a:r>
-            <a:r>
-              <a:rPr lang="en-US" sz="2400" b="1" dirty="0" smtClean="0">
-                <a:solidFill>
-                  <a:schemeClr val="tx1">
-                    <a:lumMod val="85000"/>
-                    <a:lumOff val="15000"/>
-                  </a:schemeClr>
-                </a:solidFill>
-                <a:latin typeface="UTM Helve" panose="02040603050506020204" pitchFamily="18" charset="0"/>
-                <a:ea typeface="Roboto" pitchFamily="2" charset="0"/>
-              </a:rPr>
-              <a:t>MakeCode</a:t>
-            </a:r>
-            <a:endParaRPr lang="en-US" sz="2400" b="1" dirty="0">
-              <a:solidFill>
-                <a:schemeClr val="tx1">
-                  <a:lumMod val="85000"/>
-                  <a:lumOff val="15000"/>
-                </a:schemeClr>
-              </a:solidFill>
-              <a:latin typeface="UTM Helve" panose="02040603050506020204" pitchFamily="18" charset="0"/>
-              <a:ea typeface="Roboto" pitchFamily="2" charset="0"/>
-            </a:endParaRPr>
-          </a:p>
-        </p:txBody>
-      </p:sp>
-      <p:sp>
-        <p:nvSpPr>
-          <p:cNvPr id="13" name="Oval 12"/>
-          <p:cNvSpPr/>
-          <p:nvPr/>
-        </p:nvSpPr>
-        <p:spPr>
-          <a:xfrm>
-            <a:off x="684650" y="3357565"/>
-            <a:ext cx="457200" cy="457200"/>
-          </a:xfrm>
-          <a:prstGeom prst="ellipse">
-            <a:avLst/>
-          </a:prstGeom>
-          <a:gradFill flip="none" rotWithShape="1">
-            <a:gsLst>
-              <a:gs pos="15000">
-                <a:srgbClr val="67C7DF"/>
-              </a:gs>
-              <a:gs pos="100000">
-                <a:srgbClr val="5EB130"/>
-              </a:gs>
-            </a:gsLst>
-            <a:lin ang="0" scaled="1"/>
-            <a:tileRect/>
-          </a:gradFill>
-          <a:ln>
-            <a:noFill/>
-          </a:ln>
-        </p:spPr>
-        <p:style>
-          <a:lnRef idx="2">
-            <a:schemeClr val="accent1">
-              <a:shade val="50000"/>
-            </a:schemeClr>
-          </a:lnRef>
-          <a:fillRef idx="1">
-            <a:schemeClr val="accent1"/>
-          </a:fillRef>
-          <a:effectRef idx="0">
-            <a:schemeClr val="accent1"/>
-          </a:effectRef>
-          <a:fontRef idx="minor">
-            <a:schemeClr val="lt1"/>
-          </a:fontRef>
-        </p:style>
-        <p:txBody>
-          <a:bodyPr rtlCol="0" anchor="ctr"/>
-          <a:lstStyle/>
-          <a:p>
-            <a:pPr algn="ctr"/>
-            <a:r>
-              <a:rPr lang="en-US" b="1" dirty="0" smtClean="0">
-                <a:latin typeface="UTM Helve" panose="02040603050506020204" pitchFamily="18" charset="0"/>
-              </a:rPr>
-              <a:t>2</a:t>
-            </a:r>
-            <a:endParaRPr lang="en-US" b="1" dirty="0">
-              <a:latin typeface="UTM Helve" panose="02040603050506020204" pitchFamily="18" charset="0"/>
-            </a:endParaRPr>
-          </a:p>
-        </p:txBody>
-      </p:sp>
-      <p:sp>
-        <p:nvSpPr>
-          <p:cNvPr id="14" name="TextBox 13"/>
-          <p:cNvSpPr txBox="1"/>
-          <p:nvPr/>
-        </p:nvSpPr>
-        <p:spPr>
-          <a:xfrm>
-            <a:off x="1236140" y="5622711"/>
-            <a:ext cx="6902020" cy="461665"/>
-          </a:xfrm>
-          <a:prstGeom prst="rect">
-            <a:avLst/>
-          </a:prstGeom>
-          <a:noFill/>
-        </p:spPr>
-        <p:txBody>
-          <a:bodyPr wrap="square" rtlCol="0">
-            <a:spAutoFit/>
-          </a:bodyPr>
-          <a:lstStyle/>
-          <a:p>
-            <a:r>
-              <a:rPr lang="en-US" sz="2400" dirty="0" smtClean="0">
-                <a:solidFill>
-                  <a:schemeClr val="tx1">
-                    <a:lumMod val="85000"/>
-                    <a:lumOff val="15000"/>
-                  </a:schemeClr>
-                </a:solidFill>
-                <a:latin typeface="UTM Helve" panose="02040603050506020204" pitchFamily="18" charset="0"/>
-                <a:ea typeface="Roboto" pitchFamily="2" charset="0"/>
-              </a:rPr>
-              <a:t>Chuyển chương trình vào micro:bit chạy thật</a:t>
-            </a:r>
-            <a:endParaRPr lang="en-US" sz="2400" dirty="0">
-              <a:solidFill>
-                <a:schemeClr val="tx1">
-                  <a:lumMod val="85000"/>
-                  <a:lumOff val="15000"/>
-                </a:schemeClr>
-              </a:solidFill>
-              <a:latin typeface="UTM Helve" panose="02040603050506020204" pitchFamily="18" charset="0"/>
-              <a:ea typeface="Roboto" pitchFamily="2" charset="0"/>
-            </a:endParaRPr>
-          </a:p>
-        </p:txBody>
-      </p:sp>
-      <p:sp>
-        <p:nvSpPr>
-          <p:cNvPr id="15" name="Oval 14"/>
-          <p:cNvSpPr/>
-          <p:nvPr/>
-        </p:nvSpPr>
-        <p:spPr>
-          <a:xfrm>
-            <a:off x="684650" y="5686665"/>
-            <a:ext cx="457200" cy="457200"/>
-          </a:xfrm>
-          <a:prstGeom prst="ellipse">
-            <a:avLst/>
-          </a:prstGeom>
-          <a:gradFill flip="none" rotWithShape="1">
-            <a:gsLst>
-              <a:gs pos="15000">
-                <a:srgbClr val="67C7DF"/>
-              </a:gs>
-              <a:gs pos="100000">
-                <a:srgbClr val="5EB130"/>
-              </a:gs>
-            </a:gsLst>
-            <a:lin ang="0" scaled="1"/>
-            <a:tileRect/>
-          </a:gradFill>
-          <a:ln>
-            <a:noFill/>
-          </a:ln>
-        </p:spPr>
-        <p:style>
-          <a:lnRef idx="2">
-            <a:schemeClr val="accent1">
-              <a:shade val="50000"/>
-            </a:schemeClr>
-          </a:lnRef>
-          <a:fillRef idx="1">
-            <a:schemeClr val="accent1"/>
-          </a:fillRef>
-          <a:effectRef idx="0">
-            <a:schemeClr val="accent1"/>
-          </a:effectRef>
-          <a:fontRef idx="minor">
-            <a:schemeClr val="lt1"/>
-          </a:fontRef>
-        </p:style>
-        <p:txBody>
-          <a:bodyPr rtlCol="0" anchor="ctr"/>
-          <a:lstStyle/>
-          <a:p>
-            <a:pPr algn="ctr"/>
-            <a:r>
-              <a:rPr lang="en-US" b="1" dirty="0">
-                <a:latin typeface="UTM Helve" panose="02040603050506020204" pitchFamily="18" charset="0"/>
-              </a:rPr>
-              <a:t>4</a:t>
-            </a:r>
-          </a:p>
-        </p:txBody>
-      </p:sp>
-      <p:sp>
-        <p:nvSpPr>
-          <p:cNvPr id="16" name="TextBox 15"/>
-          <p:cNvSpPr txBox="1"/>
-          <p:nvPr/>
-        </p:nvSpPr>
-        <p:spPr>
-          <a:xfrm>
-            <a:off x="1236140" y="4413751"/>
-            <a:ext cx="6902020" cy="830997"/>
-          </a:xfrm>
-          <a:prstGeom prst="rect">
-            <a:avLst/>
-          </a:prstGeom>
-          <a:noFill/>
-        </p:spPr>
-        <p:txBody>
-          <a:bodyPr wrap="square" rtlCol="0">
-            <a:spAutoFit/>
-          </a:bodyPr>
-          <a:lstStyle/>
-          <a:p>
-            <a:r>
-              <a:rPr lang="en-US" sz="2400" dirty="0">
-                <a:solidFill>
-                  <a:schemeClr val="tx1">
-                    <a:lumMod val="85000"/>
-                    <a:lumOff val="15000"/>
-                  </a:schemeClr>
-                </a:solidFill>
-                <a:latin typeface="UTM Helve" panose="02040603050506020204" pitchFamily="18" charset="0"/>
-                <a:ea typeface="Roboto" pitchFamily="2" charset="0"/>
-              </a:rPr>
-              <a:t>Test và Debug chương trình </a:t>
-            </a:r>
-            <a:r>
-              <a:rPr lang="en-US" sz="2400" dirty="0" smtClean="0">
-                <a:solidFill>
-                  <a:schemeClr val="tx1">
-                    <a:lumMod val="85000"/>
-                    <a:lumOff val="15000"/>
-                  </a:schemeClr>
-                </a:solidFill>
-                <a:latin typeface="UTM Helve" panose="02040603050506020204" pitchFamily="18" charset="0"/>
-                <a:ea typeface="Roboto" pitchFamily="2" charset="0"/>
-              </a:rPr>
-              <a:t>bằng trình mô phỏng micro:bit </a:t>
-            </a:r>
-            <a:r>
-              <a:rPr lang="en-US" sz="2400" b="1" dirty="0" smtClean="0">
-                <a:solidFill>
-                  <a:schemeClr val="tx1">
-                    <a:lumMod val="85000"/>
-                    <a:lumOff val="15000"/>
-                  </a:schemeClr>
-                </a:solidFill>
-                <a:latin typeface="UTM Helve" panose="02040603050506020204" pitchFamily="18" charset="0"/>
-                <a:ea typeface="Roboto" pitchFamily="2" charset="0"/>
-              </a:rPr>
-              <a:t>simulator</a:t>
-            </a:r>
-            <a:r>
-              <a:rPr lang="en-US" sz="2400" dirty="0" smtClean="0">
-                <a:solidFill>
-                  <a:schemeClr val="tx1">
-                    <a:lumMod val="85000"/>
-                    <a:lumOff val="15000"/>
-                  </a:schemeClr>
-                </a:solidFill>
-                <a:latin typeface="UTM Helve" panose="02040603050506020204" pitchFamily="18" charset="0"/>
-                <a:ea typeface="Roboto" pitchFamily="2" charset="0"/>
-              </a:rPr>
-              <a:t> </a:t>
-            </a:r>
-            <a:endParaRPr lang="en-US" sz="2400" dirty="0">
-              <a:solidFill>
-                <a:schemeClr val="tx1">
-                  <a:lumMod val="85000"/>
-                  <a:lumOff val="15000"/>
-                </a:schemeClr>
-              </a:solidFill>
-              <a:latin typeface="UTM Helve" panose="02040603050506020204" pitchFamily="18" charset="0"/>
-              <a:ea typeface="Roboto" pitchFamily="2" charset="0"/>
-            </a:endParaRPr>
-          </a:p>
-        </p:txBody>
-      </p:sp>
-      <p:sp>
-        <p:nvSpPr>
-          <p:cNvPr id="17" name="Oval 16"/>
-          <p:cNvSpPr/>
-          <p:nvPr/>
-        </p:nvSpPr>
-        <p:spPr>
-          <a:xfrm>
-            <a:off x="684650" y="4489135"/>
-            <a:ext cx="457200" cy="457200"/>
-          </a:xfrm>
-          <a:prstGeom prst="ellipse">
-            <a:avLst/>
-          </a:prstGeom>
-          <a:gradFill flip="none" rotWithShape="1">
-            <a:gsLst>
-              <a:gs pos="15000">
-                <a:srgbClr val="67C7DF"/>
-              </a:gs>
-              <a:gs pos="100000">
-                <a:srgbClr val="5EB130"/>
-              </a:gs>
-            </a:gsLst>
-            <a:lin ang="0" scaled="1"/>
-            <a:tileRect/>
-          </a:gradFill>
-          <a:ln>
-            <a:noFill/>
-          </a:ln>
-        </p:spPr>
-        <p:style>
-          <a:lnRef idx="2">
-            <a:schemeClr val="accent1">
-              <a:shade val="50000"/>
-            </a:schemeClr>
-          </a:lnRef>
-          <a:fillRef idx="1">
-            <a:schemeClr val="accent1"/>
-          </a:fillRef>
-          <a:effectRef idx="0">
-            <a:schemeClr val="accent1"/>
-          </a:effectRef>
-          <a:fontRef idx="minor">
-            <a:schemeClr val="lt1"/>
-          </a:fontRef>
-        </p:style>
-        <p:txBody>
-          <a:bodyPr rtlCol="0" anchor="ctr"/>
-          <a:lstStyle/>
-          <a:p>
-            <a:pPr algn="ctr"/>
-            <a:r>
-              <a:rPr lang="en-US" b="1" dirty="0" smtClean="0">
-                <a:latin typeface="UTM Helve" panose="02040603050506020204" pitchFamily="18" charset="0"/>
-              </a:rPr>
-              <a:t>3</a:t>
-            </a:r>
-            <a:endParaRPr lang="en-US" b="1" dirty="0">
-              <a:latin typeface="UTM Helve" panose="02040603050506020204" pitchFamily="18" charset="0"/>
-            </a:endParaRPr>
-          </a:p>
-        </p:txBody>
-      </p:sp>
     </p:spTree>
     <p:extLst>
       <p:ext uri="{BB962C8B-B14F-4D97-AF65-F5344CB8AC3E}">
-        <p14:creationId xmlns:p14="http://schemas.microsoft.com/office/powerpoint/2010/main" val="2789131954"/>
+        <p14:creationId xmlns:p14="http://schemas.microsoft.com/office/powerpoint/2010/main" val="2152185348"/>
       </p:ext>
     </p:extLst>
   </p:cSld>
@@ -5388,7 +6239,7 @@
       </p:sp>
       <p:sp>
         <p:nvSpPr>
-          <p:cNvPr id="4" name="Rectangle 3"/>
+          <p:cNvPr id="3" name="Rectangle 2"/>
           <p:cNvSpPr/>
           <p:nvPr/>
         </p:nvSpPr>
@@ -5443,7 +6294,7 @@
       </p:sp>
       <p:sp>
         <p:nvSpPr>
-          <p:cNvPr id="5" name="TextBox 4"/>
+          <p:cNvPr id="4" name="TextBox 3"/>
           <p:cNvSpPr txBox="1"/>
           <p:nvPr/>
         </p:nvSpPr>
@@ -5485,26 +6336,236 @@
       </p:sp>
       <p:sp>
         <p:nvSpPr>
-          <p:cNvPr id="6" name="Rounded Rectangle 5"/>
+          <p:cNvPr id="8" name="TextBox 7"/>
+          <p:cNvSpPr txBox="1"/>
+          <p:nvPr/>
+        </p:nvSpPr>
+        <p:spPr>
+          <a:xfrm>
+            <a:off x="1236140" y="1389829"/>
+            <a:ext cx="4482860" cy="461665"/>
+          </a:xfrm>
+          <a:prstGeom prst="rect">
+            <a:avLst/>
+          </a:prstGeom>
+          <a:noFill/>
+        </p:spPr>
+        <p:txBody>
+          <a:bodyPr wrap="square" rtlCol="0">
+            <a:spAutoFit/>
+          </a:bodyPr>
+          <a:lstStyle/>
+          <a:p>
+            <a:r>
+              <a:rPr lang="en-US" sz="2400" b="1" dirty="0" smtClean="0">
+                <a:solidFill>
+                  <a:schemeClr val="tx1">
+                    <a:lumMod val="85000"/>
+                    <a:lumOff val="15000"/>
+                  </a:schemeClr>
+                </a:solidFill>
+                <a:latin typeface="UTM Helve" panose="02040603050506020204" pitchFamily="18" charset="0"/>
+                <a:ea typeface="Roboto" pitchFamily="2" charset="0"/>
+              </a:rPr>
+              <a:t>Các bước thực hiện</a:t>
+            </a:r>
+            <a:endParaRPr lang="en-US" sz="2400" b="1" dirty="0">
+              <a:solidFill>
+                <a:schemeClr val="tx1">
+                  <a:lumMod val="85000"/>
+                  <a:lumOff val="15000"/>
+                </a:schemeClr>
+              </a:solidFill>
+              <a:latin typeface="UTM Helve" panose="02040603050506020204" pitchFamily="18" charset="0"/>
+              <a:ea typeface="Roboto" pitchFamily="2" charset="0"/>
+            </a:endParaRPr>
+          </a:p>
+        </p:txBody>
+      </p:sp>
+      <p:pic>
+        <p:nvPicPr>
+          <p:cNvPr id="9" name="Picture 8"/>
+          <p:cNvPicPr>
+            <a:picLocks noChangeAspect="1"/>
+          </p:cNvPicPr>
+          <p:nvPr/>
+        </p:nvPicPr>
+        <p:blipFill>
+          <a:blip r:embed="rId2">
+            <a:extLst>
+              <a:ext uri="{28A0092B-C50C-407E-A947-70E740481C1C}">
+                <a14:useLocalDpi xmlns:a14="http://schemas.microsoft.com/office/drawing/2010/main" val="0"/>
+              </a:ext>
+            </a:extLst>
+          </a:blip>
+          <a:stretch>
+            <a:fillRect/>
+          </a:stretch>
+        </p:blipFill>
+        <p:spPr>
+          <a:xfrm>
+            <a:off x="679888" y="1462786"/>
+            <a:ext cx="466725" cy="409575"/>
+          </a:xfrm>
+          <a:prstGeom prst="rect">
+            <a:avLst/>
+          </a:prstGeom>
+        </p:spPr>
+      </p:pic>
+      <p:sp>
+        <p:nvSpPr>
+          <p:cNvPr id="10" name="TextBox 9"/>
+          <p:cNvSpPr txBox="1"/>
+          <p:nvPr/>
+        </p:nvSpPr>
+        <p:spPr>
+          <a:xfrm>
+            <a:off x="1236140" y="2163497"/>
+            <a:ext cx="6682908" cy="830997"/>
+          </a:xfrm>
+          <a:prstGeom prst="rect">
+            <a:avLst/>
+          </a:prstGeom>
+          <a:noFill/>
+        </p:spPr>
+        <p:txBody>
+          <a:bodyPr wrap="square" rtlCol="0">
+            <a:spAutoFit/>
+          </a:bodyPr>
+          <a:lstStyle/>
+          <a:p>
+            <a:r>
+              <a:rPr lang="en-US" sz="2400" dirty="0" smtClean="0">
+                <a:solidFill>
+                  <a:schemeClr val="tx1">
+                    <a:lumMod val="85000"/>
+                    <a:lumOff val="15000"/>
+                  </a:schemeClr>
+                </a:solidFill>
+                <a:latin typeface="UTM Helve" panose="02040603050506020204" pitchFamily="18" charset="0"/>
+                <a:ea typeface="Roboto" pitchFamily="2" charset="0"/>
+              </a:rPr>
+              <a:t>Sử dụng mẫu </a:t>
+            </a:r>
+            <a:r>
+              <a:rPr lang="en-US" sz="2400" dirty="0">
+                <a:solidFill>
+                  <a:schemeClr val="tx1">
+                    <a:lumMod val="85000"/>
+                    <a:lumOff val="15000"/>
+                  </a:schemeClr>
+                </a:solidFill>
+                <a:latin typeface="UTM Helve" panose="02040603050506020204" pitchFamily="18" charset="0"/>
+                <a:ea typeface="Roboto" pitchFamily="2" charset="0"/>
+              </a:rPr>
+              <a:t>in </a:t>
+            </a:r>
+            <a:r>
+              <a:rPr lang="en-US" sz="2400" b="1" dirty="0">
+                <a:solidFill>
+                  <a:schemeClr val="tx1">
+                    <a:lumMod val="85000"/>
+                    <a:lumOff val="15000"/>
+                  </a:schemeClr>
+                </a:solidFill>
+                <a:latin typeface="UTM Helve" panose="02040603050506020204" pitchFamily="18" charset="0"/>
+                <a:ea typeface="Roboto" pitchFamily="2" charset="0"/>
+              </a:rPr>
+              <a:t>Algorithm Planning </a:t>
+            </a:r>
+            <a:r>
+              <a:rPr lang="en-US" sz="2400" b="1" dirty="0" smtClean="0">
+                <a:solidFill>
+                  <a:schemeClr val="tx1">
+                    <a:lumMod val="85000"/>
+                    <a:lumOff val="15000"/>
+                  </a:schemeClr>
+                </a:solidFill>
+                <a:latin typeface="UTM Helve" panose="02040603050506020204" pitchFamily="18" charset="0"/>
+                <a:ea typeface="Roboto" pitchFamily="2" charset="0"/>
+              </a:rPr>
+              <a:t>Sheet</a:t>
+            </a:r>
+            <a:r>
+              <a:rPr lang="en-US" sz="2400" dirty="0" smtClean="0">
+                <a:solidFill>
+                  <a:schemeClr val="tx1">
+                    <a:lumMod val="85000"/>
+                    <a:lumOff val="15000"/>
+                  </a:schemeClr>
+                </a:solidFill>
+                <a:latin typeface="UTM Helve" panose="02040603050506020204" pitchFamily="18" charset="0"/>
+                <a:ea typeface="Roboto" pitchFamily="2" charset="0"/>
+              </a:rPr>
+              <a:t> , </a:t>
+            </a:r>
+            <a:r>
+              <a:rPr lang="en-US" sz="2400" b="1" dirty="0" smtClean="0">
+                <a:solidFill>
+                  <a:schemeClr val="tx1">
+                    <a:lumMod val="85000"/>
+                    <a:lumOff val="15000"/>
+                  </a:schemeClr>
+                </a:solidFill>
+                <a:latin typeface="UTM Helve" panose="02040603050506020204" pitchFamily="18" charset="0"/>
+                <a:ea typeface="Roboto" pitchFamily="2" charset="0"/>
+              </a:rPr>
+              <a:t>Led Planner </a:t>
+            </a:r>
+            <a:r>
+              <a:rPr lang="en-US" sz="2400" dirty="0" smtClean="0">
+                <a:solidFill>
+                  <a:schemeClr val="tx1">
+                    <a:lumMod val="85000"/>
+                    <a:lumOff val="15000"/>
+                  </a:schemeClr>
+                </a:solidFill>
+                <a:latin typeface="UTM Helve" panose="02040603050506020204" pitchFamily="18" charset="0"/>
+                <a:ea typeface="Roboto" pitchFamily="2" charset="0"/>
+              </a:rPr>
+              <a:t>để soạn thuật toán chương trình</a:t>
+            </a:r>
+            <a:endParaRPr lang="en-US" sz="2400" dirty="0">
+              <a:solidFill>
+                <a:schemeClr val="tx1">
+                  <a:lumMod val="85000"/>
+                  <a:lumOff val="15000"/>
+                </a:schemeClr>
+              </a:solidFill>
+              <a:latin typeface="UTM Helve" panose="02040603050506020204" pitchFamily="18" charset="0"/>
+              <a:ea typeface="Roboto" pitchFamily="2" charset="0"/>
+            </a:endParaRPr>
+          </a:p>
+        </p:txBody>
+      </p:sp>
+      <p:sp>
+        <p:nvSpPr>
+          <p:cNvPr id="11" name="Oval 10"/>
           <p:cNvSpPr/>
           <p:nvPr/>
         </p:nvSpPr>
         <p:spPr>
           <a:xfrm>
-            <a:off x="666626" y="2162512"/>
-            <a:ext cx="3812610" cy="2258093"/>
-          </a:xfrm>
-          <a:prstGeom prst="roundRect">
-            <a:avLst>
-              <a:gd name="adj" fmla="val 3719"/>
-            </a:avLst>
-          </a:prstGeom>
-          <a:noFill/>
-          <a:ln w="28575">
-            <a:solidFill>
-              <a:srgbClr val="64C7E9"/>
-            </a:solidFill>
-            <a:prstDash val="sysDash"/>
+            <a:off x="684650" y="2227451"/>
+            <a:ext cx="457200" cy="457200"/>
+          </a:xfrm>
+          <a:prstGeom prst="ellipse">
+            <a:avLst/>
+          </a:prstGeom>
+          <a:gradFill flip="none" rotWithShape="1">
+            <a:gsLst>
+              <a:gs pos="15000">
+                <a:srgbClr val="67C7DF"/>
+              </a:gs>
+              <a:gs pos="100000">
+                <a:srgbClr val="5EB130"/>
+              </a:gs>
+            </a:gsLst>
+            <a:lin ang="0" scaled="1"/>
+            <a:tileRect/>
+          </a:gradFill>
+          <a:ln>
+            <a:noFill/>
           </a:ln>
         </p:spPr>
         <p:style>
@@ -5528,20 +6589,25 @@
           <a:lstStyle/>
           <a:p>
             <a:pPr algn="ctr"/>
-            <a:endParaRPr lang="en-US"/>
-          </a:p>
-        </p:txBody>
-      </p:sp>
-      <p:sp>
-        <p:nvSpPr>
-          <p:cNvPr id="8" name="TextBox 7"/>
+            <a:r>
+              <a:rPr lang="en-US" b="1" dirty="0">
+                <a:latin typeface="UTM Helve" panose="02040603050506020204" pitchFamily="18" charset="0"/>
+              </a:rPr>
+              <a:t>1</a:t>
+            </a:r>
+          </a:p>
+        </p:txBody>
+      </p:sp>
+      <p:sp>
+        <p:nvSpPr>
+          <p:cNvPr id="12" name="TextBox 11"/>
           <p:cNvSpPr txBox="1"/>
           <p:nvPr/>
         </p:nvSpPr>
         <p:spPr>
           <a:xfrm>
-            <a:off x="804931" y="2315740"/>
-            <a:ext cx="3536000" cy="1631216"/>
+            <a:off x="1236140" y="3270751"/>
+            <a:ext cx="6902020" cy="830997"/>
           </a:xfrm>
           <a:prstGeom prst="rect">
             <a:avLst/>
@@ -5555,56 +6621,7 @@
           <a:lstStyle/>
           <a:p>
             <a:r>
-              <a:rPr lang="vi-VN" sz="2000" dirty="0"/>
-              <a:t>Thời tiết dạo nay thay đổi thất thường, bạn hãy dùng micro:bit để tạo một </a:t>
-            </a:r>
-            <a:r>
-              <a:rPr lang="vi-VN" sz="2000" b="1" dirty="0"/>
-              <a:t>nhiệt kế kỹ thuật số</a:t>
-            </a:r>
-            <a:r>
-              <a:rPr lang="vi-VN" sz="2000" dirty="0"/>
-              <a:t> giúp cả nhà theo dõi nhiệt độ trong nhà </a:t>
-            </a:r>
-            <a:r>
-              <a:rPr lang="vi-VN" sz="2000" dirty="0" smtClean="0"/>
-              <a:t>mình</a:t>
-            </a:r>
-            <a:r>
-              <a:rPr lang="en-US" sz="2000" dirty="0"/>
-              <a:t>.</a:t>
-            </a:r>
-            <a:endParaRPr lang="en-US" sz="2000" b="1" dirty="0">
-              <a:latin typeface="Arial" panose="020B0604020202020204" pitchFamily="34" charset="0"/>
-              <a:cs typeface="Arial" panose="020B0604020202020204" pitchFamily="34" charset="0"/>
-            </a:endParaRPr>
-          </a:p>
-        </p:txBody>
-      </p:sp>
-      <p:sp>
-        <p:nvSpPr>
-          <p:cNvPr id="9" name="TextBox 8"/>
-          <p:cNvSpPr txBox="1"/>
-          <p:nvPr/>
-        </p:nvSpPr>
-        <p:spPr>
-          <a:xfrm>
-            <a:off x="1236140" y="1389829"/>
-            <a:ext cx="3388902" cy="461665"/>
-          </a:xfrm>
-          <a:prstGeom prst="rect">
-            <a:avLst/>
-          </a:prstGeom>
-          <a:noFill/>
-        </p:spPr>
-        <p:txBody>
-          <a:bodyPr wrap="square" rtlCol="0">
-            <a:spAutoFit/>
-          </a:bodyPr>
-          <a:lstStyle/>
-          <a:p>
-            <a:r>
-              <a:rPr lang="en-US" sz="2400" b="1" dirty="0" smtClean="0">
+              <a:rPr lang="en-US" sz="2400" dirty="0" smtClean="0">
                 <a:solidFill>
                   <a:schemeClr val="tx1">
                     <a:lumMod val="85000"/>
@@ -5614,7 +6631,20 @@
                 <a:latin typeface="UTM Helve" panose="02040603050506020204" pitchFamily="18" charset="0"/>
                 <a:ea typeface="Roboto" pitchFamily="2" charset="0"/>
               </a:rPr>
-              <a:t>Nhiệt kế kỹ thuật số</a:t>
+              <a:t>Chuyển thuật toán đó thành chương trình trong </a:t>
+            </a:r>
+            <a:r>
+              <a:rPr lang="en-US" sz="2400" b="1" dirty="0" smtClean="0">
+                <a:solidFill>
+                  <a:schemeClr val="tx1">
+                    <a:lumMod val="85000"/>
+                    <a:lumOff val="15000"/>
+                  </a:schemeClr>
+                </a:solidFill>
+                <a:latin typeface="UTM Helve" panose="02040603050506020204" pitchFamily="18" charset="0"/>
+                <a:ea typeface="Roboto" pitchFamily="2" charset="0"/>
+              </a:rPr>
+              <a:t>MakeCode</a:t>
             </a:r>
             <a:endParaRPr lang="en-US" sz="2400" b="1" dirty="0">
               <a:solidFill>
@@ -5629,51 +6659,19 @@
           </a:p>
         </p:txBody>
       </p:sp>
-      <p:pic>
-        <p:nvPicPr>
-          <p:cNvPr id="10" name="Picture 9"/>
-          <p:cNvPicPr>
-            <a:picLocks noChangeAspect="1"/>
-          </p:cNvPicPr>
-          <p:nvPr/>
-        </p:nvPicPr>
-        <p:blipFill>
-          <a:blip r:embed="rId2">
-            <a:extLst>
-              <a:ext uri="{28A0092B-C50C-407E-A947-70E740481C1C}">
-                <a14:useLocalDpi xmlns:a14="http://schemas.microsoft.com/office/drawing/2010/main" val="0"/>
-              </a:ext>
-            </a:extLst>
-          </a:blip>
-          <a:stretch>
-            <a:fillRect/>
-          </a:stretch>
-        </p:blipFill>
-        <p:spPr>
-          <a:xfrm>
-            <a:off x="679888" y="1462786"/>
-            <a:ext cx="466725" cy="409575"/>
-          </a:xfrm>
-          <a:prstGeom prst="rect">
-            <a:avLst/>
-          </a:prstGeom>
-        </p:spPr>
-      </p:pic>
-      <p:sp>
-        <p:nvSpPr>
-          <p:cNvPr id="11" name="Rounded Rectangle 10"/>
+      <p:sp>
+        <p:nvSpPr>
+          <p:cNvPr id="13" name="Oval 12"/>
           <p:cNvSpPr/>
           <p:nvPr/>
         </p:nvSpPr>
         <p:spPr>
           <a:xfrm>
-            <a:off x="666626" y="4691449"/>
-            <a:ext cx="4753513" cy="1694825"/>
-          </a:xfrm>
-          <a:prstGeom prst="roundRect">
-            <a:avLst>
-              <a:gd name="adj" fmla="val 8848"/>
-            </a:avLst>
+            <a:off x="684650" y="3357565"/>
+            <a:ext cx="457200" cy="457200"/>
+          </a:xfrm>
+          <a:prstGeom prst="ellipse">
+            <a:avLst/>
           </a:prstGeom>
           <a:gradFill flip="none" rotWithShape="1">
             <a:gsLst>
@@ -5711,114 +6709,29 @@
           <a:bodyPr rtlCol="0" anchor="ctr"/>
           <a:lstStyle/>
           <a:p>
-            <a:r>
-              <a:rPr lang="en-US" dirty="0" smtClean="0"/>
-              <a:t>Ngoài việc hiển thị nhiệt độ bằng số, bạn có thể dùng LED để hiển thị biểu đồ để cho thấy cường độ nhiệt độ cao hay thấp bằng cách sử dụng </a:t>
-            </a:r>
-            <a:r>
-              <a:rPr lang="en-US" b="1" dirty="0" smtClean="0"/>
-              <a:t>plot bar graph of x up to y </a:t>
-            </a:r>
-            <a:r>
-              <a:rPr lang="en-US" dirty="0" smtClean="0"/>
-              <a:t>trong khối </a:t>
-            </a:r>
-            <a:r>
-              <a:rPr lang="en-US" b="1" dirty="0" smtClean="0"/>
-              <a:t>Led</a:t>
-            </a:r>
-            <a:endParaRPr lang="vi-VN" b="1" dirty="0"/>
-          </a:p>
-        </p:txBody>
-      </p:sp>
-      <p:pic>
-        <p:nvPicPr>
-          <p:cNvPr id="12" name="Picture 11"/>
-          <p:cNvPicPr>
-            <a:picLocks noChangeAspect="1"/>
-          </p:cNvPicPr>
-          <p:nvPr/>
-        </p:nvPicPr>
-        <p:blipFill>
-          <a:blip r:embed="rId3">
-            <a:extLst>
-              <a:ext uri="{28A0092B-C50C-407E-A947-70E740481C1C}">
-                <a14:useLocalDpi xmlns:a14="http://schemas.microsoft.com/office/drawing/2010/main" val="0"/>
-              </a:ext>
-            </a:extLst>
-          </a:blip>
-          <a:stretch>
-            <a:fillRect/>
-          </a:stretch>
-        </p:blipFill>
-        <p:spPr>
-          <a:xfrm rot="20418821">
-            <a:off x="577671" y="3984030"/>
-            <a:ext cx="765616" cy="671867"/>
-          </a:xfrm>
-          <a:prstGeom prst="rect">
-            <a:avLst/>
-          </a:prstGeom>
-        </p:spPr>
-      </p:pic>
-      <p:pic>
-        <p:nvPicPr>
-          <p:cNvPr id="13" name="Picture 12"/>
-          <p:cNvPicPr>
-            <a:picLocks noChangeAspect="1"/>
-          </p:cNvPicPr>
-          <p:nvPr/>
-        </p:nvPicPr>
-        <p:blipFill>
-          <a:blip r:embed="rId4"/>
-          <a:stretch>
-            <a:fillRect/>
-          </a:stretch>
-        </p:blipFill>
-        <p:spPr>
-          <a:xfrm>
-            <a:off x="5645427" y="4606458"/>
-            <a:ext cx="2875721" cy="1779816"/>
-          </a:xfrm>
-          <a:prstGeom prst="rect">
-            <a:avLst/>
-          </a:prstGeom>
-        </p:spPr>
-      </p:pic>
-      <p:pic>
-        <p:nvPicPr>
-          <p:cNvPr id="14" name="Picture 13"/>
-          <p:cNvPicPr>
-            <a:picLocks noChangeAspect="1"/>
-          </p:cNvPicPr>
-          <p:nvPr/>
-        </p:nvPicPr>
-        <p:blipFill>
-          <a:blip r:embed="rId5"/>
-          <a:stretch>
-            <a:fillRect/>
-          </a:stretch>
-        </p:blipFill>
-        <p:spPr>
-          <a:xfrm>
-            <a:off x="5645427" y="1872361"/>
-            <a:ext cx="2772162" cy="2314898"/>
-          </a:xfrm>
-          <a:prstGeom prst="rect">
-            <a:avLst/>
-          </a:prstGeom>
-        </p:spPr>
-      </p:pic>
-      <p:sp>
-        <p:nvSpPr>
-          <p:cNvPr id="15" name="TextBox 14"/>
+            <a:pPr algn="ctr"/>
+            <a:r>
+              <a:rPr lang="en-US" b="1" dirty="0" smtClean="0">
+                <a:latin typeface="UTM Helve" panose="02040603050506020204" pitchFamily="18" charset="0"/>
+              </a:rPr>
+              <a:t>2</a:t>
+            </a:r>
+            <a:endParaRPr lang="en-US" b="1" dirty="0">
+              <a:latin typeface="UTM Helve" panose="02040603050506020204" pitchFamily="18" charset="0"/>
+            </a:endParaRPr>
+          </a:p>
+        </p:txBody>
+      </p:sp>
+      <p:sp>
+        <p:nvSpPr>
+          <p:cNvPr id="14" name="TextBox 13"/>
           <p:cNvSpPr txBox="1"/>
           <p:nvPr/>
         </p:nvSpPr>
         <p:spPr>
           <a:xfrm>
-            <a:off x="5852273" y="4187259"/>
-            <a:ext cx="2358470" cy="338554"/>
+            <a:off x="1236140" y="5622711"/>
+            <a:ext cx="6902020" cy="461665"/>
           </a:xfrm>
           <a:prstGeom prst="rect">
             <a:avLst/>
@@ -5831,46 +6744,246 @@
           </a:bodyPr>
           <a:lstStyle/>
           <a:p>
+            <a:r>
+              <a:rPr lang="en-US" sz="2400" dirty="0" smtClean="0">
+                <a:solidFill>
+                  <a:schemeClr val="tx1">
+                    <a:lumMod val="85000"/>
+                    <a:lumOff val="15000"/>
+                  </a:schemeClr>
+                </a:solidFill>
+                <a:latin typeface="UTM Helve" panose="02040603050506020204" pitchFamily="18" charset="0"/>
+                <a:ea typeface="Roboto" pitchFamily="2" charset="0"/>
+              </a:rPr>
+              <a:t>Chuyển chương trình vào micro:bit chạy thật</a:t>
+            </a:r>
+            <a:endParaRPr lang="en-US" sz="2400" dirty="0">
+              <a:solidFill>
+                <a:schemeClr val="tx1">
+                  <a:lumMod val="85000"/>
+                  <a:lumOff val="15000"/>
+                </a:schemeClr>
+              </a:solidFill>
+              <a:latin typeface="UTM Helve" panose="02040603050506020204" pitchFamily="18" charset="0"/>
+              <a:ea typeface="Roboto" pitchFamily="2" charset="0"/>
+            </a:endParaRPr>
+          </a:p>
+        </p:txBody>
+      </p:sp>
+      <p:sp>
+        <p:nvSpPr>
+          <p:cNvPr id="15" name="Oval 14"/>
+          <p:cNvSpPr/>
+          <p:nvPr/>
+        </p:nvSpPr>
+        <p:spPr>
+          <a:xfrm>
+            <a:off x="684650" y="5686665"/>
+            <a:ext cx="457200" cy="457200"/>
+          </a:xfrm>
+          <a:prstGeom prst="ellipse">
+            <a:avLst/>
+          </a:prstGeom>
+          <a:gradFill flip="none" rotWithShape="1">
+            <a:gsLst>
+              <a:gs pos="15000">
+                <a:srgbClr val="67C7DF"/>
+              </a:gs>
+              <a:gs pos="100000">
+                <a:srgbClr val="5EB130"/>
+              </a:gs>
+            </a:gsLst>
+            <a:lin ang="0" scaled="1"/>
+            <a:tileRect/>
+          </a:gradFill>
+          <a:ln>
+            <a:noFill/>
+          </a:ln>
+        </p:spPr>
+        <p:style>
+          <a:lnRef idx="2">
+            <a:schemeClr val="accent1">
+              <a:shade val="50000"/>
+            </a:schemeClr>
+          </a:lnRef>
+          <a:fillRef idx="1">
+            <a:schemeClr val="accent1"/>
+          </a:fillRef>
+          <a:effectRef idx="0">
+            <a:schemeClr val="accent1"/>
+          </a:effectRef>
+          <a:fontRef idx="minor">
+            <a:schemeClr val="lt1"/>
+          </a:fontRef>
+        </p:style>
+        <p:txBody>
+          <a:bodyPr rtlCol="0" anchor="ctr"/>
+          <a:lstStyle/>
+          <a:p>
             <a:pPr algn="ctr"/>
             <a:r>
-              <a:rPr lang="en-US" sz="1600" i="1" dirty="0" smtClean="0"/>
-              <a:t>Biểu đồ dạng cột</a:t>
-            </a:r>
-            <a:endParaRPr lang="en-US" sz="1600" b="1" i="1" dirty="0">
-              <a:latin typeface="Arial" panose="020B0604020202020204" pitchFamily="34" charset="0"/>
-              <a:cs typeface="Arial" panose="020B0604020202020204" pitchFamily="34" charset="0"/>
+              <a:rPr lang="en-US" b="1" dirty="0">
+                <a:latin typeface="UTM Helve" panose="02040603050506020204" pitchFamily="18" charset="0"/>
+              </a:rPr>
+              <a:t>4</a:t>
+            </a:r>
+          </a:p>
+        </p:txBody>
+      </p:sp>
+      <p:sp>
+        <p:nvSpPr>
+          <p:cNvPr id="16" name="TextBox 15"/>
+          <p:cNvSpPr txBox="1"/>
+          <p:nvPr/>
+        </p:nvSpPr>
+        <p:spPr>
+          <a:xfrm>
+            <a:off x="1236140" y="4413751"/>
+            <a:ext cx="6902020" cy="830997"/>
+          </a:xfrm>
+          <a:prstGeom prst="rect">
+            <a:avLst/>
+          </a:prstGeom>
+          <a:noFill/>
+        </p:spPr>
+        <p:txBody>
+          <a:bodyPr wrap="square" rtlCol="0">
+            <a:spAutoFit/>
+          </a:bodyPr>
+          <a:lstStyle/>
+          <a:p>
+            <a:r>
+              <a:rPr lang="en-US" sz="2400" dirty="0">
+                <a:solidFill>
+                  <a:schemeClr val="tx1">
+                    <a:lumMod val="85000"/>
+                    <a:lumOff val="15000"/>
+                  </a:schemeClr>
+                </a:solidFill>
+                <a:latin typeface="UTM Helve" panose="02040603050506020204" pitchFamily="18" charset="0"/>
+                <a:ea typeface="Roboto" pitchFamily="2" charset="0"/>
+              </a:rPr>
+              <a:t>Test và Debug chương trình </a:t>
+            </a:r>
+            <a:r>
+              <a:rPr lang="en-US" sz="2400" dirty="0" smtClean="0">
+                <a:solidFill>
+                  <a:schemeClr val="tx1">
+                    <a:lumMod val="85000"/>
+                    <a:lumOff val="15000"/>
+                  </a:schemeClr>
+                </a:solidFill>
+                <a:latin typeface="UTM Helve" panose="02040603050506020204" pitchFamily="18" charset="0"/>
+                <a:ea typeface="Roboto" pitchFamily="2" charset="0"/>
+              </a:rPr>
+              <a:t>bằng trình mô phỏng micro:bit </a:t>
+            </a:r>
+            <a:r>
+              <a:rPr lang="en-US" sz="2400" b="1" dirty="0" smtClean="0">
+                <a:solidFill>
+                  <a:schemeClr val="tx1">
+                    <a:lumMod val="85000"/>
+                    <a:lumOff val="15000"/>
+                  </a:schemeClr>
+                </a:solidFill>
+                <a:latin typeface="UTM Helve" panose="02040603050506020204" pitchFamily="18" charset="0"/>
+                <a:ea typeface="Roboto" pitchFamily="2" charset="0"/>
+              </a:rPr>
+              <a:t>simulator</a:t>
+            </a:r>
+            <a:r>
+              <a:rPr lang="en-US" sz="2400" dirty="0" smtClean="0">
+                <a:solidFill>
+                  <a:schemeClr val="tx1">
+                    <a:lumMod val="85000"/>
+                    <a:lumOff val="15000"/>
+                  </a:schemeClr>
+                </a:solidFill>
+                <a:latin typeface="UTM Helve" panose="02040603050506020204" pitchFamily="18" charset="0"/>
+                <a:ea typeface="Roboto" pitchFamily="2" charset="0"/>
+              </a:rPr>
+              <a:t> </a:t>
+            </a:r>
+            <a:endParaRPr lang="en-US" sz="2400" dirty="0">
+              <a:solidFill>
+                <a:schemeClr val="tx1">
+                  <a:lumMod val="85000"/>
+                  <a:lumOff val="15000"/>
+                </a:schemeClr>
+              </a:solidFill>
+              <a:latin typeface="UTM Helve" panose="02040603050506020204" pitchFamily="18" charset="0"/>
+              <a:ea typeface="Roboto" pitchFamily="2" charset="0"/>
             </a:endParaRPr>
           </a:p>
         </p:txBody>
       </p:sp>
-      <p:pic>
-        <p:nvPicPr>
-          <p:cNvPr id="16" name="Picture 15"/>
-          <p:cNvPicPr>
-            <a:picLocks noChangeAspect="1"/>
-          </p:cNvPicPr>
-          <p:nvPr/>
-        </p:nvPicPr>
-        <p:blipFill>
-          <a:blip r:embed="rId6"/>
-          <a:stretch>
-            <a:fillRect/>
-          </a:stretch>
-        </p:blipFill>
-        <p:spPr>
-          <a:xfrm rot="20552457">
-            <a:off x="4233644" y="3377633"/>
-            <a:ext cx="1353643" cy="1102121"/>
-          </a:xfrm>
-          <a:prstGeom prst="rect">
-            <a:avLst/>
-          </a:prstGeom>
-        </p:spPr>
-      </p:pic>
+      <p:sp>
+        <p:nvSpPr>
+          <p:cNvPr id="17" name="Oval 16"/>
+          <p:cNvSpPr/>
+          <p:nvPr/>
+        </p:nvSpPr>
+        <p:spPr>
+          <a:xfrm>
+            <a:off x="684650" y="4489135"/>
+            <a:ext cx="457200" cy="457200"/>
+          </a:xfrm>
+          <a:prstGeom prst="ellipse">
+            <a:avLst/>
+          </a:prstGeom>
+          <a:gradFill flip="none" rotWithShape="1">
+            <a:gsLst>
+              <a:gs pos="15000">
+                <a:srgbClr val="67C7DF"/>
+              </a:gs>
+              <a:gs pos="100000">
+                <a:srgbClr val="5EB130"/>
+              </a:gs>
+            </a:gsLst>
+            <a:lin ang="0" scaled="1"/>
+            <a:tileRect/>
+          </a:gradFill>
+          <a:ln>
+            <a:noFill/>
+          </a:ln>
+        </p:spPr>
+        <p:style>
+          <a:lnRef idx="2">
+            <a:schemeClr val="accent1">
+              <a:shade val="50000"/>
+            </a:schemeClr>
+          </a:lnRef>
+          <a:fillRef idx="1">
+            <a:schemeClr val="accent1"/>
+          </a:fillRef>
+          <a:effectRef idx="0">
+            <a:schemeClr val="accent1"/>
+          </a:effectRef>
+          <a:fontRef idx="minor">
+            <a:schemeClr val="lt1"/>
+          </a:fontRef>
+        </p:style>
+        <p:txBody>
+          <a:bodyPr rtlCol="0" anchor="ctr"/>
+          <a:lstStyle/>
+          <a:p>
+            <a:pPr algn="ctr"/>
+            <a:r>
+              <a:rPr lang="en-US" b="1" dirty="0" smtClean="0">
+                <a:latin typeface="UTM Helve" panose="02040603050506020204" pitchFamily="18" charset="0"/>
+              </a:rPr>
+              <a:t>3</a:t>
+            </a:r>
+            <a:endParaRPr lang="en-US" b="1" dirty="0">
+              <a:latin typeface="UTM Helve" panose="02040603050506020204" pitchFamily="18" charset="0"/>
+            </a:endParaRPr>
+          </a:p>
+        </p:txBody>
+      </p:sp>
     </p:spTree>
     <p:extLst>
       <p:ext uri="{BB962C8B-B14F-4D97-AF65-F5344CB8AC3E}">
-        <p14:creationId xmlns:p14="http://schemas.microsoft.com/office/powerpoint/2010/main" val="967974997"/>
+        <p14:creationId xmlns:p14="http://schemas.microsoft.com/office/powerpoint/2010/main" val="2789131954"/>
       </p:ext>
     </p:extLst>
   </p:cSld>
@@ -5930,7 +7043,7 @@
       </p:sp>
       <p:sp>
         <p:nvSpPr>
-          <p:cNvPr id="3" name="Rectangle 2"/>
+          <p:cNvPr id="4" name="Rectangle 3"/>
           <p:cNvSpPr/>
           <p:nvPr/>
         </p:nvSpPr>
@@ -5985,7 +7098,7 @@
       </p:sp>
       <p:sp>
         <p:nvSpPr>
-          <p:cNvPr id="4" name="TextBox 3"/>
+          <p:cNvPr id="5" name="TextBox 4"/>
           <p:cNvSpPr txBox="1"/>
           <p:nvPr/>
         </p:nvSpPr>
@@ -6027,7 +7140,105 @@
       </p:sp>
       <p:sp>
         <p:nvSpPr>
-          <p:cNvPr id="5" name="TextBox 4"/>
+          <p:cNvPr id="6" name="Rounded Rectangle 5"/>
+          <p:cNvSpPr/>
+          <p:nvPr/>
+        </p:nvSpPr>
+        <p:spPr>
+          <a:xfrm>
+            <a:off x="666626" y="2162512"/>
+            <a:ext cx="3812610" cy="2258093"/>
+          </a:xfrm>
+          <a:prstGeom prst="roundRect">
+            <a:avLst>
+              <a:gd name="adj" fmla="val 3719"/>
+            </a:avLst>
+          </a:prstGeom>
+          <a:noFill/>
+          <a:ln w="28575">
+            <a:solidFill>
+              <a:srgbClr val="64C7E9"/>
+            </a:solidFill>
+            <a:prstDash val="sysDash"/>
+          </a:ln>
+        </p:spPr>
+        <p:style>
+          <a:lnRef idx="2">
+            <a:schemeClr val="accent1">
+              <a:shade val="50000"/>
+            </a:schemeClr>
+          </a:lnRef>
+          <a:fillRef idx="1">
+            <a:schemeClr val="accent1"/>
+          </a:fillRef>
+          <a:effectRef idx="0">
+            <a:schemeClr val="accent1"/>
+          </a:effectRef>
+          <a:fontRef idx="minor">
+            <a:schemeClr val="lt1"/>
+          </a:fontRef>
+        </p:style>
+        <p:txBody>
+          <a:bodyPr rtlCol="0" anchor="ctr"/>
+          <a:lstStyle/>
+          <a:p>
+            <a:pPr algn="ctr"/>
+            <a:endParaRPr lang="en-US"/>
+          </a:p>
+        </p:txBody>
+      </p:sp>
+      <p:sp>
+        <p:nvSpPr>
+          <p:cNvPr id="8" name="TextBox 7"/>
+          <p:cNvSpPr txBox="1"/>
+          <p:nvPr/>
+        </p:nvSpPr>
+        <p:spPr>
+          <a:xfrm>
+            <a:off x="804931" y="2315740"/>
+            <a:ext cx="3536000" cy="1631216"/>
+          </a:xfrm>
+          <a:prstGeom prst="rect">
+            <a:avLst/>
+          </a:prstGeom>
+          <a:noFill/>
+        </p:spPr>
+        <p:txBody>
+          <a:bodyPr wrap="square" rtlCol="0">
+            <a:spAutoFit/>
+          </a:bodyPr>
+          <a:lstStyle/>
+          <a:p>
+            <a:r>
+              <a:rPr lang="vi-VN" sz="2000" dirty="0"/>
+              <a:t>Thời tiết dạo nay thay đổi thất thường, bạn hãy dùng micro:bit để tạo một </a:t>
+            </a:r>
+            <a:r>
+              <a:rPr lang="vi-VN" sz="2000" b="1" dirty="0"/>
+              <a:t>nhiệt kế kỹ thuật số</a:t>
+            </a:r>
+            <a:r>
+              <a:rPr lang="vi-VN" sz="2000" dirty="0"/>
+              <a:t> giúp cả nhà theo dõi nhiệt độ trong nhà </a:t>
+            </a:r>
+            <a:r>
+              <a:rPr lang="vi-VN" sz="2000" dirty="0" smtClean="0"/>
+              <a:t>mình</a:t>
+            </a:r>
+            <a:r>
+              <a:rPr lang="en-US" sz="2000" dirty="0"/>
+              <a:t>.</a:t>
+            </a:r>
+            <a:endParaRPr lang="en-US" sz="2000" b="1" dirty="0">
+              <a:latin typeface="Arial" panose="020B0604020202020204" pitchFamily="34" charset="0"/>
+              <a:cs typeface="Arial" panose="020B0604020202020204" pitchFamily="34" charset="0"/>
+            </a:endParaRPr>
+          </a:p>
+        </p:txBody>
+      </p:sp>
+      <p:sp>
+        <p:nvSpPr>
+          <p:cNvPr id="9" name="TextBox 8"/>
           <p:cNvSpPr txBox="1"/>
           <p:nvPr/>
         </p:nvSpPr>
@@ -6058,7 +7269,7 @@
                 <a:latin typeface="UTM Helve" panose="02040603050506020204" pitchFamily="18" charset="0"/>
                 <a:ea typeface="Roboto" pitchFamily="2" charset="0"/>
               </a:rPr>
-              <a:t>Điều hòa thông minh</a:t>
+              <a:t>Nhiệt kế kỹ thuật số</a:t>
             </a:r>
             <a:endParaRPr lang="en-US" sz="2400" b="1" dirty="0">
               <a:solidFill>
@@ -6075,7 +7286,7 @@
       </p:sp>
       <p:pic>
         <p:nvPicPr>
-          <p:cNvPr id="6" name="Picture 5"/>
+          <p:cNvPr id="10" name="Picture 9"/>
           <p:cNvPicPr>
             <a:picLocks noChangeAspect="1"/>
           </p:cNvPicPr>
@@ -6103,9 +7314,81 @@
           </a:prstGeom>
         </p:spPr>
       </p:pic>
+      <p:sp>
+        <p:nvSpPr>
+          <p:cNvPr id="11" name="Rounded Rectangle 10"/>
+          <p:cNvSpPr/>
+          <p:nvPr/>
+        </p:nvSpPr>
+        <p:spPr>
+          <a:xfrm>
+            <a:off x="666626" y="4691449"/>
+            <a:ext cx="4753513" cy="1694825"/>
+          </a:xfrm>
+          <a:prstGeom prst="roundRect">
+            <a:avLst>
+              <a:gd name="adj" fmla="val 8848"/>
+            </a:avLst>
+          </a:prstGeom>
+          <a:gradFill flip="none" rotWithShape="1">
+            <a:gsLst>
+              <a:gs pos="15000">
+                <a:srgbClr val="67C7DF"/>
+              </a:gs>
+              <a:gs pos="100000">
+                <a:srgbClr val="5EB130"/>
+              </a:gs>
+            </a:gsLst>
+            <a:lin ang="0" scaled="1"/>
+            <a:tileRect/>
+          </a:gradFill>
+          <a:ln>
+            <a:noFill/>
+          </a:ln>
+        </p:spPr>
+        <p:style>
+          <a:lnRef idx="2">
+            <a:schemeClr val="accent1">
+              <a:shade val="50000"/>
+            </a:schemeClr>
+          </a:lnRef>
+          <a:fillRef idx="1">
+            <a:schemeClr val="accent1"/>
+          </a:fillRef>
+          <a:effectRef idx="0">
+            <a:schemeClr val="accent1"/>
+          </a:effectRef>
+          <a:fontRef idx="minor">
+            <a:schemeClr val="lt1"/>
+          </a:fontRef>
+        </p:style>
+        <p:txBody>
+          <a:bodyPr rtlCol="0" anchor="ctr"/>
+          <a:lstStyle/>
+          <a:p>
+            <a:r>
+              <a:rPr lang="en-US" dirty="0" smtClean="0"/>
+              <a:t>Ngoài việc hiển thị nhiệt độ bằng số, bạn có thể dùng LED để hiển thị biểu đồ để cho thấy cường độ nhiệt độ cao hay thấp bằng cách sử dụng </a:t>
+            </a:r>
+            <a:r>
+              <a:rPr lang="en-US" b="1" dirty="0" smtClean="0"/>
+              <a:t>plot bar graph of x up to y </a:t>
+            </a:r>
+            <a:r>
+              <a:rPr lang="en-US" dirty="0" smtClean="0"/>
+              <a:t>trong khối </a:t>
+            </a:r>
+            <a:r>
+              <a:rPr lang="en-US" b="1" dirty="0" smtClean="0"/>
+              <a:t>Led</a:t>
+            </a:r>
+            <a:endParaRPr lang="vi-VN" b="1" dirty="0"/>
+          </a:p>
+        </p:txBody>
+      </p:sp>
       <p:pic>
         <p:nvPicPr>
-          <p:cNvPr id="7" name="Picture 6"/>
+          <p:cNvPr id="12" name="Picture 11"/>
           <p:cNvPicPr>
             <a:picLocks noChangeAspect="1"/>
           </p:cNvPicPr>
@@ -6124,252 +7407,115 @@
           </a:stretch>
         </p:blipFill>
         <p:spPr>
-          <a:xfrm>
-            <a:off x="4177234" y="3402565"/>
-            <a:ext cx="4712178" cy="3175322"/>
+          <a:xfrm rot="20418821">
+            <a:off x="577671" y="3984030"/>
+            <a:ext cx="765616" cy="671867"/>
           </a:xfrm>
           <a:prstGeom prst="rect">
             <a:avLst/>
           </a:prstGeom>
         </p:spPr>
       </p:pic>
-      <p:sp>
-        <p:nvSpPr>
-          <p:cNvPr id="8" name="TextBox 7"/>
-          <p:cNvSpPr txBox="1"/>
-          <p:nvPr/>
-        </p:nvSpPr>
-        <p:spPr>
-          <a:xfrm>
-            <a:off x="679887" y="1923972"/>
-            <a:ext cx="7894269" cy="707886"/>
-          </a:xfrm>
-          <a:prstGeom prst="rect">
-            <a:avLst/>
-          </a:prstGeom>
-          <a:noFill/>
-        </p:spPr>
-        <p:txBody>
-          <a:bodyPr wrap="square" rtlCol="0">
-            <a:spAutoFit/>
-          </a:bodyPr>
-          <a:lstStyle/>
-          <a:p>
-            <a:r>
-              <a:rPr lang="vi-VN" sz="2000" dirty="0" smtClean="0"/>
-              <a:t>Thời tiết vào mùa Hè rất là nóng, may mắn là nhà của bạn </a:t>
-            </a:r>
-            <a:r>
-              <a:rPr lang="vi-VN" sz="2000" b="1" dirty="0" smtClean="0"/>
-              <a:t>Chaien</a:t>
-            </a:r>
-            <a:r>
-              <a:rPr lang="vi-VN" sz="2000" dirty="0" smtClean="0"/>
-              <a:t> có điều hòa để làm mát, giúp bạn ấy ngủ ngon giấc hơn.</a:t>
-            </a:r>
-            <a:endParaRPr lang="en-US" sz="2000" b="1" dirty="0">
-              <a:latin typeface="Arial" panose="020B0604020202020204" pitchFamily="34" charset="0"/>
-              <a:cs typeface="Arial" panose="020B0604020202020204" pitchFamily="34" charset="0"/>
-            </a:endParaRPr>
-          </a:p>
-        </p:txBody>
-      </p:sp>
-      <p:sp>
-        <p:nvSpPr>
-          <p:cNvPr id="9" name="TextBox 8"/>
-          <p:cNvSpPr txBox="1"/>
-          <p:nvPr/>
-        </p:nvSpPr>
-        <p:spPr>
-          <a:xfrm>
-            <a:off x="679888" y="2705851"/>
-            <a:ext cx="5389608" cy="707886"/>
-          </a:xfrm>
-          <a:prstGeom prst="rect">
-            <a:avLst/>
-          </a:prstGeom>
-          <a:noFill/>
-        </p:spPr>
-        <p:txBody>
-          <a:bodyPr wrap="square" rtlCol="0">
-            <a:spAutoFit/>
-          </a:bodyPr>
-          <a:lstStyle/>
-          <a:p>
-            <a:r>
-              <a:rPr lang="vi-VN" sz="2000" dirty="0">
-                <a:latin typeface="Arial (Body)"/>
-              </a:rPr>
-              <a:t>Tuy nhiên càng về khuya thì </a:t>
-            </a:r>
-            <a:r>
-              <a:rPr lang="vi-VN" sz="2000" b="1" dirty="0">
-                <a:latin typeface="Arial (Body)"/>
-              </a:rPr>
-              <a:t>Chaien</a:t>
-            </a:r>
-            <a:r>
-              <a:rPr lang="vi-VN" sz="2000" dirty="0">
-                <a:latin typeface="Arial (Body)"/>
-              </a:rPr>
-              <a:t> cảm thấy rất là </a:t>
-            </a:r>
-            <a:r>
-              <a:rPr lang="vi-VN" sz="2000" dirty="0" smtClean="0">
-                <a:latin typeface="Arial (Body)"/>
-              </a:rPr>
-              <a:t>lạnh</a:t>
-            </a:r>
-            <a:r>
-              <a:rPr lang="en-US" sz="2000" dirty="0" smtClean="0">
-                <a:latin typeface="Arial (Body)"/>
-              </a:rPr>
-              <a:t> mà </a:t>
-            </a:r>
-            <a:r>
-              <a:rPr lang="vi-VN" sz="2000" dirty="0" smtClean="0">
-                <a:latin typeface="Arial (Body)"/>
-              </a:rPr>
-              <a:t>tắt </a:t>
-            </a:r>
-            <a:r>
-              <a:rPr lang="vi-VN" sz="2000" dirty="0">
-                <a:latin typeface="Arial (Body)"/>
-              </a:rPr>
-              <a:t>điều hòa </a:t>
-            </a:r>
-            <a:r>
-              <a:rPr lang="en-US" sz="2000" dirty="0" smtClean="0">
-                <a:latin typeface="Arial (Body)"/>
-              </a:rPr>
-              <a:t>luôn</a:t>
-            </a:r>
-            <a:r>
-              <a:rPr lang="vi-VN" sz="2000" dirty="0" smtClean="0">
-                <a:latin typeface="Arial (Body)"/>
-              </a:rPr>
-              <a:t> </a:t>
-            </a:r>
-            <a:r>
-              <a:rPr lang="vi-VN" sz="2000" dirty="0">
-                <a:latin typeface="Arial (Body)"/>
-              </a:rPr>
-              <a:t>thì lại nóng.</a:t>
-            </a:r>
-            <a:endParaRPr lang="en-US" sz="2000" b="1" dirty="0">
-              <a:latin typeface="Arial (Body)"/>
-              <a:cs typeface="Arial" panose="020B0604020202020204" pitchFamily="34" charset="0"/>
-            </a:endParaRPr>
-          </a:p>
-        </p:txBody>
-      </p:sp>
-      <p:sp>
-        <p:nvSpPr>
-          <p:cNvPr id="10" name="TextBox 9"/>
-          <p:cNvSpPr txBox="1"/>
-          <p:nvPr/>
-        </p:nvSpPr>
-        <p:spPr>
-          <a:xfrm>
-            <a:off x="679887" y="3567242"/>
-            <a:ext cx="4130651" cy="1015663"/>
-          </a:xfrm>
-          <a:prstGeom prst="rect">
-            <a:avLst/>
-          </a:prstGeom>
-          <a:noFill/>
-        </p:spPr>
-        <p:txBody>
-          <a:bodyPr wrap="square" rtlCol="0">
-            <a:spAutoFit/>
-          </a:bodyPr>
-          <a:lstStyle/>
-          <a:p>
-            <a:r>
-              <a:rPr lang="vi-VN" sz="2000" dirty="0">
-                <a:latin typeface="Arial (Body)"/>
-              </a:rPr>
-              <a:t>Bạn có cách nào giúp </a:t>
-            </a:r>
-            <a:r>
-              <a:rPr lang="vi-VN" sz="2000" b="1" dirty="0">
-                <a:latin typeface="Arial (Body)"/>
-              </a:rPr>
-              <a:t>Chaien</a:t>
-            </a:r>
-            <a:r>
-              <a:rPr lang="vi-VN" sz="2000" dirty="0">
-                <a:latin typeface="Arial (Body)"/>
-              </a:rPr>
-              <a:t> giải quyết vấn đề trên hay không ? </a:t>
-            </a:r>
-            <a:r>
-              <a:rPr lang="en-US" sz="2000" dirty="0" smtClean="0">
-                <a:latin typeface="Arial (Body)"/>
-              </a:rPr>
-              <a:t>Vừa </a:t>
-            </a:r>
-            <a:r>
-              <a:rPr lang="vi-VN" sz="2000" dirty="0" smtClean="0">
-                <a:latin typeface="Arial (Body)"/>
-              </a:rPr>
-              <a:t>bớt </a:t>
-            </a:r>
-            <a:r>
-              <a:rPr lang="vi-VN" sz="2000" dirty="0">
-                <a:latin typeface="Arial (Body)"/>
-              </a:rPr>
-              <a:t>lạnh </a:t>
-            </a:r>
-            <a:r>
-              <a:rPr lang="en-US" sz="2000" dirty="0" smtClean="0">
-                <a:latin typeface="Arial (Body)"/>
-              </a:rPr>
-              <a:t>mà lại</a:t>
-            </a:r>
-            <a:r>
-              <a:rPr lang="vi-VN" sz="2000" dirty="0" smtClean="0">
-                <a:latin typeface="Arial (Body)"/>
-              </a:rPr>
-              <a:t> </a:t>
-            </a:r>
-            <a:r>
-              <a:rPr lang="vi-VN" sz="2000" dirty="0">
-                <a:latin typeface="Arial (Body)"/>
-              </a:rPr>
-              <a:t>tiết kiệm điện.</a:t>
-            </a:r>
-            <a:endParaRPr lang="en-US" sz="2000" b="1" dirty="0">
-              <a:latin typeface="Arial (Body)"/>
-              <a:cs typeface="Arial" panose="020B0604020202020204" pitchFamily="34" charset="0"/>
-            </a:endParaRPr>
-          </a:p>
-        </p:txBody>
-      </p:sp>
       <p:pic>
         <p:nvPicPr>
-          <p:cNvPr id="12" name="Picture 11"/>
+          <p:cNvPr id="13" name="Picture 12"/>
           <p:cNvPicPr>
             <a:picLocks noChangeAspect="1"/>
           </p:cNvPicPr>
           <p:nvPr/>
         </p:nvPicPr>
         <p:blipFill>
-          <a:blip r:embed="rId4">
-            <a:extLst>
-              <a:ext uri="{28A0092B-C50C-407E-A947-70E740481C1C}">
-                <a14:useLocalDpi xmlns:a14="http://schemas.microsoft.com/office/drawing/2010/main" val="0"/>
-              </a:ext>
-            </a:extLst>
-          </a:blip>
+          <a:blip r:embed="rId4"/>
           <a:stretch>
             <a:fillRect/>
           </a:stretch>
         </p:blipFill>
         <p:spPr>
           <a:xfrm>
-            <a:off x="746513" y="4835098"/>
-            <a:ext cx="1121365" cy="1490595"/>
+            <a:off x="5645427" y="4606458"/>
+            <a:ext cx="2875721" cy="1779816"/>
+          </a:xfrm>
+          <a:prstGeom prst="rect">
+            <a:avLst/>
+          </a:prstGeom>
+        </p:spPr>
+      </p:pic>
+      <p:pic>
+        <p:nvPicPr>
+          <p:cNvPr id="14" name="Picture 13"/>
+          <p:cNvPicPr>
+            <a:picLocks noChangeAspect="1"/>
+          </p:cNvPicPr>
+          <p:nvPr/>
+        </p:nvPicPr>
+        <p:blipFill>
+          <a:blip r:embed="rId5"/>
+          <a:stretch>
+            <a:fillRect/>
+          </a:stretch>
+        </p:blipFill>
+        <p:spPr>
+          <a:xfrm>
+            <a:off x="5645427" y="1872361"/>
+            <a:ext cx="2772162" cy="2314898"/>
+          </a:xfrm>
+          <a:prstGeom prst="rect">
+            <a:avLst/>
+          </a:prstGeom>
+        </p:spPr>
+      </p:pic>
+      <p:sp>
+        <p:nvSpPr>
+          <p:cNvPr id="15" name="TextBox 14"/>
+          <p:cNvSpPr txBox="1"/>
+          <p:nvPr/>
+        </p:nvSpPr>
+        <p:spPr>
+          <a:xfrm>
+            <a:off x="5852273" y="4187259"/>
+            <a:ext cx="2358470" cy="338554"/>
+          </a:xfrm>
+          <a:prstGeom prst="rect">
+            <a:avLst/>
+          </a:prstGeom>
+          <a:noFill/>
+        </p:spPr>
+        <p:txBody>
+          <a:bodyPr wrap="square" rtlCol="0">
+            <a:spAutoFit/>
+          </a:bodyPr>
+          <a:lstStyle/>
+          <a:p>
+            <a:pPr algn="ctr"/>
+            <a:r>
+              <a:rPr lang="en-US" sz="1600" i="1" dirty="0" smtClean="0"/>
+              <a:t>Biểu đồ dạng cột</a:t>
+            </a:r>
+            <a:endParaRPr lang="en-US" sz="1600" b="1" i="1" dirty="0">
+              <a:latin typeface="Arial" panose="020B0604020202020204" pitchFamily="34" charset="0"/>
+              <a:cs typeface="Arial" panose="020B0604020202020204" pitchFamily="34" charset="0"/>
+            </a:endParaRPr>
+          </a:p>
+        </p:txBody>
+      </p:sp>
+      <p:pic>
+        <p:nvPicPr>
+          <p:cNvPr id="16" name="Picture 15"/>
+          <p:cNvPicPr>
+            <a:picLocks noChangeAspect="1"/>
+          </p:cNvPicPr>
+          <p:nvPr/>
+        </p:nvPicPr>
+        <p:blipFill>
+          <a:blip r:embed="rId6"/>
+          <a:stretch>
+            <a:fillRect/>
+          </a:stretch>
+        </p:blipFill>
+        <p:spPr>
+          <a:xfrm rot="20552457">
+            <a:off x="4233644" y="3377633"/>
+            <a:ext cx="1353643" cy="1102121"/>
           </a:xfrm>
           <a:prstGeom prst="rect">
             <a:avLst/>
@@ -6379,7 +7525,7 @@
     </p:spTree>
     <p:extLst>
       <p:ext uri="{BB962C8B-B14F-4D97-AF65-F5344CB8AC3E}">
-        <p14:creationId xmlns:p14="http://schemas.microsoft.com/office/powerpoint/2010/main" val="269450690"/>
+        <p14:creationId xmlns:p14="http://schemas.microsoft.com/office/powerpoint/2010/main" val="967974997"/>
       </p:ext>
     </p:extLst>
   </p:cSld>
@@ -6542,7 +7688,7 @@
         </p:nvSpPr>
         <p:spPr>
           <a:xfrm>
-            <a:off x="1236140" y="1244057"/>
+            <a:off x="1236140" y="1389829"/>
             <a:ext cx="3388902" cy="461665"/>
           </a:xfrm>
           <a:prstGeom prst="rect">
@@ -6604,7 +7750,7 @@
         </p:blipFill>
         <p:spPr>
           <a:xfrm>
-            <a:off x="679888" y="1317014"/>
+            <a:off x="679888" y="1462786"/>
             <a:ext cx="466725" cy="409575"/>
           </a:xfrm>
           <a:prstGeom prst="rect">
@@ -6612,773 +7758,16 @@
           </a:prstGeom>
         </p:spPr>
       </p:pic>
-      <p:sp>
-        <p:nvSpPr>
-          <p:cNvPr id="9" name="TextBox 8"/>
-          <p:cNvSpPr txBox="1"/>
-          <p:nvPr/>
-        </p:nvSpPr>
-        <p:spPr>
-          <a:xfrm>
-            <a:off x="1062483" y="2323418"/>
-            <a:ext cx="3376995" cy="707886"/>
-          </a:xfrm>
-          <a:prstGeom prst="rect">
-            <a:avLst/>
-          </a:prstGeom>
-          <a:noFill/>
-        </p:spPr>
-        <p:txBody>
-          <a:bodyPr wrap="square" rtlCol="0">
-            <a:spAutoFit/>
-          </a:bodyPr>
-          <a:lstStyle/>
-          <a:p>
-            <a:r>
-              <a:rPr lang="vi-VN" sz="2000" dirty="0">
-                <a:latin typeface="Arial (Body)"/>
-              </a:rPr>
-              <a:t>Dùng micro:bit đo nhiệt độ phòng của </a:t>
-            </a:r>
-            <a:r>
-              <a:rPr lang="vi-VN" sz="2000" b="1" dirty="0">
-                <a:latin typeface="Arial (Body)"/>
-              </a:rPr>
-              <a:t>Chaien</a:t>
-            </a:r>
-            <a:endParaRPr lang="en-US" sz="2000" b="1" dirty="0">
-              <a:latin typeface="Arial (Body)"/>
-              <a:cs typeface="Arial" panose="020B0604020202020204" pitchFamily="34" charset="0"/>
-            </a:endParaRPr>
-          </a:p>
-        </p:txBody>
-      </p:sp>
-      <p:sp>
-        <p:nvSpPr>
-          <p:cNvPr id="13" name="Rounded Rectangle 12"/>
-          <p:cNvSpPr/>
-          <p:nvPr/>
-        </p:nvSpPr>
-        <p:spPr>
-          <a:xfrm>
-            <a:off x="859632" y="2120351"/>
-            <a:ext cx="4352539" cy="3820223"/>
-          </a:xfrm>
-          <a:prstGeom prst="roundRect">
-            <a:avLst>
-              <a:gd name="adj" fmla="val 3719"/>
-            </a:avLst>
-          </a:prstGeom>
-          <a:noFill/>
-          <a:ln w="28575">
-            <a:solidFill>
-              <a:srgbClr val="64C7E9"/>
-            </a:solidFill>
-            <a:prstDash val="sysDash"/>
-          </a:ln>
-        </p:spPr>
-        <p:style>
-          <a:lnRef idx="2">
-            <a:schemeClr val="accent1">
-              <a:shade val="50000"/>
-            </a:schemeClr>
-          </a:lnRef>
-          <a:fillRef idx="1">
-            <a:schemeClr val="accent1"/>
-          </a:fillRef>
-          <a:effectRef idx="0">
-            <a:schemeClr val="accent1"/>
-          </a:effectRef>
-          <a:fontRef idx="minor">
-            <a:schemeClr val="lt1"/>
-          </a:fontRef>
-        </p:style>
-        <p:txBody>
-          <a:bodyPr rtlCol="0" anchor="ctr"/>
-          <a:lstStyle/>
-          <a:p>
-            <a:pPr algn="ctr"/>
-            <a:endParaRPr lang="en-US"/>
-          </a:p>
-        </p:txBody>
-      </p:sp>
-      <p:sp>
-        <p:nvSpPr>
-          <p:cNvPr id="11" name="Rounded Rectangle 10"/>
-          <p:cNvSpPr/>
-          <p:nvPr/>
-        </p:nvSpPr>
-        <p:spPr>
-          <a:xfrm>
-            <a:off x="1611999" y="1890917"/>
-            <a:ext cx="2637183" cy="383913"/>
-          </a:xfrm>
-          <a:prstGeom prst="roundRect">
-            <a:avLst>
-              <a:gd name="adj" fmla="val 50000"/>
-            </a:avLst>
-          </a:prstGeom>
-          <a:gradFill flip="none" rotWithShape="1">
-            <a:gsLst>
-              <a:gs pos="15000">
-                <a:srgbClr val="67C7DF"/>
-              </a:gs>
-              <a:gs pos="100000">
-                <a:srgbClr val="5EB130"/>
-              </a:gs>
-            </a:gsLst>
-            <a:lin ang="0" scaled="1"/>
-            <a:tileRect/>
-          </a:gradFill>
-          <a:ln>
-            <a:noFill/>
-          </a:ln>
-        </p:spPr>
-        <p:style>
-          <a:lnRef idx="2">
-            <a:schemeClr val="accent1">
-              <a:shade val="50000"/>
-            </a:schemeClr>
-          </a:lnRef>
-          <a:fillRef idx="1">
-            <a:schemeClr val="accent1"/>
-          </a:fillRef>
-          <a:effectRef idx="0">
-            <a:schemeClr val="accent1"/>
-          </a:effectRef>
-          <a:fontRef idx="minor">
-            <a:schemeClr val="lt1"/>
-          </a:fontRef>
-        </p:style>
-        <p:txBody>
-          <a:bodyPr rtlCol="0" anchor="ctr"/>
-          <a:lstStyle/>
-          <a:p>
-            <a:pPr algn="ctr"/>
-            <a:r>
-              <a:rPr lang="en-US" sz="2000" dirty="0" smtClean="0">
-                <a:latin typeface="Arial (Body)"/>
-              </a:rPr>
-              <a:t>Hướng dẫn</a:t>
-            </a:r>
-            <a:endParaRPr lang="en-US" sz="2000" dirty="0">
-              <a:latin typeface="Arial (Body)"/>
-            </a:endParaRPr>
-          </a:p>
-        </p:txBody>
-      </p:sp>
-      <p:sp>
-        <p:nvSpPr>
-          <p:cNvPr id="15" name="Rectangle 14"/>
-          <p:cNvSpPr/>
-          <p:nvPr/>
-        </p:nvSpPr>
-        <p:spPr>
-          <a:xfrm>
-            <a:off x="1062483" y="3207867"/>
-            <a:ext cx="168260" cy="168260"/>
-          </a:xfrm>
-          <a:prstGeom prst="rect">
-            <a:avLst/>
-          </a:prstGeom>
-          <a:solidFill>
-            <a:srgbClr val="64C7E9"/>
-          </a:solidFill>
-          <a:ln>
-            <a:noFill/>
-          </a:ln>
-        </p:spPr>
-        <p:style>
-          <a:lnRef idx="2">
-            <a:schemeClr val="accent1">
-              <a:shade val="50000"/>
-            </a:schemeClr>
-          </a:lnRef>
-          <a:fillRef idx="1">
-            <a:schemeClr val="accent1"/>
-          </a:fillRef>
-          <a:effectRef idx="0">
-            <a:schemeClr val="accent1"/>
-          </a:effectRef>
-          <a:fontRef idx="minor">
-            <a:schemeClr val="lt1"/>
-          </a:fontRef>
-        </p:style>
-        <p:txBody>
-          <a:bodyPr rtlCol="0" anchor="ctr"/>
-          <a:lstStyle/>
-          <a:p>
-            <a:pPr algn="ctr"/>
-            <a:endParaRPr lang="en-US"/>
-          </a:p>
-        </p:txBody>
-      </p:sp>
-      <p:sp>
-        <p:nvSpPr>
-          <p:cNvPr id="16" name="TextBox 15"/>
-          <p:cNvSpPr txBox="1"/>
-          <p:nvPr/>
-        </p:nvSpPr>
-        <p:spPr>
-          <a:xfrm>
-            <a:off x="1301023" y="3052289"/>
-            <a:ext cx="3547566" cy="1015663"/>
-          </a:xfrm>
-          <a:prstGeom prst="rect">
-            <a:avLst/>
-          </a:prstGeom>
-          <a:noFill/>
-        </p:spPr>
-        <p:txBody>
-          <a:bodyPr wrap="square" rtlCol="0">
-            <a:spAutoFit/>
-          </a:bodyPr>
-          <a:lstStyle/>
-          <a:p>
-            <a:r>
-              <a:rPr lang="vi-VN" sz="2000" dirty="0">
-                <a:latin typeface="Arial (Body)"/>
-              </a:rPr>
-              <a:t>Lúc nào nhiệt độ xuống </a:t>
-            </a:r>
-            <a:r>
-              <a:rPr lang="vi-VN" sz="2000" dirty="0" smtClean="0">
-                <a:latin typeface="Arial (Body)"/>
-              </a:rPr>
-              <a:t>22</a:t>
-            </a:r>
-            <a:r>
-              <a:rPr lang="en-US" sz="2000" dirty="0" smtClean="0">
-                <a:latin typeface="Arial (Body)"/>
-              </a:rPr>
-              <a:t> </a:t>
-            </a:r>
-            <a:r>
-              <a:rPr lang="en-US" sz="2000" b="1" dirty="0" smtClean="0"/>
-              <a:t>℃ </a:t>
-            </a:r>
-            <a:r>
-              <a:rPr lang="vi-VN" sz="2000" dirty="0" smtClean="0">
-                <a:latin typeface="Arial (Body)"/>
-              </a:rPr>
-              <a:t> độ</a:t>
-            </a:r>
-            <a:r>
-              <a:rPr lang="en-US" sz="2000" dirty="0" smtClean="0">
-                <a:latin typeface="Arial (Body)"/>
-              </a:rPr>
-              <a:t> </a:t>
-            </a:r>
-            <a:r>
-              <a:rPr lang="vi-VN" sz="2000" dirty="0" smtClean="0">
-                <a:latin typeface="Arial (Body)"/>
-              </a:rPr>
-              <a:t> </a:t>
-            </a:r>
-            <a:r>
-              <a:rPr lang="vi-VN" sz="2000" dirty="0">
-                <a:latin typeface="Arial (Body)"/>
-              </a:rPr>
-              <a:t>thì </a:t>
-            </a:r>
-            <a:r>
-              <a:rPr lang="vi-VN" sz="2000" b="1" dirty="0">
-                <a:latin typeface="Arial (Body)"/>
-              </a:rPr>
-              <a:t>tắt</a:t>
-            </a:r>
-            <a:r>
-              <a:rPr lang="vi-VN" sz="2000" dirty="0">
-                <a:latin typeface="Arial (Body)"/>
-              </a:rPr>
-              <a:t> điều </a:t>
-            </a:r>
-            <a:r>
-              <a:rPr lang="vi-VN" sz="2000" dirty="0" smtClean="0">
-                <a:latin typeface="Arial (Body)"/>
-              </a:rPr>
-              <a:t>hòa</a:t>
-            </a:r>
-            <a:r>
-              <a:rPr lang="en-US" sz="2000" dirty="0" smtClean="0">
-                <a:latin typeface="Arial (Body)"/>
-              </a:rPr>
-              <a:t>. Màn hình LED hiển thị hoa tuyết.</a:t>
-            </a:r>
-            <a:endParaRPr lang="en-US" sz="2000" b="1" dirty="0">
-              <a:latin typeface="Arial (Body)"/>
-              <a:cs typeface="Arial" panose="020B0604020202020204" pitchFamily="34" charset="0"/>
-            </a:endParaRPr>
-          </a:p>
-        </p:txBody>
-      </p:sp>
-      <p:sp>
-        <p:nvSpPr>
-          <p:cNvPr id="17" name="Rectangle 16"/>
-          <p:cNvSpPr/>
-          <p:nvPr/>
-        </p:nvSpPr>
-        <p:spPr>
-          <a:xfrm>
-            <a:off x="1062483" y="4262847"/>
-            <a:ext cx="168260" cy="168260"/>
-          </a:xfrm>
-          <a:prstGeom prst="rect">
-            <a:avLst/>
-          </a:prstGeom>
-          <a:solidFill>
-            <a:srgbClr val="64C7E9"/>
-          </a:solidFill>
-          <a:ln>
-            <a:noFill/>
-          </a:ln>
-        </p:spPr>
-        <p:style>
-          <a:lnRef idx="2">
-            <a:schemeClr val="accent1">
-              <a:shade val="50000"/>
-            </a:schemeClr>
-          </a:lnRef>
-          <a:fillRef idx="1">
-            <a:schemeClr val="accent1"/>
-          </a:fillRef>
-          <a:effectRef idx="0">
-            <a:schemeClr val="accent1"/>
-          </a:effectRef>
-          <a:fontRef idx="minor">
-            <a:schemeClr val="lt1"/>
-          </a:fontRef>
-        </p:style>
-        <p:txBody>
-          <a:bodyPr rtlCol="0" anchor="ctr"/>
-          <a:lstStyle/>
-          <a:p>
-            <a:pPr algn="ctr"/>
-            <a:endParaRPr lang="en-US"/>
-          </a:p>
-        </p:txBody>
-      </p:sp>
-      <p:sp>
-        <p:nvSpPr>
-          <p:cNvPr id="18" name="TextBox 17"/>
-          <p:cNvSpPr txBox="1"/>
-          <p:nvPr/>
-        </p:nvSpPr>
-        <p:spPr>
-          <a:xfrm>
-            <a:off x="1301022" y="4107269"/>
-            <a:ext cx="3911149" cy="1015663"/>
-          </a:xfrm>
-          <a:prstGeom prst="rect">
-            <a:avLst/>
-          </a:prstGeom>
-          <a:noFill/>
-        </p:spPr>
-        <p:txBody>
-          <a:bodyPr wrap="square" rtlCol="0">
-            <a:spAutoFit/>
-          </a:bodyPr>
-          <a:lstStyle/>
-          <a:p>
-            <a:r>
-              <a:rPr lang="vi-VN" sz="2000" dirty="0">
-                <a:latin typeface="Arial (Body)"/>
-              </a:rPr>
-              <a:t>Lúc nào nhiệt độ </a:t>
-            </a:r>
-            <a:r>
-              <a:rPr lang="en-US" sz="2000" dirty="0" smtClean="0">
-                <a:latin typeface="Arial (Body)"/>
-              </a:rPr>
-              <a:t>tăng lên</a:t>
-            </a:r>
-            <a:r>
-              <a:rPr lang="vi-VN" sz="2000" dirty="0" smtClean="0">
-                <a:latin typeface="Arial (Body)"/>
-              </a:rPr>
-              <a:t> 2</a:t>
-            </a:r>
-            <a:r>
-              <a:rPr lang="en-US" sz="2000" dirty="0" smtClean="0">
-                <a:latin typeface="Arial (Body)"/>
-              </a:rPr>
-              <a:t>8 </a:t>
-            </a:r>
-            <a:r>
-              <a:rPr lang="en-US" sz="2000" b="1" dirty="0" smtClean="0"/>
-              <a:t>℃ </a:t>
-            </a:r>
-            <a:r>
-              <a:rPr lang="vi-VN" sz="2000" dirty="0" smtClean="0">
-                <a:latin typeface="Arial (Body)"/>
-              </a:rPr>
-              <a:t> độ</a:t>
-            </a:r>
-            <a:r>
-              <a:rPr lang="en-US" sz="2000" dirty="0" smtClean="0">
-                <a:latin typeface="Arial (Body)"/>
-              </a:rPr>
-              <a:t> </a:t>
-            </a:r>
-            <a:r>
-              <a:rPr lang="vi-VN" sz="2000" dirty="0" smtClean="0">
-                <a:latin typeface="Arial (Body)"/>
-              </a:rPr>
-              <a:t> </a:t>
-            </a:r>
-            <a:r>
-              <a:rPr lang="vi-VN" sz="2000" dirty="0">
-                <a:latin typeface="Arial (Body)"/>
-              </a:rPr>
-              <a:t>thì </a:t>
-            </a:r>
-            <a:r>
-              <a:rPr lang="en-US" sz="2000" b="1" dirty="0" smtClean="0">
-                <a:latin typeface="Arial (Body)"/>
-              </a:rPr>
-              <a:t>bật lại</a:t>
-            </a:r>
-            <a:r>
-              <a:rPr lang="vi-VN" sz="2000" dirty="0" smtClean="0">
-                <a:latin typeface="Arial (Body)"/>
-              </a:rPr>
-              <a:t> </a:t>
-            </a:r>
-            <a:r>
-              <a:rPr lang="vi-VN" sz="2000" dirty="0">
-                <a:latin typeface="Arial (Body)"/>
-              </a:rPr>
-              <a:t>điều </a:t>
-            </a:r>
-            <a:r>
-              <a:rPr lang="vi-VN" sz="2000" dirty="0" smtClean="0">
-                <a:latin typeface="Arial (Body)"/>
-              </a:rPr>
-              <a:t>hòa</a:t>
-            </a:r>
-            <a:r>
-              <a:rPr lang="en-US" sz="2000" dirty="0" smtClean="0">
-                <a:latin typeface="Arial (Body)"/>
-              </a:rPr>
-              <a:t>. Màn hình LED hiển thị mặt buồn</a:t>
-            </a:r>
-            <a:endParaRPr lang="en-US" sz="2000" b="1" dirty="0">
-              <a:latin typeface="Arial (Body)"/>
-              <a:cs typeface="Arial" panose="020B0604020202020204" pitchFamily="34" charset="0"/>
-            </a:endParaRPr>
-          </a:p>
-        </p:txBody>
-      </p:sp>
-      <p:sp>
-        <p:nvSpPr>
-          <p:cNvPr id="20" name="Rectangle 19"/>
-          <p:cNvSpPr/>
-          <p:nvPr/>
-        </p:nvSpPr>
-        <p:spPr>
-          <a:xfrm>
-            <a:off x="1062483" y="5296518"/>
-            <a:ext cx="168260" cy="168260"/>
-          </a:xfrm>
-          <a:prstGeom prst="rect">
-            <a:avLst/>
-          </a:prstGeom>
-          <a:solidFill>
-            <a:srgbClr val="64C7E9"/>
-          </a:solidFill>
-          <a:ln>
-            <a:noFill/>
-          </a:ln>
-        </p:spPr>
-        <p:style>
-          <a:lnRef idx="2">
-            <a:schemeClr val="accent1">
-              <a:shade val="50000"/>
-            </a:schemeClr>
-          </a:lnRef>
-          <a:fillRef idx="1">
-            <a:schemeClr val="accent1"/>
-          </a:fillRef>
-          <a:effectRef idx="0">
-            <a:schemeClr val="accent1"/>
-          </a:effectRef>
-          <a:fontRef idx="minor">
-            <a:schemeClr val="lt1"/>
-          </a:fontRef>
-        </p:style>
-        <p:txBody>
-          <a:bodyPr rtlCol="0" anchor="ctr"/>
-          <a:lstStyle/>
-          <a:p>
-            <a:pPr algn="ctr"/>
-            <a:endParaRPr lang="en-US"/>
-          </a:p>
-        </p:txBody>
-      </p:sp>
-      <p:sp>
-        <p:nvSpPr>
-          <p:cNvPr id="21" name="TextBox 20"/>
-          <p:cNvSpPr txBox="1"/>
-          <p:nvPr/>
-        </p:nvSpPr>
-        <p:spPr>
-          <a:xfrm>
-            <a:off x="1301022" y="5140940"/>
-            <a:ext cx="3911149" cy="707886"/>
-          </a:xfrm>
-          <a:prstGeom prst="rect">
-            <a:avLst/>
-          </a:prstGeom>
-          <a:noFill/>
-        </p:spPr>
-        <p:txBody>
-          <a:bodyPr wrap="square" rtlCol="0">
-            <a:spAutoFit/>
-          </a:bodyPr>
-          <a:lstStyle/>
-          <a:p>
-            <a:r>
-              <a:rPr lang="en-US" sz="2000" dirty="0" smtClean="0">
-                <a:latin typeface="Arial (Body)"/>
-              </a:rPr>
-              <a:t>Chạm vào Logo thì hiển thị nhiệt độ phòng hiện tại</a:t>
-            </a:r>
-            <a:endParaRPr lang="en-US" sz="2000" b="1" dirty="0">
-              <a:latin typeface="Arial (Body)"/>
-              <a:cs typeface="Arial" panose="020B0604020202020204" pitchFamily="34" charset="0"/>
-            </a:endParaRPr>
-          </a:p>
-        </p:txBody>
-      </p:sp>
       <p:pic>
         <p:nvPicPr>
-          <p:cNvPr id="22" name="Picture 21"/>
+          <p:cNvPr id="7" name="Picture 6"/>
           <p:cNvPicPr>
             <a:picLocks noChangeAspect="1"/>
           </p:cNvPicPr>
           <p:nvPr/>
         </p:nvPicPr>
         <p:blipFill>
-          <a:blip r:embed="rId3"/>
-          <a:stretch>
-            <a:fillRect/>
-          </a:stretch>
-        </p:blipFill>
-        <p:spPr>
-          <a:xfrm>
-            <a:off x="5415022" y="2037628"/>
-            <a:ext cx="1533739" cy="571580"/>
-          </a:xfrm>
-          <a:prstGeom prst="rect">
-            <a:avLst/>
-          </a:prstGeom>
-        </p:spPr>
-      </p:pic>
-      <p:pic>
-        <p:nvPicPr>
-          <p:cNvPr id="23" name="Picture 22"/>
-          <p:cNvPicPr>
-            <a:picLocks noChangeAspect="1"/>
-          </p:cNvPicPr>
-          <p:nvPr/>
-        </p:nvPicPr>
-        <p:blipFill>
-          <a:blip r:embed="rId4"/>
-          <a:stretch>
-            <a:fillRect/>
-          </a:stretch>
-        </p:blipFill>
-        <p:spPr>
-          <a:xfrm>
-            <a:off x="5415022" y="2782261"/>
-            <a:ext cx="1171739" cy="1457528"/>
-          </a:xfrm>
-          <a:prstGeom prst="rect">
-            <a:avLst/>
-          </a:prstGeom>
-        </p:spPr>
-      </p:pic>
-      <p:pic>
-        <p:nvPicPr>
-          <p:cNvPr id="24" name="Picture 23"/>
-          <p:cNvPicPr>
-            <a:picLocks noChangeAspect="1"/>
-          </p:cNvPicPr>
-          <p:nvPr/>
-        </p:nvPicPr>
-        <p:blipFill>
-          <a:blip r:embed="rId5"/>
-          <a:stretch>
-            <a:fillRect/>
-          </a:stretch>
-        </p:blipFill>
-        <p:spPr>
-          <a:xfrm>
-            <a:off x="7085634" y="2057244"/>
-            <a:ext cx="1514686" cy="990738"/>
-          </a:xfrm>
-          <a:prstGeom prst="rect">
-            <a:avLst/>
-          </a:prstGeom>
-        </p:spPr>
-      </p:pic>
-      <p:pic>
-        <p:nvPicPr>
-          <p:cNvPr id="25" name="Picture 24"/>
-          <p:cNvPicPr>
-            <a:picLocks noChangeAspect="1"/>
-          </p:cNvPicPr>
-          <p:nvPr/>
-        </p:nvPicPr>
-        <p:blipFill>
-          <a:blip r:embed="rId6"/>
-          <a:stretch>
-            <a:fillRect/>
-          </a:stretch>
-        </p:blipFill>
-        <p:spPr>
-          <a:xfrm>
-            <a:off x="5419206" y="4371191"/>
-            <a:ext cx="3337684" cy="1007281"/>
-          </a:xfrm>
-          <a:prstGeom prst="rect">
-            <a:avLst/>
-          </a:prstGeom>
-        </p:spPr>
-      </p:pic>
-      <p:pic>
-        <p:nvPicPr>
-          <p:cNvPr id="26" name="Picture 25"/>
-          <p:cNvPicPr>
-            <a:picLocks noChangeAspect="1"/>
-          </p:cNvPicPr>
-          <p:nvPr/>
-        </p:nvPicPr>
-        <p:blipFill>
-          <a:blip r:embed="rId7"/>
-          <a:stretch>
-            <a:fillRect/>
-          </a:stretch>
-        </p:blipFill>
-        <p:spPr>
-          <a:xfrm>
-            <a:off x="6780730" y="3168608"/>
-            <a:ext cx="1686160" cy="1000265"/>
-          </a:xfrm>
-          <a:prstGeom prst="rect">
-            <a:avLst/>
-          </a:prstGeom>
-        </p:spPr>
-      </p:pic>
-      <p:sp>
-        <p:nvSpPr>
-          <p:cNvPr id="27" name="TextBox 26"/>
-          <p:cNvSpPr txBox="1"/>
-          <p:nvPr/>
-        </p:nvSpPr>
-        <p:spPr>
-          <a:xfrm>
-            <a:off x="5769526" y="5509766"/>
-            <a:ext cx="2358470" cy="338554"/>
-          </a:xfrm>
-          <a:prstGeom prst="rect">
-            <a:avLst/>
-          </a:prstGeom>
-          <a:noFill/>
-        </p:spPr>
-        <p:txBody>
-          <a:bodyPr wrap="square" rtlCol="0">
-            <a:spAutoFit/>
-          </a:bodyPr>
-          <a:lstStyle/>
-          <a:p>
-            <a:pPr algn="ctr"/>
-            <a:r>
-              <a:rPr lang="en-US" sz="1600" i="1" dirty="0" smtClean="0"/>
-              <a:t>Các Blocks gợi ý</a:t>
-            </a:r>
-            <a:endParaRPr lang="en-US" sz="1600" b="1" i="1" dirty="0">
-              <a:latin typeface="Arial" panose="020B0604020202020204" pitchFamily="34" charset="0"/>
-              <a:cs typeface="Arial" panose="020B0604020202020204" pitchFamily="34" charset="0"/>
-            </a:endParaRPr>
-          </a:p>
-        </p:txBody>
-      </p:sp>
-      <p:sp>
-        <p:nvSpPr>
-          <p:cNvPr id="28" name="Rounded Rectangle 27"/>
-          <p:cNvSpPr/>
-          <p:nvPr/>
-        </p:nvSpPr>
-        <p:spPr>
-          <a:xfrm>
-            <a:off x="859248" y="6138232"/>
-            <a:ext cx="7741072" cy="383913"/>
-          </a:xfrm>
-          <a:prstGeom prst="roundRect">
-            <a:avLst>
-              <a:gd name="adj" fmla="val 50000"/>
-            </a:avLst>
-          </a:prstGeom>
-          <a:gradFill flip="none" rotWithShape="1">
-            <a:gsLst>
-              <a:gs pos="15000">
-                <a:srgbClr val="67C7DF"/>
-              </a:gs>
-              <a:gs pos="100000">
-                <a:srgbClr val="5EB130"/>
-              </a:gs>
-            </a:gsLst>
-            <a:lin ang="0" scaled="1"/>
-            <a:tileRect/>
-          </a:gradFill>
-          <a:ln>
-            <a:noFill/>
-          </a:ln>
-        </p:spPr>
-        <p:style>
-          <a:lnRef idx="2">
-            <a:schemeClr val="accent1">
-              <a:shade val="50000"/>
-            </a:schemeClr>
-          </a:lnRef>
-          <a:fillRef idx="1">
-            <a:schemeClr val="accent1"/>
-          </a:fillRef>
-          <a:effectRef idx="0">
-            <a:schemeClr val="accent1"/>
-          </a:effectRef>
-          <a:fontRef idx="minor">
-            <a:schemeClr val="lt1"/>
-          </a:fontRef>
-        </p:style>
-        <p:txBody>
-          <a:bodyPr rtlCol="0" anchor="ctr"/>
-          <a:lstStyle/>
-          <a:p>
-            <a:pPr algn="ctr"/>
-            <a:r>
-              <a:rPr lang="en-US" dirty="0" smtClean="0">
-                <a:latin typeface="Arial (Body)"/>
-              </a:rPr>
-              <a:t>Yêu cầu viết thuật toán trước khi thực hiện chương trình</a:t>
-            </a:r>
-            <a:endParaRPr lang="en-US" dirty="0">
-              <a:latin typeface="Arial (Body)"/>
-            </a:endParaRPr>
-          </a:p>
-        </p:txBody>
-      </p:sp>
-      <p:pic>
-        <p:nvPicPr>
-          <p:cNvPr id="29" name="Picture 28"/>
-          <p:cNvPicPr>
-            <a:picLocks noChangeAspect="1"/>
-          </p:cNvPicPr>
-          <p:nvPr/>
-        </p:nvPicPr>
-        <p:blipFill>
-          <a:blip r:embed="rId8">
+          <a:blip r:embed="rId3">
             <a:extLst>
               <a:ext uri="{28A0092B-C50C-407E-A947-70E740481C1C}">
                 <a14:useLocalDpi xmlns:a14="http://schemas.microsoft.com/office/drawing/2010/main" val="0"/>
@@ -7390,9 +7779,252 @@
           </a:stretch>
         </p:blipFill>
         <p:spPr>
-          <a:xfrm rot="20418821">
-            <a:off x="530442" y="5548361"/>
-            <a:ext cx="765616" cy="671867"/>
+          <a:xfrm>
+            <a:off x="4177234" y="3402565"/>
+            <a:ext cx="4712178" cy="3175322"/>
+          </a:xfrm>
+          <a:prstGeom prst="rect">
+            <a:avLst/>
+          </a:prstGeom>
+        </p:spPr>
+      </p:pic>
+      <p:sp>
+        <p:nvSpPr>
+          <p:cNvPr id="8" name="TextBox 7"/>
+          <p:cNvSpPr txBox="1"/>
+          <p:nvPr/>
+        </p:nvSpPr>
+        <p:spPr>
+          <a:xfrm>
+            <a:off x="679887" y="1923972"/>
+            <a:ext cx="7894269" cy="707886"/>
+          </a:xfrm>
+          <a:prstGeom prst="rect">
+            <a:avLst/>
+          </a:prstGeom>
+          <a:noFill/>
+        </p:spPr>
+        <p:txBody>
+          <a:bodyPr wrap="square" rtlCol="0">
+            <a:spAutoFit/>
+          </a:bodyPr>
+          <a:lstStyle/>
+          <a:p>
+            <a:r>
+              <a:rPr lang="vi-VN" sz="2000" dirty="0" smtClean="0"/>
+              <a:t>Thời tiết vào mùa Hè rất là nóng, may mắn là nhà của bạn </a:t>
+            </a:r>
+            <a:r>
+              <a:rPr lang="vi-VN" sz="2000" b="1" dirty="0" smtClean="0"/>
+              <a:t>Chaien</a:t>
+            </a:r>
+            <a:r>
+              <a:rPr lang="vi-VN" sz="2000" dirty="0" smtClean="0"/>
+              <a:t> có điều hòa để làm mát, giúp bạn ấy ngủ ngon giấc hơn.</a:t>
+            </a:r>
+            <a:endParaRPr lang="en-US" sz="2000" b="1" dirty="0">
+              <a:latin typeface="Arial" panose="020B0604020202020204" pitchFamily="34" charset="0"/>
+              <a:cs typeface="Arial" panose="020B0604020202020204" pitchFamily="34" charset="0"/>
+            </a:endParaRPr>
+          </a:p>
+        </p:txBody>
+      </p:sp>
+      <p:sp>
+        <p:nvSpPr>
+          <p:cNvPr id="9" name="TextBox 8"/>
+          <p:cNvSpPr txBox="1"/>
+          <p:nvPr/>
+        </p:nvSpPr>
+        <p:spPr>
+          <a:xfrm>
+            <a:off x="679888" y="2705851"/>
+            <a:ext cx="5389608" cy="707886"/>
+          </a:xfrm>
+          <a:prstGeom prst="rect">
+            <a:avLst/>
+          </a:prstGeom>
+          <a:noFill/>
+        </p:spPr>
+        <p:txBody>
+          <a:bodyPr wrap="square" rtlCol="0">
+            <a:spAutoFit/>
+          </a:bodyPr>
+          <a:lstStyle/>
+          <a:p>
+            <a:r>
+              <a:rPr lang="vi-VN" sz="2000" dirty="0">
+                <a:latin typeface="Arial (Body)"/>
+              </a:rPr>
+              <a:t>Tuy nhiên càng về khuya thì </a:t>
+            </a:r>
+            <a:r>
+              <a:rPr lang="vi-VN" sz="2000" b="1" dirty="0">
+                <a:latin typeface="Arial (Body)"/>
+              </a:rPr>
+              <a:t>Chaien</a:t>
+            </a:r>
+            <a:r>
+              <a:rPr lang="vi-VN" sz="2000" dirty="0">
+                <a:latin typeface="Arial (Body)"/>
+              </a:rPr>
+              <a:t> cảm thấy rất là </a:t>
+            </a:r>
+            <a:r>
+              <a:rPr lang="vi-VN" sz="2000" dirty="0" smtClean="0">
+                <a:latin typeface="Arial (Body)"/>
+              </a:rPr>
+              <a:t>lạnh</a:t>
+            </a:r>
+            <a:r>
+              <a:rPr lang="en-US" sz="2000" dirty="0" smtClean="0">
+                <a:latin typeface="Arial (Body)"/>
+              </a:rPr>
+              <a:t> mà </a:t>
+            </a:r>
+            <a:r>
+              <a:rPr lang="vi-VN" sz="2000" dirty="0" smtClean="0">
+                <a:latin typeface="Arial (Body)"/>
+              </a:rPr>
+              <a:t>tắt </a:t>
+            </a:r>
+            <a:r>
+              <a:rPr lang="vi-VN" sz="2000" dirty="0">
+                <a:latin typeface="Arial (Body)"/>
+              </a:rPr>
+              <a:t>điều hòa </a:t>
+            </a:r>
+            <a:r>
+              <a:rPr lang="en-US" sz="2000" dirty="0" smtClean="0">
+                <a:latin typeface="Arial (Body)"/>
+              </a:rPr>
+              <a:t>luôn</a:t>
+            </a:r>
+            <a:r>
+              <a:rPr lang="vi-VN" sz="2000" dirty="0" smtClean="0">
+                <a:latin typeface="Arial (Body)"/>
+              </a:rPr>
+              <a:t> </a:t>
+            </a:r>
+            <a:r>
+              <a:rPr lang="vi-VN" sz="2000" dirty="0">
+                <a:latin typeface="Arial (Body)"/>
+              </a:rPr>
+              <a:t>thì lại nóng.</a:t>
+            </a:r>
+            <a:endParaRPr lang="en-US" sz="2000" b="1" dirty="0">
+              <a:latin typeface="Arial (Body)"/>
+              <a:cs typeface="Arial" panose="020B0604020202020204" pitchFamily="34" charset="0"/>
+            </a:endParaRPr>
+          </a:p>
+        </p:txBody>
+      </p:sp>
+      <p:sp>
+        <p:nvSpPr>
+          <p:cNvPr id="10" name="TextBox 9"/>
+          <p:cNvSpPr txBox="1"/>
+          <p:nvPr/>
+        </p:nvSpPr>
+        <p:spPr>
+          <a:xfrm>
+            <a:off x="679887" y="3567242"/>
+            <a:ext cx="4130651" cy="1015663"/>
+          </a:xfrm>
+          <a:prstGeom prst="rect">
+            <a:avLst/>
+          </a:prstGeom>
+          <a:noFill/>
+        </p:spPr>
+        <p:txBody>
+          <a:bodyPr wrap="square" rtlCol="0">
+            <a:spAutoFit/>
+          </a:bodyPr>
+          <a:lstStyle/>
+          <a:p>
+            <a:r>
+              <a:rPr lang="vi-VN" sz="2000" dirty="0">
+                <a:latin typeface="Arial (Body)"/>
+              </a:rPr>
+              <a:t>Bạn có cách nào giúp </a:t>
+            </a:r>
+            <a:r>
+              <a:rPr lang="vi-VN" sz="2000" b="1" dirty="0">
+                <a:latin typeface="Arial (Body)"/>
+              </a:rPr>
+              <a:t>Chaien</a:t>
+            </a:r>
+            <a:r>
+              <a:rPr lang="vi-VN" sz="2000" dirty="0">
+                <a:latin typeface="Arial (Body)"/>
+              </a:rPr>
+              <a:t> giải quyết vấn đề trên hay không ? </a:t>
+            </a:r>
+            <a:r>
+              <a:rPr lang="en-US" sz="2000" dirty="0" smtClean="0">
+                <a:latin typeface="Arial (Body)"/>
+              </a:rPr>
+              <a:t>Vừa </a:t>
+            </a:r>
+            <a:r>
+              <a:rPr lang="vi-VN" sz="2000" dirty="0" smtClean="0">
+                <a:latin typeface="Arial (Body)"/>
+              </a:rPr>
+              <a:t>bớt </a:t>
+            </a:r>
+            <a:r>
+              <a:rPr lang="vi-VN" sz="2000" dirty="0">
+                <a:latin typeface="Arial (Body)"/>
+              </a:rPr>
+              <a:t>lạnh </a:t>
+            </a:r>
+            <a:r>
+              <a:rPr lang="en-US" sz="2000" dirty="0" smtClean="0">
+                <a:latin typeface="Arial (Body)"/>
+              </a:rPr>
+              <a:t>mà lại</a:t>
+            </a:r>
+            <a:r>
+              <a:rPr lang="vi-VN" sz="2000" dirty="0" smtClean="0">
+                <a:latin typeface="Arial (Body)"/>
+              </a:rPr>
+              <a:t> </a:t>
+            </a:r>
+            <a:r>
+              <a:rPr lang="vi-VN" sz="2000" dirty="0">
+                <a:latin typeface="Arial (Body)"/>
+              </a:rPr>
+              <a:t>tiết kiệm điện.</a:t>
+            </a:r>
+            <a:endParaRPr lang="en-US" sz="2000" b="1" dirty="0">
+              <a:latin typeface="Arial (Body)"/>
+              <a:cs typeface="Arial" panose="020B0604020202020204" pitchFamily="34" charset="0"/>
+            </a:endParaRPr>
+          </a:p>
+        </p:txBody>
+      </p:sp>
+      <p:pic>
+        <p:nvPicPr>
+          <p:cNvPr id="12" name="Picture 11"/>
+          <p:cNvPicPr>
+            <a:picLocks noChangeAspect="1"/>
+          </p:cNvPicPr>
+          <p:nvPr/>
+        </p:nvPicPr>
+        <p:blipFill>
+          <a:blip r:embed="rId4">
+            <a:extLst>
+              <a:ext uri="{28A0092B-C50C-407E-A947-70E740481C1C}">
+                <a14:useLocalDpi xmlns:a14="http://schemas.microsoft.com/office/drawing/2010/main" val="0"/>
+              </a:ext>
+            </a:extLst>
+          </a:blip>
+          <a:stretch>
+            <a:fillRect/>
+          </a:stretch>
+        </p:blipFill>
+        <p:spPr>
+          <a:xfrm>
+            <a:off x="746513" y="4835098"/>
+            <a:ext cx="1121365" cy="1490595"/>
           </a:xfrm>
           <a:prstGeom prst="rect">
             <a:avLst/>
@@ -7402,7 +8034,7 @@
     </p:spTree>
     <p:extLst>
       <p:ext uri="{BB962C8B-B14F-4D97-AF65-F5344CB8AC3E}">
-        <p14:creationId xmlns:p14="http://schemas.microsoft.com/office/powerpoint/2010/main" val="2001692976"/>
+        <p14:creationId xmlns:p14="http://schemas.microsoft.com/office/powerpoint/2010/main" val="269450690"/>
       </p:ext>
     </p:extLst>
   </p:cSld>
